--- a/HW6_BRam_VGA/N06-Tutorial/專案進度報告-BRam_VGA-吳東穎-20230525.pptx
+++ b/HW6_BRam_VGA/N06-Tutorial/專案進度報告-BRam_VGA-吳東穎-20230525.pptx
@@ -5,49 +5,52 @@
     <p:sldMasterId id="2147483648" r:id="rId1"/>
   </p:sldMasterIdLst>
   <p:notesMasterIdLst>
-    <p:notesMasterId r:id="rId39"/>
+    <p:notesMasterId r:id="rId42"/>
   </p:notesMasterIdLst>
   <p:handoutMasterIdLst>
-    <p:handoutMasterId r:id="rId40"/>
+    <p:handoutMasterId r:id="rId43"/>
   </p:handoutMasterIdLst>
   <p:sldIdLst>
     <p:sldId id="259" r:id="rId2"/>
     <p:sldId id="1307" r:id="rId3"/>
-    <p:sldId id="1280" r:id="rId4"/>
-    <p:sldId id="1267" r:id="rId5"/>
-    <p:sldId id="1142" r:id="rId6"/>
-    <p:sldId id="269" r:id="rId7"/>
-    <p:sldId id="614" r:id="rId8"/>
-    <p:sldId id="1250" r:id="rId9"/>
-    <p:sldId id="1293" r:id="rId10"/>
-    <p:sldId id="1296" r:id="rId11"/>
-    <p:sldId id="1315" r:id="rId12"/>
-    <p:sldId id="1136" r:id="rId13"/>
-    <p:sldId id="1294" r:id="rId14"/>
-    <p:sldId id="1281" r:id="rId15"/>
-    <p:sldId id="1303" r:id="rId16"/>
-    <p:sldId id="1312" r:id="rId17"/>
-    <p:sldId id="1313" r:id="rId18"/>
-    <p:sldId id="1314" r:id="rId19"/>
-    <p:sldId id="1311" r:id="rId20"/>
-    <p:sldId id="1304" r:id="rId21"/>
-    <p:sldId id="1309" r:id="rId22"/>
-    <p:sldId id="1310" r:id="rId23"/>
-    <p:sldId id="1305" r:id="rId24"/>
-    <p:sldId id="1308" r:id="rId25"/>
-    <p:sldId id="1306" r:id="rId26"/>
-    <p:sldId id="261" r:id="rId27"/>
-    <p:sldId id="1287" r:id="rId28"/>
-    <p:sldId id="1299" r:id="rId29"/>
-    <p:sldId id="1300" r:id="rId30"/>
-    <p:sldId id="1298" r:id="rId31"/>
-    <p:sldId id="1292" r:id="rId32"/>
-    <p:sldId id="1258" r:id="rId33"/>
-    <p:sldId id="1282" r:id="rId34"/>
-    <p:sldId id="1297" r:id="rId35"/>
-    <p:sldId id="1301" r:id="rId36"/>
-    <p:sldId id="1302" r:id="rId37"/>
-    <p:sldId id="271" r:id="rId38"/>
+    <p:sldId id="1318" r:id="rId4"/>
+    <p:sldId id="1280" r:id="rId5"/>
+    <p:sldId id="1267" r:id="rId6"/>
+    <p:sldId id="1142" r:id="rId7"/>
+    <p:sldId id="269" r:id="rId8"/>
+    <p:sldId id="614" r:id="rId9"/>
+    <p:sldId id="1250" r:id="rId10"/>
+    <p:sldId id="1293" r:id="rId11"/>
+    <p:sldId id="1296" r:id="rId12"/>
+    <p:sldId id="1315" r:id="rId13"/>
+    <p:sldId id="1136" r:id="rId14"/>
+    <p:sldId id="1294" r:id="rId15"/>
+    <p:sldId id="1316" r:id="rId16"/>
+    <p:sldId id="1281" r:id="rId17"/>
+    <p:sldId id="1303" r:id="rId18"/>
+    <p:sldId id="1312" r:id="rId19"/>
+    <p:sldId id="1313" r:id="rId20"/>
+    <p:sldId id="1314" r:id="rId21"/>
+    <p:sldId id="1317" r:id="rId22"/>
+    <p:sldId id="1311" r:id="rId23"/>
+    <p:sldId id="1304" r:id="rId24"/>
+    <p:sldId id="1309" r:id="rId25"/>
+    <p:sldId id="1310" r:id="rId26"/>
+    <p:sldId id="1305" r:id="rId27"/>
+    <p:sldId id="1308" r:id="rId28"/>
+    <p:sldId id="1306" r:id="rId29"/>
+    <p:sldId id="261" r:id="rId30"/>
+    <p:sldId id="1287" r:id="rId31"/>
+    <p:sldId id="1299" r:id="rId32"/>
+    <p:sldId id="1300" r:id="rId33"/>
+    <p:sldId id="1298" r:id="rId34"/>
+    <p:sldId id="1292" r:id="rId35"/>
+    <p:sldId id="1258" r:id="rId36"/>
+    <p:sldId id="1282" r:id="rId37"/>
+    <p:sldId id="1297" r:id="rId38"/>
+    <p:sldId id="1301" r:id="rId39"/>
+    <p:sldId id="1302" r:id="rId40"/>
+    <p:sldId id="271" r:id="rId41"/>
   </p:sldIdLst>
   <p:sldSz cx="12192000" cy="6858000"/>
   <p:notesSz cx="6858000" cy="9144000"/>
@@ -157,6 +160,7 @@
         <p14:section name="控管紀錄(NAS)" id="{2E5D7665-38B7-4012-891B-65C37992EB9E}">
           <p14:sldIdLst>
             <p14:sldId id="1307"/>
+            <p14:sldId id="1318"/>
           </p14:sldIdLst>
         </p14:section>
         <p14:section name="控管紀錄(Git)" id="{6A277EEA-9672-4024-8708-20A0F39A99C0}">
@@ -192,6 +196,7 @@
             <p14:sldId id="1315"/>
             <p14:sldId id="1136"/>
             <p14:sldId id="1294"/>
+            <p14:sldId id="1316"/>
             <p14:sldId id="1281"/>
           </p14:sldIdLst>
         </p14:section>
@@ -201,6 +206,7 @@
             <p14:sldId id="1312"/>
             <p14:sldId id="1313"/>
             <p14:sldId id="1314"/>
+            <p14:sldId id="1317"/>
           </p14:sldIdLst>
         </p14:section>
         <p14:section name="成果展示(2023/05/18)" id="{CD850086-4697-4729-8810-D56E5076CDEC}">
@@ -336,7 +342,7 @@
               <a:rPr lang="zh-TW" altLang="en-US" smtClean="0">
                 <a:ea typeface="標楷體" panose="03000509000000000000" pitchFamily="65" charset="-120"/>
               </a:rPr>
-              <a:t>2023/5/28</a:t>
+              <a:t>2023/6/1</a:t>
             </a:fld>
             <a:endParaRPr lang="zh-TW" altLang="en-US" dirty="0">
               <a:ea typeface="標楷體" panose="03000509000000000000" pitchFamily="65" charset="-120"/>
@@ -514,7 +520,7 @@
             <a:fld id="{2CB905C5-9D54-40E2-B40C-7996280CAB02}" type="datetimeFigureOut">
               <a:rPr lang="zh-TW" altLang="en-US" smtClean="0"/>
               <a:pPr/>
-              <a:t>2023/5/28</a:t>
+              <a:t>2023/6/1</a:t>
             </a:fld>
             <a:endParaRPr lang="zh-TW" altLang="en-US" dirty="0"/>
           </a:p>
@@ -935,7 +941,7 @@
           <a:p>
             <a:fld id="{EF8A6B0B-A5FB-4629-B823-69B1A9EB3A43}" type="slidenum">
               <a:rPr lang="zh-TW" altLang="en-US" smtClean="0"/>
-              <a:t>22</a:t>
+              <a:t>25</a:t>
             </a:fld>
             <a:endParaRPr lang="zh-TW" altLang="en-US"/>
           </a:p>
@@ -1019,7 +1025,7 @@
           <a:p>
             <a:fld id="{EF8A6B0B-A5FB-4629-B823-69B1A9EB3A43}" type="slidenum">
               <a:rPr lang="zh-TW" altLang="en-US" smtClean="0"/>
-              <a:t>23</a:t>
+              <a:t>26</a:t>
             </a:fld>
             <a:endParaRPr lang="zh-TW" altLang="en-US"/>
           </a:p>
@@ -1103,7 +1109,7 @@
           <a:p>
             <a:fld id="{EF8A6B0B-A5FB-4629-B823-69B1A9EB3A43}" type="slidenum">
               <a:rPr lang="zh-TW" altLang="en-US" smtClean="0"/>
-              <a:t>24</a:t>
+              <a:t>27</a:t>
             </a:fld>
             <a:endParaRPr lang="zh-TW" altLang="en-US"/>
           </a:p>
@@ -1187,7 +1193,7 @@
           <a:p>
             <a:fld id="{EF8A6B0B-A5FB-4629-B823-69B1A9EB3A43}" type="slidenum">
               <a:rPr lang="zh-TW" altLang="en-US" smtClean="0"/>
-              <a:t>25</a:t>
+              <a:t>28</a:t>
             </a:fld>
             <a:endParaRPr lang="zh-TW" altLang="en-US"/>
           </a:p>
@@ -1271,7 +1277,7 @@
           <a:p>
             <a:fld id="{EF8A6B0B-A5FB-4629-B823-69B1A9EB3A43}" type="slidenum">
               <a:rPr lang="zh-TW" altLang="en-US" smtClean="0"/>
-              <a:t>26</a:t>
+              <a:t>29</a:t>
             </a:fld>
             <a:endParaRPr lang="zh-TW" altLang="en-US"/>
           </a:p>
@@ -1355,7 +1361,7 @@
           <a:p>
             <a:fld id="{EF8A6B0B-A5FB-4629-B823-69B1A9EB3A43}" type="slidenum">
               <a:rPr lang="zh-TW" altLang="en-US" smtClean="0"/>
-              <a:t>27</a:t>
+              <a:t>30</a:t>
             </a:fld>
             <a:endParaRPr lang="zh-TW" altLang="en-US"/>
           </a:p>
@@ -1439,7 +1445,7 @@
           <a:p>
             <a:fld id="{EF8A6B0B-A5FB-4629-B823-69B1A9EB3A43}" type="slidenum">
               <a:rPr lang="zh-TW" altLang="en-US" smtClean="0"/>
-              <a:t>28</a:t>
+              <a:t>31</a:t>
             </a:fld>
             <a:endParaRPr lang="zh-TW" altLang="en-US"/>
           </a:p>
@@ -1523,7 +1529,7 @@
           <a:p>
             <a:fld id="{EF8A6B0B-A5FB-4629-B823-69B1A9EB3A43}" type="slidenum">
               <a:rPr lang="zh-TW" altLang="en-US" smtClean="0"/>
-              <a:t>29</a:t>
+              <a:t>32</a:t>
             </a:fld>
             <a:endParaRPr lang="zh-TW" altLang="en-US"/>
           </a:p>
@@ -1607,7 +1613,7 @@
           <a:p>
             <a:fld id="{EF8A6B0B-A5FB-4629-B823-69B1A9EB3A43}" type="slidenum">
               <a:rPr lang="zh-TW" altLang="en-US" smtClean="0"/>
-              <a:t>30</a:t>
+              <a:t>33</a:t>
             </a:fld>
             <a:endParaRPr lang="zh-TW" altLang="en-US"/>
           </a:p>
@@ -1691,7 +1697,7 @@
           <a:p>
             <a:fld id="{EF8A6B0B-A5FB-4629-B823-69B1A9EB3A43}" type="slidenum">
               <a:rPr lang="zh-TW" altLang="en-US" smtClean="0"/>
-              <a:t>31</a:t>
+              <a:t>34</a:t>
             </a:fld>
             <a:endParaRPr lang="zh-TW" altLang="en-US"/>
           </a:p>
@@ -1775,7 +1781,7 @@
           <a:p>
             <a:fld id="{EF8A6B0B-A5FB-4629-B823-69B1A9EB3A43}" type="slidenum">
               <a:rPr lang="zh-TW" altLang="en-US" smtClean="0"/>
-              <a:t>4</a:t>
+              <a:t>5</a:t>
             </a:fld>
             <a:endParaRPr lang="zh-TW" altLang="en-US"/>
           </a:p>
@@ -1859,7 +1865,7 @@
           <a:p>
             <a:fld id="{EF8A6B0B-A5FB-4629-B823-69B1A9EB3A43}" type="slidenum">
               <a:rPr lang="zh-TW" altLang="en-US" smtClean="0"/>
-              <a:t>32</a:t>
+              <a:t>35</a:t>
             </a:fld>
             <a:endParaRPr lang="zh-TW" altLang="en-US"/>
           </a:p>
@@ -1943,7 +1949,7 @@
           <a:p>
             <a:fld id="{EF8A6B0B-A5FB-4629-B823-69B1A9EB3A43}" type="slidenum">
               <a:rPr lang="zh-TW" altLang="en-US" smtClean="0"/>
-              <a:t>33</a:t>
+              <a:t>36</a:t>
             </a:fld>
             <a:endParaRPr lang="zh-TW" altLang="en-US"/>
           </a:p>
@@ -2027,7 +2033,7 @@
           <a:p>
             <a:fld id="{EF8A6B0B-A5FB-4629-B823-69B1A9EB3A43}" type="slidenum">
               <a:rPr lang="zh-TW" altLang="en-US" smtClean="0"/>
-              <a:t>34</a:t>
+              <a:t>37</a:t>
             </a:fld>
             <a:endParaRPr lang="zh-TW" altLang="en-US"/>
           </a:p>
@@ -2111,7 +2117,7 @@
           <a:p>
             <a:fld id="{EF8A6B0B-A5FB-4629-B823-69B1A9EB3A43}" type="slidenum">
               <a:rPr lang="zh-TW" altLang="en-US" smtClean="0"/>
-              <a:t>35</a:t>
+              <a:t>38</a:t>
             </a:fld>
             <a:endParaRPr lang="zh-TW" altLang="en-US"/>
           </a:p>
@@ -2195,7 +2201,7 @@
           <a:p>
             <a:fld id="{EF8A6B0B-A5FB-4629-B823-69B1A9EB3A43}" type="slidenum">
               <a:rPr lang="zh-TW" altLang="en-US" smtClean="0"/>
-              <a:t>36</a:t>
+              <a:t>39</a:t>
             </a:fld>
             <a:endParaRPr lang="zh-TW" altLang="en-US"/>
           </a:p>
@@ -2279,7 +2285,7 @@
           <a:p>
             <a:fld id="{EF8A6B0B-A5FB-4629-B823-69B1A9EB3A43}" type="slidenum">
               <a:rPr lang="zh-TW" altLang="en-US" smtClean="0"/>
-              <a:t>15</a:t>
+              <a:t>17</a:t>
             </a:fld>
             <a:endParaRPr lang="zh-TW" altLang="en-US"/>
           </a:p>
@@ -2363,7 +2369,7 @@
           <a:p>
             <a:fld id="{EF8A6B0B-A5FB-4629-B823-69B1A9EB3A43}" type="slidenum">
               <a:rPr lang="zh-TW" altLang="en-US" smtClean="0"/>
-              <a:t>16</a:t>
+              <a:t>18</a:t>
             </a:fld>
             <a:endParaRPr lang="zh-TW" altLang="en-US"/>
           </a:p>
@@ -2447,7 +2453,7 @@
           <a:p>
             <a:fld id="{EF8A6B0B-A5FB-4629-B823-69B1A9EB3A43}" type="slidenum">
               <a:rPr lang="zh-TW" altLang="en-US" smtClean="0"/>
-              <a:t>17</a:t>
+              <a:t>19</a:t>
             </a:fld>
             <a:endParaRPr lang="zh-TW" altLang="en-US"/>
           </a:p>
@@ -2531,7 +2537,7 @@
           <a:p>
             <a:fld id="{EF8A6B0B-A5FB-4629-B823-69B1A9EB3A43}" type="slidenum">
               <a:rPr lang="zh-TW" altLang="en-US" smtClean="0"/>
-              <a:t>18</a:t>
+              <a:t>20</a:t>
             </a:fld>
             <a:endParaRPr lang="zh-TW" altLang="en-US"/>
           </a:p>
@@ -2615,7 +2621,7 @@
           <a:p>
             <a:fld id="{EF8A6B0B-A5FB-4629-B823-69B1A9EB3A43}" type="slidenum">
               <a:rPr lang="zh-TW" altLang="en-US" smtClean="0"/>
-              <a:t>19</a:t>
+              <a:t>22</a:t>
             </a:fld>
             <a:endParaRPr lang="zh-TW" altLang="en-US"/>
           </a:p>
@@ -2699,7 +2705,7 @@
           <a:p>
             <a:fld id="{EF8A6B0B-A5FB-4629-B823-69B1A9EB3A43}" type="slidenum">
               <a:rPr lang="zh-TW" altLang="en-US" smtClean="0"/>
-              <a:t>20</a:t>
+              <a:t>23</a:t>
             </a:fld>
             <a:endParaRPr lang="zh-TW" altLang="en-US"/>
           </a:p>
@@ -2783,7 +2789,7 @@
           <a:p>
             <a:fld id="{EF8A6B0B-A5FB-4629-B823-69B1A9EB3A43}" type="slidenum">
               <a:rPr lang="zh-TW" altLang="en-US" smtClean="0"/>
-              <a:t>21</a:t>
+              <a:t>24</a:t>
             </a:fld>
             <a:endParaRPr lang="zh-TW" altLang="en-US"/>
           </a:p>
@@ -2936,7 +2942,7 @@
           <a:p>
             <a:fld id="{0C0CC965-A63A-473D-BEFB-C8F9714D5269}" type="datetimeFigureOut">
               <a:rPr lang="zh-TW" altLang="en-US" smtClean="0"/>
-              <a:t>2023/5/28</a:t>
+              <a:t>2023/6/1</a:t>
             </a:fld>
             <a:endParaRPr lang="zh-TW" altLang="en-US"/>
           </a:p>
@@ -3104,7 +3110,7 @@
           <a:p>
             <a:fld id="{0C0CC965-A63A-473D-BEFB-C8F9714D5269}" type="datetimeFigureOut">
               <a:rPr lang="zh-TW" altLang="en-US" smtClean="0"/>
-              <a:t>2023/5/28</a:t>
+              <a:t>2023/6/1</a:t>
             </a:fld>
             <a:endParaRPr lang="zh-TW" altLang="en-US"/>
           </a:p>
@@ -3282,7 +3288,7 @@
           <a:p>
             <a:fld id="{0C0CC965-A63A-473D-BEFB-C8F9714D5269}" type="datetimeFigureOut">
               <a:rPr lang="zh-TW" altLang="en-US" smtClean="0"/>
-              <a:t>2023/5/28</a:t>
+              <a:t>2023/6/1</a:t>
             </a:fld>
             <a:endParaRPr lang="zh-TW" altLang="en-US"/>
           </a:p>
@@ -3504,7 +3510,7 @@
           <a:p>
             <a:fld id="{0C0CC965-A63A-473D-BEFB-C8F9714D5269}" type="datetimeFigureOut">
               <a:rPr lang="zh-TW" altLang="en-US" smtClean="0"/>
-              <a:t>2023/5/28</a:t>
+              <a:t>2023/6/1</a:t>
             </a:fld>
             <a:endParaRPr lang="zh-TW" altLang="en-US"/>
           </a:p>
@@ -3699,7 +3705,7 @@
           <a:p>
             <a:fld id="{0C0CC965-A63A-473D-BEFB-C8F9714D5269}" type="datetimeFigureOut">
               <a:rPr lang="zh-TW" altLang="en-US" smtClean="0"/>
-              <a:t>2023/5/28</a:t>
+              <a:t>2023/6/1</a:t>
             </a:fld>
             <a:endParaRPr lang="zh-TW" altLang="en-US"/>
           </a:p>
@@ -3944,7 +3950,7 @@
           <a:p>
             <a:fld id="{0C0CC965-A63A-473D-BEFB-C8F9714D5269}" type="datetimeFigureOut">
               <a:rPr lang="zh-TW" altLang="en-US" smtClean="0"/>
-              <a:t>2023/5/28</a:t>
+              <a:t>2023/6/1</a:t>
             </a:fld>
             <a:endParaRPr lang="zh-TW" altLang="en-US"/>
           </a:p>
@@ -4173,7 +4179,7 @@
           <a:p>
             <a:fld id="{0C0CC965-A63A-473D-BEFB-C8F9714D5269}" type="datetimeFigureOut">
               <a:rPr lang="zh-TW" altLang="en-US" smtClean="0"/>
-              <a:t>2023/5/28</a:t>
+              <a:t>2023/6/1</a:t>
             </a:fld>
             <a:endParaRPr lang="zh-TW" altLang="en-US"/>
           </a:p>
@@ -4537,7 +4543,7 @@
           <a:p>
             <a:fld id="{0C0CC965-A63A-473D-BEFB-C8F9714D5269}" type="datetimeFigureOut">
               <a:rPr lang="zh-TW" altLang="en-US" smtClean="0"/>
-              <a:t>2023/5/28</a:t>
+              <a:t>2023/6/1</a:t>
             </a:fld>
             <a:endParaRPr lang="zh-TW" altLang="en-US"/>
           </a:p>
@@ -4654,7 +4660,7 @@
           <a:p>
             <a:fld id="{0C0CC965-A63A-473D-BEFB-C8F9714D5269}" type="datetimeFigureOut">
               <a:rPr lang="zh-TW" altLang="en-US" smtClean="0"/>
-              <a:t>2023/5/28</a:t>
+              <a:t>2023/6/1</a:t>
             </a:fld>
             <a:endParaRPr lang="zh-TW" altLang="en-US"/>
           </a:p>
@@ -4749,7 +4755,7 @@
           <a:p>
             <a:fld id="{0C0CC965-A63A-473D-BEFB-C8F9714D5269}" type="datetimeFigureOut">
               <a:rPr lang="zh-TW" altLang="en-US" smtClean="0"/>
-              <a:t>2023/5/28</a:t>
+              <a:t>2023/6/1</a:t>
             </a:fld>
             <a:endParaRPr lang="zh-TW" altLang="en-US"/>
           </a:p>
@@ -5024,7 +5030,7 @@
           <a:p>
             <a:fld id="{0C0CC965-A63A-473D-BEFB-C8F9714D5269}" type="datetimeFigureOut">
               <a:rPr lang="zh-TW" altLang="en-US" smtClean="0"/>
-              <a:t>2023/5/28</a:t>
+              <a:t>2023/6/1</a:t>
             </a:fld>
             <a:endParaRPr lang="zh-TW" altLang="en-US"/>
           </a:p>
@@ -5276,7 +5282,7 @@
           <a:p>
             <a:fld id="{0C0CC965-A63A-473D-BEFB-C8F9714D5269}" type="datetimeFigureOut">
               <a:rPr lang="zh-TW" altLang="en-US" smtClean="0"/>
-              <a:t>2023/5/28</a:t>
+              <a:t>2023/6/1</a:t>
             </a:fld>
             <a:endParaRPr lang="zh-TW" altLang="en-US"/>
           </a:p>
@@ -5490,7 +5496,7 @@
             <a:fld id="{0C0CC965-A63A-473D-BEFB-C8F9714D5269}" type="datetimeFigureOut">
               <a:rPr lang="zh-TW" altLang="en-US" smtClean="0"/>
               <a:pPr/>
-              <a:t>2023/5/28</a:t>
+              <a:t>2023/6/1</a:t>
             </a:fld>
             <a:endParaRPr lang="zh-TW" altLang="en-US"/>
           </a:p>
@@ -6151,6 +6157,117 @@
       </p:grpSpPr>
       <p:sp>
         <p:nvSpPr>
+          <p:cNvPr id="4" name="標題 3"/>
+          <p:cNvSpPr>
+            <a:spLocks noGrp="1"/>
+          </p:cNvSpPr>
+          <p:nvPr>
+            <p:ph type="title"/>
+          </p:nvPr>
+        </p:nvSpPr>
+        <p:spPr/>
+        <p:txBody>
+          <a:bodyPr/>
+          <a:lstStyle/>
+          <a:p>
+            <a:r>
+              <a:rPr lang="zh-TW" altLang="en-US" dirty="0"/>
+              <a:t>系統分析 </a:t>
+            </a:r>
+            <a:r>
+              <a:rPr lang="en-US" altLang="zh-TW" dirty="0"/>
+              <a:t>–</a:t>
+            </a:r>
+            <a:r>
+              <a:rPr lang="zh-TW" altLang="en-US" dirty="0"/>
+              <a:t> </a:t>
+            </a:r>
+            <a:r>
+              <a:rPr lang="en-US" altLang="zh-TW" dirty="0"/>
+              <a:t>Break down</a:t>
+            </a:r>
+            <a:r>
+              <a:rPr lang="zh-TW" altLang="en-US" dirty="0"/>
+              <a:t> </a:t>
+            </a:r>
+            <a:r>
+              <a:rPr lang="en-US" altLang="zh-TW" dirty="0"/>
+              <a:t>(2023/5/13</a:t>
+            </a:r>
+            <a:r>
+              <a:rPr lang="zh-TW" altLang="en-US" dirty="0"/>
+              <a:t>更新</a:t>
+            </a:r>
+            <a:r>
+              <a:rPr lang="en-US" altLang="zh-TW" dirty="0"/>
+              <a:t>)</a:t>
+            </a:r>
+            <a:endParaRPr lang="zh-TW" altLang="en-US" dirty="0"/>
+          </a:p>
+        </p:txBody>
+      </p:sp>
+      <p:pic>
+        <p:nvPicPr>
+          <p:cNvPr id="3" name="圖片 2">
+            <a:extLst>
+              <a:ext uri="{FF2B5EF4-FFF2-40B4-BE49-F238E27FC236}">
+                <a16:creationId xmlns:a16="http://schemas.microsoft.com/office/drawing/2014/main" id="{5362726A-8B91-47F6-80D9-15DE3DC47D25}"/>
+              </a:ext>
+            </a:extLst>
+          </p:cNvPr>
+          <p:cNvPicPr>
+            <a:picLocks noChangeAspect="1"/>
+          </p:cNvPicPr>
+          <p:nvPr/>
+        </p:nvPicPr>
+        <p:blipFill>
+          <a:blip r:embed="rId2"/>
+          <a:stretch>
+            <a:fillRect/>
+          </a:stretch>
+        </p:blipFill>
+        <p:spPr>
+          <a:xfrm>
+            <a:off x="1600921" y="1272253"/>
+            <a:ext cx="8990157" cy="4863906"/>
+          </a:xfrm>
+          <a:prstGeom prst="rect">
+            <a:avLst/>
+          </a:prstGeom>
+        </p:spPr>
+      </p:pic>
+    </p:spTree>
+    <p:extLst>
+      <p:ext uri="{BB962C8B-B14F-4D97-AF65-F5344CB8AC3E}">
+        <p14:creationId xmlns:p14="http://schemas.microsoft.com/office/powerpoint/2010/main" val="4097681233"/>
+      </p:ext>
+    </p:extLst>
+  </p:cSld>
+  <p:clrMapOvr>
+    <a:masterClrMapping/>
+  </p:clrMapOvr>
+</p:sld>
+</file>
+
+<file path=ppt/slides/slide11.xml><?xml version="1.0" encoding="utf-8"?>
+<p:sld xmlns:a="http://schemas.openxmlformats.org/drawingml/2006/main" xmlns:r="http://schemas.openxmlformats.org/officeDocument/2006/relationships" xmlns:p="http://schemas.openxmlformats.org/presentationml/2006/main">
+  <p:cSld>
+    <p:spTree>
+      <p:nvGrpSpPr>
+        <p:cNvPr id="1" name=""/>
+        <p:cNvGrpSpPr/>
+        <p:nvPr/>
+      </p:nvGrpSpPr>
+      <p:grpSpPr>
+        <a:xfrm>
+          <a:off x="0" y="0"/>
+          <a:ext cx="0" cy="0"/>
+          <a:chOff x="0" y="0"/>
+          <a:chExt cx="0" cy="0"/>
+        </a:xfrm>
+      </p:grpSpPr>
+      <p:sp>
+        <p:nvSpPr>
           <p:cNvPr id="3" name="標題 2"/>
           <p:cNvSpPr>
             <a:spLocks noGrp="1"/>
@@ -7137,7 +7254,7 @@
 </p:sld>
 </file>
 
-<file path=ppt/slides/slide11.xml><?xml version="1.0" encoding="utf-8"?>
+<file path=ppt/slides/slide12.xml><?xml version="1.0" encoding="utf-8"?>
 <p:sld xmlns:a="http://schemas.openxmlformats.org/drawingml/2006/main" xmlns:r="http://schemas.openxmlformats.org/officeDocument/2006/relationships" xmlns:p="http://schemas.openxmlformats.org/presentationml/2006/main">
   <p:cSld>
     <p:spTree>
@@ -8067,7 +8184,7 @@
 </p:sld>
 </file>
 
-<file path=ppt/slides/slide12.xml><?xml version="1.0" encoding="utf-8"?>
+<file path=ppt/slides/slide13.xml><?xml version="1.0" encoding="utf-8"?>
 <p:sld xmlns:a="http://schemas.openxmlformats.org/drawingml/2006/main" xmlns:r="http://schemas.openxmlformats.org/officeDocument/2006/relationships" xmlns:p="http://schemas.openxmlformats.org/presentationml/2006/main">
   <p:cSld>
     <p:spTree>
@@ -8297,7 +8414,7 @@
 </p:sld>
 </file>
 
-<file path=ppt/slides/slide13.xml><?xml version="1.0" encoding="utf-8"?>
+<file path=ppt/slides/slide14.xml><?xml version="1.0" encoding="utf-8"?>
 <p:sld xmlns:a="http://schemas.openxmlformats.org/drawingml/2006/main" xmlns:r="http://schemas.openxmlformats.org/officeDocument/2006/relationships" xmlns:p="http://schemas.openxmlformats.org/presentationml/2006/main">
   <p:cSld>
     <p:spTree>
@@ -8503,7 +8620,277 @@
 </p:sld>
 </file>
 
-<file path=ppt/slides/slide14.xml><?xml version="1.0" encoding="utf-8"?>
+<file path=ppt/slides/slide15.xml><?xml version="1.0" encoding="utf-8"?>
+<p:sld xmlns:a="http://schemas.openxmlformats.org/drawingml/2006/main" xmlns:r="http://schemas.openxmlformats.org/officeDocument/2006/relationships" xmlns:p="http://schemas.openxmlformats.org/presentationml/2006/main">
+  <p:cSld>
+    <p:spTree>
+      <p:nvGrpSpPr>
+        <p:cNvPr id="1" name=""/>
+        <p:cNvGrpSpPr/>
+        <p:nvPr/>
+      </p:nvGrpSpPr>
+      <p:grpSpPr>
+        <a:xfrm>
+          <a:off x="0" y="0"/>
+          <a:ext cx="0" cy="0"/>
+          <a:chOff x="0" y="0"/>
+          <a:chExt cx="0" cy="0"/>
+        </a:xfrm>
+      </p:grpSpPr>
+      <p:sp>
+        <p:nvSpPr>
+          <p:cNvPr id="3" name="標題 2"/>
+          <p:cNvSpPr>
+            <a:spLocks noGrp="1"/>
+          </p:cNvSpPr>
+          <p:nvPr>
+            <p:ph type="title"/>
+          </p:nvPr>
+        </p:nvSpPr>
+        <p:spPr>
+          <a:xfrm>
+            <a:off x="838200" y="329614"/>
+            <a:ext cx="10515600" cy="720000"/>
+          </a:xfrm>
+        </p:spPr>
+        <p:txBody>
+          <a:bodyPr>
+            <a:normAutofit/>
+          </a:bodyPr>
+          <a:lstStyle/>
+          <a:p>
+            <a:r>
+              <a:rPr lang="zh-TW" altLang="en-US" sz="4000" dirty="0"/>
+              <a:t>專案架構圖 </a:t>
+            </a:r>
+            <a:r>
+              <a:rPr lang="en-US" altLang="zh-TW" sz="4000" dirty="0"/>
+              <a:t>–</a:t>
+            </a:r>
+            <a:r>
+              <a:rPr lang="zh-TW" altLang="en-US" sz="4000" dirty="0"/>
+              <a:t> </a:t>
+            </a:r>
+            <a:r>
+              <a:rPr lang="zh-TW" altLang="en-US" sz="4000" dirty="0">
+                <a:latin typeface="標楷體" panose="03000509000000000000" pitchFamily="65" charset="-120"/>
+                <a:ea typeface="標楷體" panose="03000509000000000000" pitchFamily="65" charset="-120"/>
+              </a:rPr>
+              <a:t>方塊圖</a:t>
+            </a:r>
+            <a:r>
+              <a:rPr lang="en-US" altLang="zh-TW" sz="4000" dirty="0"/>
+              <a:t>(2023/5/15</a:t>
+            </a:r>
+            <a:r>
+              <a:rPr lang="zh-TW" altLang="en-US" sz="4000" dirty="0"/>
+              <a:t>更新</a:t>
+            </a:r>
+            <a:r>
+              <a:rPr lang="en-US" altLang="zh-TW" sz="4000" dirty="0"/>
+              <a:t>)</a:t>
+            </a:r>
+            <a:endParaRPr lang="zh-TW" altLang="en-US" sz="4000" dirty="0"/>
+          </a:p>
+        </p:txBody>
+      </p:sp>
+      <p:sp>
+        <p:nvSpPr>
+          <p:cNvPr id="4" name="文字方塊 3">
+            <a:extLst>
+              <a:ext uri="{FF2B5EF4-FFF2-40B4-BE49-F238E27FC236}">
+                <a16:creationId xmlns:a16="http://schemas.microsoft.com/office/drawing/2014/main" id="{3B666394-AEC8-471C-8F95-8308C72E30DF}"/>
+              </a:ext>
+            </a:extLst>
+          </p:cNvPr>
+          <p:cNvSpPr txBox="1"/>
+          <p:nvPr/>
+        </p:nvSpPr>
+        <p:spPr>
+          <a:xfrm>
+            <a:off x="1651247" y="1226312"/>
+            <a:ext cx="6977848" cy="2062103"/>
+          </a:xfrm>
+          <a:prstGeom prst="rect">
+            <a:avLst/>
+          </a:prstGeom>
+          <a:noFill/>
+        </p:spPr>
+        <p:txBody>
+          <a:bodyPr wrap="square" rtlCol="0">
+            <a:spAutoFit/>
+          </a:bodyPr>
+          <a:lstStyle/>
+          <a:p>
+            <a:pPr marL="742950" lvl="1" indent="-285750">
+              <a:buFont typeface="Arial" panose="020B0604020202020204" pitchFamily="34" charset="0"/>
+              <a:buChar char="•"/>
+            </a:pPr>
+            <a:r>
+              <a:rPr lang="en-US" altLang="zh-TW" sz="1600" dirty="0">
+                <a:latin typeface="Times New Roman" panose="02020603050405020304" pitchFamily="18" charset="0"/>
+                <a:ea typeface="標楷體" panose="03000509000000000000" pitchFamily="65" charset="-120"/>
+              </a:rPr>
+              <a:t>RTL</a:t>
+            </a:r>
+          </a:p>
+          <a:p>
+            <a:pPr marL="1200150" lvl="2" indent="-285750">
+              <a:buFont typeface="Arial" panose="020B0604020202020204" pitchFamily="34" charset="0"/>
+              <a:buChar char="•"/>
+            </a:pPr>
+            <a:r>
+              <a:rPr lang="en-US" altLang="zh-TW" sz="1600" dirty="0" err="1">
+                <a:latin typeface="Times New Roman" panose="02020603050405020304" pitchFamily="18" charset="0"/>
+                <a:ea typeface="標楷體" panose="03000509000000000000" pitchFamily="65" charset="-120"/>
+              </a:rPr>
+              <a:t>RGB_gen</a:t>
+            </a:r>
+            <a:endParaRPr lang="en-US" altLang="zh-TW" sz="1600" dirty="0">
+              <a:latin typeface="Times New Roman" panose="02020603050405020304" pitchFamily="18" charset="0"/>
+              <a:ea typeface="標楷體" panose="03000509000000000000" pitchFamily="65" charset="-120"/>
+            </a:endParaRPr>
+          </a:p>
+          <a:p>
+            <a:pPr marL="1657350" lvl="3" indent="-285750">
+              <a:buFont typeface="Arial" panose="020B0604020202020204" pitchFamily="34" charset="0"/>
+              <a:buChar char="•"/>
+            </a:pPr>
+            <a:r>
+              <a:rPr lang="en-US" altLang="zh-TW" sz="1600" dirty="0" err="1">
+                <a:latin typeface="Times New Roman" panose="02020603050405020304" pitchFamily="18" charset="0"/>
+                <a:ea typeface="標楷體" panose="03000509000000000000" pitchFamily="65" charset="-120"/>
+              </a:rPr>
+              <a:t>Sync_To_Count</a:t>
+            </a:r>
+            <a:endParaRPr lang="en-US" altLang="zh-TW" sz="1600" dirty="0">
+              <a:latin typeface="Times New Roman" panose="02020603050405020304" pitchFamily="18" charset="0"/>
+              <a:ea typeface="標楷體" panose="03000509000000000000" pitchFamily="65" charset="-120"/>
+            </a:endParaRPr>
+          </a:p>
+          <a:p>
+            <a:pPr marL="1657350" lvl="3" indent="-285750">
+              <a:buFont typeface="Arial" panose="020B0604020202020204" pitchFamily="34" charset="0"/>
+              <a:buChar char="•"/>
+            </a:pPr>
+            <a:r>
+              <a:rPr lang="en-US" altLang="zh-TW" sz="1600" dirty="0" err="1">
+                <a:latin typeface="Times New Roman" panose="02020603050405020304" pitchFamily="18" charset="0"/>
+                <a:ea typeface="標楷體" panose="03000509000000000000" pitchFamily="65" charset="-120"/>
+              </a:rPr>
+              <a:t>blk_number</a:t>
+            </a:r>
+            <a:endParaRPr lang="en-US" altLang="zh-TW" sz="1600" dirty="0">
+              <a:latin typeface="Times New Roman" panose="02020603050405020304" pitchFamily="18" charset="0"/>
+              <a:ea typeface="標楷體" panose="03000509000000000000" pitchFamily="65" charset="-120"/>
+            </a:endParaRPr>
+          </a:p>
+          <a:p>
+            <a:pPr marL="1657350" lvl="3" indent="-285750">
+              <a:buFont typeface="Arial" panose="020B0604020202020204" pitchFamily="34" charset="0"/>
+              <a:buChar char="•"/>
+            </a:pPr>
+            <a:r>
+              <a:rPr lang="en-US" altLang="zh-TW" sz="1600" dirty="0">
+                <a:latin typeface="Times New Roman" panose="02020603050405020304" pitchFamily="18" charset="0"/>
+                <a:ea typeface="標楷體" panose="03000509000000000000" pitchFamily="65" charset="-120"/>
+              </a:rPr>
+              <a:t>FSM_VGA</a:t>
+            </a:r>
+          </a:p>
+          <a:p>
+            <a:pPr marL="1657350" lvl="3" indent="-285750">
+              <a:buFont typeface="Arial" panose="020B0604020202020204" pitchFamily="34" charset="0"/>
+              <a:buChar char="•"/>
+            </a:pPr>
+            <a:r>
+              <a:rPr lang="en-US" altLang="zh-TW" sz="1600" dirty="0" err="1">
+                <a:latin typeface="Times New Roman" panose="02020603050405020304" pitchFamily="18" charset="0"/>
+                <a:ea typeface="標楷體" panose="03000509000000000000" pitchFamily="65" charset="-120"/>
+              </a:rPr>
+              <a:t>Number_Displayer</a:t>
+            </a:r>
+            <a:endParaRPr lang="en-US" altLang="zh-TW" sz="1600" dirty="0">
+              <a:latin typeface="Times New Roman" panose="02020603050405020304" pitchFamily="18" charset="0"/>
+              <a:ea typeface="標楷體" panose="03000509000000000000" pitchFamily="65" charset="-120"/>
+            </a:endParaRPr>
+          </a:p>
+          <a:p>
+            <a:pPr marL="1200150" lvl="2" indent="-285750">
+              <a:buFont typeface="Arial" panose="020B0604020202020204" pitchFamily="34" charset="0"/>
+              <a:buChar char="•"/>
+            </a:pPr>
+            <a:r>
+              <a:rPr lang="en-US" altLang="zh-TW" sz="1600" dirty="0">
+                <a:latin typeface="Times New Roman" panose="02020603050405020304" pitchFamily="18" charset="0"/>
+                <a:ea typeface="標楷體" panose="03000509000000000000" pitchFamily="65" charset="-120"/>
+              </a:rPr>
+              <a:t>Bram (.COE)</a:t>
+            </a:r>
+          </a:p>
+          <a:p>
+            <a:pPr marL="1200150" lvl="2" indent="-285750">
+              <a:buFont typeface="Arial" panose="020B0604020202020204" pitchFamily="34" charset="0"/>
+              <a:buChar char="•"/>
+            </a:pPr>
+            <a:r>
+              <a:rPr lang="en-US" altLang="zh-TW" sz="1600" dirty="0" err="1">
+                <a:latin typeface="Times New Roman" panose="02020603050405020304" pitchFamily="18" charset="0"/>
+                <a:ea typeface="標楷體" panose="03000509000000000000" pitchFamily="65" charset="-120"/>
+              </a:rPr>
+              <a:t>FSM_pong</a:t>
+            </a:r>
+            <a:endParaRPr lang="zh-TW" altLang="en-US" sz="1600" dirty="0">
+              <a:latin typeface="Times New Roman" panose="02020603050405020304" pitchFamily="18" charset="0"/>
+              <a:ea typeface="標楷體" panose="03000509000000000000" pitchFamily="65" charset="-120"/>
+            </a:endParaRPr>
+          </a:p>
+        </p:txBody>
+      </p:sp>
+      <p:pic>
+        <p:nvPicPr>
+          <p:cNvPr id="6" name="圖片 5">
+            <a:extLst>
+              <a:ext uri="{FF2B5EF4-FFF2-40B4-BE49-F238E27FC236}">
+                <a16:creationId xmlns:a16="http://schemas.microsoft.com/office/drawing/2014/main" id="{5FBB5DC6-B716-454F-8648-894BC45CA799}"/>
+              </a:ext>
+            </a:extLst>
+          </p:cNvPr>
+          <p:cNvPicPr>
+            <a:picLocks noChangeAspect="1"/>
+          </p:cNvPicPr>
+          <p:nvPr/>
+        </p:nvPicPr>
+        <p:blipFill>
+          <a:blip r:embed="rId2"/>
+          <a:stretch>
+            <a:fillRect/>
+          </a:stretch>
+        </p:blipFill>
+        <p:spPr>
+          <a:xfrm>
+            <a:off x="406076" y="3288415"/>
+            <a:ext cx="11379848" cy="2297485"/>
+          </a:xfrm>
+          <a:prstGeom prst="rect">
+            <a:avLst/>
+          </a:prstGeom>
+        </p:spPr>
+      </p:pic>
+    </p:spTree>
+    <p:extLst>
+      <p:ext uri="{BB962C8B-B14F-4D97-AF65-F5344CB8AC3E}">
+        <p14:creationId xmlns:p14="http://schemas.microsoft.com/office/powerpoint/2010/main" val="2623432508"/>
+      </p:ext>
+    </p:extLst>
+  </p:cSld>
+  <p:clrMapOvr>
+    <a:masterClrMapping/>
+  </p:clrMapOvr>
+</p:sld>
+</file>
+
+<file path=ppt/slides/slide16.xml><?xml version="1.0" encoding="utf-8"?>
 <p:sld xmlns:a="http://schemas.openxmlformats.org/drawingml/2006/main" xmlns:r="http://schemas.openxmlformats.org/officeDocument/2006/relationships" xmlns:p="http://schemas.openxmlformats.org/presentationml/2006/main">
   <p:cSld>
     <p:spTree>
@@ -8697,7 +9084,7 @@
 </p:sld>
 </file>
 
-<file path=ppt/slides/slide15.xml><?xml version="1.0" encoding="utf-8"?>
+<file path=ppt/slides/slide17.xml><?xml version="1.0" encoding="utf-8"?>
 <p:sld xmlns:a="http://schemas.openxmlformats.org/drawingml/2006/main" xmlns:r="http://schemas.openxmlformats.org/officeDocument/2006/relationships" xmlns:p="http://schemas.openxmlformats.org/presentationml/2006/main">
   <p:cSld>
     <p:spTree>
@@ -9007,7 +9394,7 @@
 </p:sld>
 </file>
 
-<file path=ppt/slides/slide16.xml><?xml version="1.0" encoding="utf-8"?>
+<file path=ppt/slides/slide18.xml><?xml version="1.0" encoding="utf-8"?>
 <p:sld xmlns:a="http://schemas.openxmlformats.org/drawingml/2006/main" xmlns:r="http://schemas.openxmlformats.org/officeDocument/2006/relationships" xmlns:p="http://schemas.openxmlformats.org/presentationml/2006/main">
   <p:cSld>
     <p:spTree>
@@ -9277,7 +9664,7 @@
 </p:sld>
 </file>
 
-<file path=ppt/slides/slide17.xml><?xml version="1.0" encoding="utf-8"?>
+<file path=ppt/slides/slide19.xml><?xml version="1.0" encoding="utf-8"?>
 <p:sld xmlns:a="http://schemas.openxmlformats.org/drawingml/2006/main" xmlns:r="http://schemas.openxmlformats.org/officeDocument/2006/relationships" xmlns:p="http://schemas.openxmlformats.org/presentationml/2006/main">
   <p:cSld>
     <p:spTree>
@@ -9471,7 +9858,7 @@
                 <a:latin typeface="Times New Roman" panose="02020603050405020304" pitchFamily="18" charset="0"/>
                 <a:ea typeface="標楷體" panose="03000509000000000000" pitchFamily="65" charset="-120"/>
               </a:rPr>
-              <a:t>8x8</a:t>
+              <a:t>(8*3,8)</a:t>
             </a:r>
           </a:p>
         </p:txBody>
@@ -9577,7 +9964,7 @@
 </p:sld>
 </file>
 
-<file path=ppt/slides/slide18.xml><?xml version="1.0" encoding="utf-8"?>
+<file path=ppt/slides/slide2.xml><?xml version="1.0" encoding="utf-8"?>
 <p:sld xmlns:a="http://schemas.openxmlformats.org/drawingml/2006/main" xmlns:r="http://schemas.openxmlformats.org/officeDocument/2006/relationships" xmlns:p="http://schemas.openxmlformats.org/presentationml/2006/main">
   <p:cSld>
     <p:spTree>
@@ -9604,6 +9991,240 @@
             <p:ph type="title"/>
           </p:nvPr>
         </p:nvSpPr>
+        <p:spPr/>
+        <p:txBody>
+          <a:bodyPr/>
+          <a:lstStyle/>
+          <a:p>
+            <a:r>
+              <a:rPr lang="zh-TW" altLang="en-US" dirty="0"/>
+              <a:t>控管記錄 </a:t>
+            </a:r>
+            <a:r>
+              <a:rPr lang="en-US" altLang="zh-TW" dirty="0"/>
+              <a:t>–</a:t>
+            </a:r>
+            <a:r>
+              <a:rPr lang="zh-TW" altLang="en-US" dirty="0"/>
+              <a:t> </a:t>
+            </a:r>
+            <a:r>
+              <a:rPr lang="en-US" altLang="zh-TW" dirty="0"/>
+              <a:t>NAS</a:t>
+            </a:r>
+            <a:r>
+              <a:rPr lang="zh-TW" altLang="en-US" dirty="0"/>
+              <a:t> </a:t>
+            </a:r>
+            <a:r>
+              <a:rPr lang="en-US" altLang="zh-TW"/>
+              <a:t>(</a:t>
+            </a:r>
+            <a:r>
+              <a:rPr lang="en-US" altLang="zh-TW" sz="4400"/>
+              <a:t>2023/5/27</a:t>
+            </a:r>
+            <a:r>
+              <a:rPr lang="en-US" altLang="zh-TW"/>
+              <a:t>)</a:t>
+            </a:r>
+            <a:endParaRPr lang="zh-TW" altLang="en-US" dirty="0"/>
+          </a:p>
+        </p:txBody>
+      </p:sp>
+      <p:sp>
+        <p:nvSpPr>
+          <p:cNvPr id="9" name="矩形 8">
+            <a:extLst>
+              <a:ext uri="{FF2B5EF4-FFF2-40B4-BE49-F238E27FC236}">
+                <a16:creationId xmlns:a16="http://schemas.microsoft.com/office/drawing/2014/main" id="{1F596EB5-194B-41DD-9405-83C981B5180E}"/>
+              </a:ext>
+            </a:extLst>
+          </p:cNvPr>
+          <p:cNvSpPr/>
+          <p:nvPr/>
+        </p:nvSpPr>
+        <p:spPr>
+          <a:xfrm>
+            <a:off x="589428" y="1662062"/>
+            <a:ext cx="3120704" cy="1323439"/>
+          </a:xfrm>
+          <a:prstGeom prst="rect">
+            <a:avLst/>
+          </a:prstGeom>
+        </p:spPr>
+        <p:txBody>
+          <a:bodyPr wrap="square">
+            <a:spAutoFit/>
+          </a:bodyPr>
+          <a:lstStyle/>
+          <a:p>
+            <a:pPr marL="285750" lvl="1" indent="-285750"/>
+            <a:r>
+              <a:rPr lang="zh-TW" altLang="en-US" sz="2000" dirty="0">
+                <a:latin typeface="Times New Roman" panose="02020603050405020304" pitchFamily="18" charset="0"/>
+                <a:ea typeface="標楷體" panose="03000509000000000000" pitchFamily="65" charset="-120"/>
+              </a:rPr>
+              <a:t>本週更新：</a:t>
+            </a:r>
+            <a:endParaRPr lang="en-US" altLang="zh-TW" sz="2000" dirty="0">
+              <a:latin typeface="Times New Roman" panose="02020603050405020304" pitchFamily="18" charset="0"/>
+              <a:ea typeface="標楷體" panose="03000509000000000000" pitchFamily="65" charset="-120"/>
+            </a:endParaRPr>
+          </a:p>
+          <a:p>
+            <a:pPr marL="285750" lvl="1" indent="-285750"/>
+            <a:r>
+              <a:rPr lang="en-US" altLang="zh-TW" sz="2000" dirty="0">
+                <a:latin typeface="Times New Roman" panose="02020603050405020304" pitchFamily="18" charset="0"/>
+                <a:ea typeface="標楷體" panose="03000509000000000000" pitchFamily="65" charset="-120"/>
+              </a:rPr>
+              <a:t>N02-Architecture</a:t>
+            </a:r>
+          </a:p>
+          <a:p>
+            <a:pPr marL="285750" lvl="1" indent="-285750"/>
+            <a:r>
+              <a:rPr lang="en-US" altLang="zh-TW" sz="2000" dirty="0">
+                <a:latin typeface="Times New Roman" panose="02020603050405020304" pitchFamily="18" charset="0"/>
+                <a:ea typeface="標楷體" panose="03000509000000000000" pitchFamily="65" charset="-120"/>
+              </a:rPr>
+              <a:t>N06-Demo&amp;ppt</a:t>
+            </a:r>
+          </a:p>
+          <a:p>
+            <a:pPr marL="285750" lvl="1" indent="-285750"/>
+            <a:endParaRPr lang="en-US" altLang="zh-TW" sz="2000" dirty="0">
+              <a:latin typeface="Times New Roman" panose="02020603050405020304" pitchFamily="18" charset="0"/>
+              <a:ea typeface="標楷體" panose="03000509000000000000" pitchFamily="65" charset="-120"/>
+            </a:endParaRPr>
+          </a:p>
+        </p:txBody>
+      </p:sp>
+      <p:pic>
+        <p:nvPicPr>
+          <p:cNvPr id="4" name="圖片 3">
+            <a:extLst>
+              <a:ext uri="{FF2B5EF4-FFF2-40B4-BE49-F238E27FC236}">
+                <a16:creationId xmlns:a16="http://schemas.microsoft.com/office/drawing/2014/main" id="{5F262EE3-1953-4C6B-82FB-D50775E48C3A}"/>
+              </a:ext>
+            </a:extLst>
+          </p:cNvPr>
+          <p:cNvPicPr>
+            <a:picLocks noChangeAspect="1"/>
+          </p:cNvPicPr>
+          <p:nvPr/>
+        </p:nvPicPr>
+        <p:blipFill>
+          <a:blip r:embed="rId2"/>
+          <a:stretch>
+            <a:fillRect/>
+          </a:stretch>
+        </p:blipFill>
+        <p:spPr>
+          <a:xfrm>
+            <a:off x="3421022" y="1467468"/>
+            <a:ext cx="7232025" cy="4455725"/>
+          </a:xfrm>
+          <a:prstGeom prst="rect">
+            <a:avLst/>
+          </a:prstGeom>
+        </p:spPr>
+      </p:pic>
+      <p:sp>
+        <p:nvSpPr>
+          <p:cNvPr id="5" name="矩形 4">
+            <a:extLst>
+              <a:ext uri="{FF2B5EF4-FFF2-40B4-BE49-F238E27FC236}">
+                <a16:creationId xmlns:a16="http://schemas.microsoft.com/office/drawing/2014/main" id="{57854072-619E-4378-B351-7DB5F8B98C17}"/>
+              </a:ext>
+            </a:extLst>
+          </p:cNvPr>
+          <p:cNvSpPr/>
+          <p:nvPr/>
+        </p:nvSpPr>
+        <p:spPr>
+          <a:xfrm>
+            <a:off x="5033640" y="2529430"/>
+            <a:ext cx="5619407" cy="296595"/>
+          </a:xfrm>
+          <a:prstGeom prst="rect">
+            <a:avLst/>
+          </a:prstGeom>
+          <a:noFill/>
+          <a:ln w="28575">
+            <a:solidFill>
+              <a:srgbClr val="FF0000"/>
+            </a:solidFill>
+          </a:ln>
+        </p:spPr>
+        <p:style>
+          <a:lnRef idx="2">
+            <a:schemeClr val="accent1">
+              <a:shade val="50000"/>
+            </a:schemeClr>
+          </a:lnRef>
+          <a:fillRef idx="1">
+            <a:schemeClr val="accent1"/>
+          </a:fillRef>
+          <a:effectRef idx="0">
+            <a:schemeClr val="accent1"/>
+          </a:effectRef>
+          <a:fontRef idx="minor">
+            <a:schemeClr val="lt1"/>
+          </a:fontRef>
+        </p:style>
+        <p:txBody>
+          <a:bodyPr rtlCol="0" anchor="ctr"/>
+          <a:lstStyle/>
+          <a:p>
+            <a:pPr algn="ctr"/>
+            <a:endParaRPr lang="zh-TW" altLang="en-US" dirty="0">
+              <a:noFill/>
+            </a:endParaRPr>
+          </a:p>
+        </p:txBody>
+      </p:sp>
+    </p:spTree>
+    <p:extLst>
+      <p:ext uri="{BB962C8B-B14F-4D97-AF65-F5344CB8AC3E}">
+        <p14:creationId xmlns:p14="http://schemas.microsoft.com/office/powerpoint/2010/main" val="409289478"/>
+      </p:ext>
+    </p:extLst>
+  </p:cSld>
+  <p:clrMapOvr>
+    <a:masterClrMapping/>
+  </p:clrMapOvr>
+</p:sld>
+</file>
+
+<file path=ppt/slides/slide20.xml><?xml version="1.0" encoding="utf-8"?>
+<p:sld xmlns:a="http://schemas.openxmlformats.org/drawingml/2006/main" xmlns:r="http://schemas.openxmlformats.org/officeDocument/2006/relationships" xmlns:p="http://schemas.openxmlformats.org/presentationml/2006/main">
+  <p:cSld>
+    <p:spTree>
+      <p:nvGrpSpPr>
+        <p:cNvPr id="1" name=""/>
+        <p:cNvGrpSpPr/>
+        <p:nvPr/>
+      </p:nvGrpSpPr>
+      <p:grpSpPr>
+        <a:xfrm>
+          <a:off x="0" y="0"/>
+          <a:ext cx="0" cy="0"/>
+          <a:chOff x="0" y="0"/>
+          <a:chExt cx="0" cy="0"/>
+        </a:xfrm>
+      </p:grpSpPr>
+      <p:sp>
+        <p:nvSpPr>
+          <p:cNvPr id="3" name="標題 2"/>
+          <p:cNvSpPr>
+            <a:spLocks noGrp="1"/>
+          </p:cNvSpPr>
+          <p:nvPr>
+            <p:ph type="title"/>
+          </p:nvPr>
+        </p:nvSpPr>
         <p:spPr>
           <a:xfrm>
             <a:off x="838200" y="365125"/>
@@ -9855,7 +10476,159 @@
 </p:sld>
 </file>
 
-<file path=ppt/slides/slide19.xml><?xml version="1.0" encoding="utf-8"?>
+<file path=ppt/slides/slide21.xml><?xml version="1.0" encoding="utf-8"?>
+<p:sld xmlns:a="http://schemas.openxmlformats.org/drawingml/2006/main" xmlns:r="http://schemas.openxmlformats.org/officeDocument/2006/relationships" xmlns:p="http://schemas.openxmlformats.org/presentationml/2006/main">
+  <p:cSld>
+    <p:spTree>
+      <p:nvGrpSpPr>
+        <p:cNvPr id="1" name=""/>
+        <p:cNvGrpSpPr/>
+        <p:nvPr/>
+      </p:nvGrpSpPr>
+      <p:grpSpPr>
+        <a:xfrm>
+          <a:off x="0" y="0"/>
+          <a:ext cx="0" cy="0"/>
+          <a:chOff x="0" y="0"/>
+          <a:chExt cx="0" cy="0"/>
+        </a:xfrm>
+      </p:grpSpPr>
+      <p:sp>
+        <p:nvSpPr>
+          <p:cNvPr id="4" name="內容版面配置區 1">
+            <a:extLst>
+              <a:ext uri="{FF2B5EF4-FFF2-40B4-BE49-F238E27FC236}">
+                <a16:creationId xmlns:a16="http://schemas.microsoft.com/office/drawing/2014/main" id="{8BE521BF-7935-41C2-A0FA-3105D39999A6}"/>
+              </a:ext>
+            </a:extLst>
+          </p:cNvPr>
+          <p:cNvSpPr>
+            <a:spLocks noGrp="1"/>
+          </p:cNvSpPr>
+          <p:nvPr>
+            <p:ph idx="1"/>
+          </p:nvPr>
+        </p:nvSpPr>
+        <p:spPr>
+          <a:xfrm>
+            <a:off x="838200" y="1201850"/>
+            <a:ext cx="10515600" cy="5037776"/>
+          </a:xfrm>
+        </p:spPr>
+        <p:txBody>
+          <a:bodyPr>
+            <a:normAutofit/>
+          </a:bodyPr>
+          <a:lstStyle/>
+          <a:p>
+            <a:pPr marL="914400" lvl="3" indent="0">
+              <a:buNone/>
+            </a:pPr>
+            <a:endParaRPr lang="en-US" altLang="zh-TW" sz="1800" dirty="0"/>
+          </a:p>
+          <a:p>
+            <a:pPr marL="914400" lvl="3" indent="0">
+              <a:buNone/>
+            </a:pPr>
+            <a:endParaRPr lang="en-US" altLang="zh-TW" sz="1800" dirty="0"/>
+          </a:p>
+          <a:p>
+            <a:pPr marL="999000" lvl="2" indent="0">
+              <a:buNone/>
+            </a:pPr>
+            <a:r>
+              <a:rPr lang="zh-TW" altLang="en-US" sz="1800" b="1" dirty="0">
+                <a:latin typeface="標楷體" panose="03000509000000000000" pitchFamily="65" charset="-120"/>
+              </a:rPr>
+              <a:t>六月：</a:t>
+            </a:r>
+            <a:endParaRPr lang="en-US" altLang="zh-TW" sz="1800" b="1" dirty="0">
+              <a:latin typeface="標楷體" panose="03000509000000000000" pitchFamily="65" charset="-120"/>
+            </a:endParaRPr>
+          </a:p>
+          <a:p>
+            <a:pPr marL="1058400" lvl="3" indent="-144000"/>
+            <a:r>
+              <a:rPr lang="en-US" altLang="zh-TW" sz="1800" b="1" dirty="0">
+                <a:latin typeface="標楷體" panose="03000509000000000000" pitchFamily="65" charset="-120"/>
+              </a:rPr>
+              <a:t>2023/6/6-2023/6/14</a:t>
+            </a:r>
+            <a:r>
+              <a:rPr lang="zh-TW" altLang="en-US" sz="1800" b="1" dirty="0">
+                <a:latin typeface="標楷體" panose="03000509000000000000" pitchFamily="65" charset="-120"/>
+              </a:rPr>
+              <a:t>：</a:t>
+            </a:r>
+            <a:endParaRPr lang="en-US" altLang="zh-TW" sz="1800" b="1" dirty="0">
+              <a:latin typeface="標楷體" panose="03000509000000000000" pitchFamily="65" charset="-120"/>
+            </a:endParaRPr>
+          </a:p>
+          <a:p>
+            <a:pPr marL="1058400" lvl="3" indent="-144000"/>
+            <a:r>
+              <a:rPr lang="zh-TW" altLang="en-US" sz="1800" dirty="0"/>
+              <a:t>撰寫</a:t>
+            </a:r>
+            <a:r>
+              <a:rPr lang="en-US" altLang="zh-TW" sz="1800" dirty="0"/>
+              <a:t>Sobel kernel, </a:t>
+            </a:r>
+            <a:r>
+              <a:rPr lang="en-US" altLang="zh-TW" sz="1800" dirty="0" err="1"/>
+              <a:t>line_buffer</a:t>
+            </a:r>
+            <a:endParaRPr lang="zh-TW" altLang="en-US" sz="1800" dirty="0"/>
+          </a:p>
+        </p:txBody>
+      </p:sp>
+      <p:sp>
+        <p:nvSpPr>
+          <p:cNvPr id="5" name="標題 2">
+            <a:extLst>
+              <a:ext uri="{FF2B5EF4-FFF2-40B4-BE49-F238E27FC236}">
+                <a16:creationId xmlns:a16="http://schemas.microsoft.com/office/drawing/2014/main" id="{21A8DC5D-69FB-4EBD-A6BE-35848043A1AC}"/>
+              </a:ext>
+            </a:extLst>
+          </p:cNvPr>
+          <p:cNvSpPr>
+            <a:spLocks noGrp="1"/>
+          </p:cNvSpPr>
+          <p:nvPr>
+            <p:ph type="title"/>
+          </p:nvPr>
+        </p:nvSpPr>
+        <p:spPr>
+          <a:xfrm>
+            <a:off x="838200" y="329615"/>
+            <a:ext cx="10515600" cy="720000"/>
+          </a:xfrm>
+        </p:spPr>
+        <p:txBody>
+          <a:bodyPr/>
+          <a:lstStyle/>
+          <a:p>
+            <a:r>
+              <a:rPr lang="zh-TW" altLang="en-US" dirty="0"/>
+              <a:t>預期進度</a:t>
+            </a:r>
+          </a:p>
+        </p:txBody>
+      </p:sp>
+    </p:spTree>
+    <p:extLst>
+      <p:ext uri="{BB962C8B-B14F-4D97-AF65-F5344CB8AC3E}">
+        <p14:creationId xmlns:p14="http://schemas.microsoft.com/office/powerpoint/2010/main" val="1257312540"/>
+      </p:ext>
+    </p:extLst>
+  </p:cSld>
+  <p:clrMapOvr>
+    <a:masterClrMapping/>
+  </p:clrMapOvr>
+</p:sld>
+</file>
+
+<file path=ppt/slides/slide22.xml><?xml version="1.0" encoding="utf-8"?>
 <p:sld xmlns:a="http://schemas.openxmlformats.org/drawingml/2006/main" xmlns:r="http://schemas.openxmlformats.org/officeDocument/2006/relationships" xmlns:p="http://schemas.openxmlformats.org/presentationml/2006/main">
   <p:cSld>
     <p:spTree>
@@ -10176,241 +10949,7 @@
 </p:sld>
 </file>
 
-<file path=ppt/slides/slide2.xml><?xml version="1.0" encoding="utf-8"?>
-<p:sld xmlns:a="http://schemas.openxmlformats.org/drawingml/2006/main" xmlns:r="http://schemas.openxmlformats.org/officeDocument/2006/relationships" xmlns:p="http://schemas.openxmlformats.org/presentationml/2006/main">
-  <p:cSld>
-    <p:spTree>
-      <p:nvGrpSpPr>
-        <p:cNvPr id="1" name=""/>
-        <p:cNvGrpSpPr/>
-        <p:nvPr/>
-      </p:nvGrpSpPr>
-      <p:grpSpPr>
-        <a:xfrm>
-          <a:off x="0" y="0"/>
-          <a:ext cx="0" cy="0"/>
-          <a:chOff x="0" y="0"/>
-          <a:chExt cx="0" cy="0"/>
-        </a:xfrm>
-      </p:grpSpPr>
-      <p:sp>
-        <p:nvSpPr>
-          <p:cNvPr id="3" name="標題 2"/>
-          <p:cNvSpPr>
-            <a:spLocks noGrp="1"/>
-          </p:cNvSpPr>
-          <p:nvPr>
-            <p:ph type="title"/>
-          </p:nvPr>
-        </p:nvSpPr>
-        <p:spPr/>
-        <p:txBody>
-          <a:bodyPr/>
-          <a:lstStyle/>
-          <a:p>
-            <a:r>
-              <a:rPr lang="zh-TW" altLang="en-US" dirty="0"/>
-              <a:t>控管記錄 </a:t>
-            </a:r>
-            <a:r>
-              <a:rPr lang="en-US" altLang="zh-TW" dirty="0"/>
-              <a:t>–</a:t>
-            </a:r>
-            <a:r>
-              <a:rPr lang="zh-TW" altLang="en-US" dirty="0"/>
-              <a:t> </a:t>
-            </a:r>
-            <a:r>
-              <a:rPr lang="en-US" altLang="zh-TW" dirty="0"/>
-              <a:t>NAS</a:t>
-            </a:r>
-            <a:r>
-              <a:rPr lang="zh-TW" altLang="en-US" dirty="0"/>
-              <a:t> </a:t>
-            </a:r>
-            <a:r>
-              <a:rPr lang="en-US" altLang="zh-TW" dirty="0"/>
-              <a:t>(</a:t>
-            </a:r>
-            <a:r>
-              <a:rPr lang="en-US" altLang="zh-TW" sz="4400" dirty="0"/>
-              <a:t>2023/5/25</a:t>
-            </a:r>
-            <a:r>
-              <a:rPr lang="en-US" altLang="zh-TW" dirty="0"/>
-              <a:t>)</a:t>
-            </a:r>
-            <a:endParaRPr lang="zh-TW" altLang="en-US" dirty="0"/>
-          </a:p>
-        </p:txBody>
-      </p:sp>
-      <p:sp>
-        <p:nvSpPr>
-          <p:cNvPr id="9" name="矩形 8">
-            <a:extLst>
-              <a:ext uri="{FF2B5EF4-FFF2-40B4-BE49-F238E27FC236}">
-                <a16:creationId xmlns:a16="http://schemas.microsoft.com/office/drawing/2014/main" id="{1F596EB5-194B-41DD-9405-83C981B5180E}"/>
-              </a:ext>
-            </a:extLst>
-          </p:cNvPr>
-          <p:cNvSpPr/>
-          <p:nvPr/>
-        </p:nvSpPr>
-        <p:spPr>
-          <a:xfrm>
-            <a:off x="589428" y="1662062"/>
-            <a:ext cx="3120704" cy="1323439"/>
-          </a:xfrm>
-          <a:prstGeom prst="rect">
-            <a:avLst/>
-          </a:prstGeom>
-        </p:spPr>
-        <p:txBody>
-          <a:bodyPr wrap="square">
-            <a:spAutoFit/>
-          </a:bodyPr>
-          <a:lstStyle/>
-          <a:p>
-            <a:pPr marL="285750" lvl="1" indent="-285750"/>
-            <a:r>
-              <a:rPr lang="zh-TW" altLang="en-US" sz="2000" dirty="0">
-                <a:latin typeface="Times New Roman" panose="02020603050405020304" pitchFamily="18" charset="0"/>
-                <a:ea typeface="標楷體" panose="03000509000000000000" pitchFamily="65" charset="-120"/>
-              </a:rPr>
-              <a:t>本週更新：</a:t>
-            </a:r>
-            <a:endParaRPr lang="en-US" altLang="zh-TW" sz="2000" dirty="0">
-              <a:latin typeface="Times New Roman" panose="02020603050405020304" pitchFamily="18" charset="0"/>
-              <a:ea typeface="標楷體" panose="03000509000000000000" pitchFamily="65" charset="-120"/>
-            </a:endParaRPr>
-          </a:p>
-          <a:p>
-            <a:pPr marL="285750" lvl="1" indent="-285750"/>
-            <a:r>
-              <a:rPr lang="en-US" altLang="zh-TW" sz="2000" dirty="0">
-                <a:latin typeface="Times New Roman" panose="02020603050405020304" pitchFamily="18" charset="0"/>
-                <a:ea typeface="標楷體" panose="03000509000000000000" pitchFamily="65" charset="-120"/>
-              </a:rPr>
-              <a:t>N02-Architecture</a:t>
-            </a:r>
-          </a:p>
-          <a:p>
-            <a:pPr marL="285750" lvl="1" indent="-285750"/>
-            <a:r>
-              <a:rPr lang="en-US" altLang="zh-TW" sz="2000" dirty="0">
-                <a:latin typeface="Times New Roman" panose="02020603050405020304" pitchFamily="18" charset="0"/>
-                <a:ea typeface="標楷體" panose="03000509000000000000" pitchFamily="65" charset="-120"/>
-              </a:rPr>
-              <a:t>N06-Demo&amp;ppt</a:t>
-            </a:r>
-          </a:p>
-          <a:p>
-            <a:pPr marL="285750" lvl="1" indent="-285750"/>
-            <a:endParaRPr lang="en-US" altLang="zh-TW" sz="2000" dirty="0">
-              <a:latin typeface="Times New Roman" panose="02020603050405020304" pitchFamily="18" charset="0"/>
-              <a:ea typeface="標楷體" panose="03000509000000000000" pitchFamily="65" charset="-120"/>
-            </a:endParaRPr>
-          </a:p>
-        </p:txBody>
-      </p:sp>
-      <p:pic>
-        <p:nvPicPr>
-          <p:cNvPr id="4" name="圖片 3">
-            <a:extLst>
-              <a:ext uri="{FF2B5EF4-FFF2-40B4-BE49-F238E27FC236}">
-                <a16:creationId xmlns:a16="http://schemas.microsoft.com/office/drawing/2014/main" id="{5F262EE3-1953-4C6B-82FB-D50775E48C3A}"/>
-              </a:ext>
-            </a:extLst>
-          </p:cNvPr>
-          <p:cNvPicPr>
-            <a:picLocks noChangeAspect="1"/>
-          </p:cNvPicPr>
-          <p:nvPr/>
-        </p:nvPicPr>
-        <p:blipFill>
-          <a:blip r:embed="rId2"/>
-          <a:stretch>
-            <a:fillRect/>
-          </a:stretch>
-        </p:blipFill>
-        <p:spPr>
-          <a:xfrm>
-            <a:off x="3421022" y="1467468"/>
-            <a:ext cx="7232025" cy="4455725"/>
-          </a:xfrm>
-          <a:prstGeom prst="rect">
-            <a:avLst/>
-          </a:prstGeom>
-        </p:spPr>
-      </p:pic>
-      <p:sp>
-        <p:nvSpPr>
-          <p:cNvPr id="5" name="矩形 4">
-            <a:extLst>
-              <a:ext uri="{FF2B5EF4-FFF2-40B4-BE49-F238E27FC236}">
-                <a16:creationId xmlns:a16="http://schemas.microsoft.com/office/drawing/2014/main" id="{57854072-619E-4378-B351-7DB5F8B98C17}"/>
-              </a:ext>
-            </a:extLst>
-          </p:cNvPr>
-          <p:cNvSpPr/>
-          <p:nvPr/>
-        </p:nvSpPr>
-        <p:spPr>
-          <a:xfrm>
-            <a:off x="5033640" y="2529430"/>
-            <a:ext cx="5619407" cy="296595"/>
-          </a:xfrm>
-          <a:prstGeom prst="rect">
-            <a:avLst/>
-          </a:prstGeom>
-          <a:noFill/>
-          <a:ln w="28575">
-            <a:solidFill>
-              <a:srgbClr val="FF0000"/>
-            </a:solidFill>
-          </a:ln>
-        </p:spPr>
-        <p:style>
-          <a:lnRef idx="2">
-            <a:schemeClr val="accent1">
-              <a:shade val="50000"/>
-            </a:schemeClr>
-          </a:lnRef>
-          <a:fillRef idx="1">
-            <a:schemeClr val="accent1"/>
-          </a:fillRef>
-          <a:effectRef idx="0">
-            <a:schemeClr val="accent1"/>
-          </a:effectRef>
-          <a:fontRef idx="minor">
-            <a:schemeClr val="lt1"/>
-          </a:fontRef>
-        </p:style>
-        <p:txBody>
-          <a:bodyPr rtlCol="0" anchor="ctr"/>
-          <a:lstStyle/>
-          <a:p>
-            <a:pPr algn="ctr"/>
-            <a:endParaRPr lang="zh-TW" altLang="en-US" dirty="0">
-              <a:noFill/>
-            </a:endParaRPr>
-          </a:p>
-        </p:txBody>
-      </p:sp>
-    </p:spTree>
-    <p:extLst>
-      <p:ext uri="{BB962C8B-B14F-4D97-AF65-F5344CB8AC3E}">
-        <p14:creationId xmlns:p14="http://schemas.microsoft.com/office/powerpoint/2010/main" val="409289478"/>
-      </p:ext>
-    </p:extLst>
-  </p:cSld>
-  <p:clrMapOvr>
-    <a:masterClrMapping/>
-  </p:clrMapOvr>
-</p:sld>
-</file>
-
-<file path=ppt/slides/slide20.xml><?xml version="1.0" encoding="utf-8"?>
+<file path=ppt/slides/slide23.xml><?xml version="1.0" encoding="utf-8"?>
 <p:sld xmlns:a="http://schemas.openxmlformats.org/drawingml/2006/main" xmlns:r="http://schemas.openxmlformats.org/officeDocument/2006/relationships" xmlns:p="http://schemas.openxmlformats.org/presentationml/2006/main">
   <p:cSld>
     <p:spTree>
@@ -10656,789 +11195,6 @@
     <p:extLst>
       <p:ext uri="{BB962C8B-B14F-4D97-AF65-F5344CB8AC3E}">
         <p14:creationId xmlns:p14="http://schemas.microsoft.com/office/powerpoint/2010/main" val="3160319976"/>
-      </p:ext>
-    </p:extLst>
-  </p:cSld>
-  <p:clrMapOvr>
-    <a:masterClrMapping/>
-  </p:clrMapOvr>
-</p:sld>
-</file>
-
-<file path=ppt/slides/slide21.xml><?xml version="1.0" encoding="utf-8"?>
-<p:sld xmlns:a="http://schemas.openxmlformats.org/drawingml/2006/main" xmlns:r="http://schemas.openxmlformats.org/officeDocument/2006/relationships" xmlns:p="http://schemas.openxmlformats.org/presentationml/2006/main">
-  <p:cSld>
-    <p:spTree>
-      <p:nvGrpSpPr>
-        <p:cNvPr id="1" name=""/>
-        <p:cNvGrpSpPr/>
-        <p:nvPr/>
-      </p:nvGrpSpPr>
-      <p:grpSpPr>
-        <a:xfrm>
-          <a:off x="0" y="0"/>
-          <a:ext cx="0" cy="0"/>
-          <a:chOff x="0" y="0"/>
-          <a:chExt cx="0" cy="0"/>
-        </a:xfrm>
-      </p:grpSpPr>
-      <p:sp>
-        <p:nvSpPr>
-          <p:cNvPr id="3" name="標題 2"/>
-          <p:cNvSpPr>
-            <a:spLocks noGrp="1"/>
-          </p:cNvSpPr>
-          <p:nvPr>
-            <p:ph type="title"/>
-          </p:nvPr>
-        </p:nvSpPr>
-        <p:spPr>
-          <a:xfrm>
-            <a:off x="838200" y="365125"/>
-            <a:ext cx="10515600" cy="720000"/>
-          </a:xfrm>
-        </p:spPr>
-        <p:txBody>
-          <a:bodyPr>
-            <a:noAutofit/>
-          </a:bodyPr>
-          <a:lstStyle/>
-          <a:p>
-            <a:r>
-              <a:rPr lang="en-US" altLang="zh-TW" sz="3200" dirty="0" err="1"/>
-              <a:t>VGA_pong_Bram</a:t>
-            </a:r>
-            <a:r>
-              <a:rPr lang="en-US" altLang="zh-TW" sz="3200" dirty="0"/>
-              <a:t> - FSM</a:t>
-            </a:r>
-            <a:r>
-              <a:rPr lang="zh-TW" altLang="en-US" sz="3200" dirty="0"/>
-              <a:t>修補</a:t>
-            </a:r>
-            <a:r>
-              <a:rPr lang="en-US" altLang="zh-TW" sz="3200" dirty="0"/>
-              <a:t>(2/3)</a:t>
-            </a:r>
-            <a:endParaRPr lang="zh-TW" altLang="en-US" sz="3200" dirty="0"/>
-          </a:p>
-        </p:txBody>
-      </p:sp>
-      <p:sp>
-        <p:nvSpPr>
-          <p:cNvPr id="14" name="文字方塊 13">
-            <a:extLst>
-              <a:ext uri="{FF2B5EF4-FFF2-40B4-BE49-F238E27FC236}">
-                <a16:creationId xmlns:a16="http://schemas.microsoft.com/office/drawing/2014/main" id="{E4E592F9-FC71-4DD1-9118-16844995CC7F}"/>
-              </a:ext>
-            </a:extLst>
-          </p:cNvPr>
-          <p:cNvSpPr txBox="1"/>
-          <p:nvPr/>
-        </p:nvSpPr>
-        <p:spPr>
-          <a:xfrm>
-            <a:off x="1640706" y="1623546"/>
-            <a:ext cx="5373306" cy="923330"/>
-          </a:xfrm>
-          <a:prstGeom prst="rect">
-            <a:avLst/>
-          </a:prstGeom>
-          <a:noFill/>
-        </p:spPr>
-        <p:txBody>
-          <a:bodyPr wrap="square">
-            <a:spAutoFit/>
-          </a:bodyPr>
-          <a:lstStyle/>
-          <a:p>
-            <a:r>
-              <a:rPr lang="en-US" altLang="zh-TW" sz="1800" kern="1200" baseline="0" dirty="0" err="1">
-                <a:solidFill>
-                  <a:srgbClr val="000000"/>
-                </a:solidFill>
-                <a:effectLst/>
-                <a:latin typeface="Times New Roman" panose="02020603050405020304" pitchFamily="18" charset="0"/>
-                <a:ea typeface="標楷體" panose="03000509000000000000" pitchFamily="65" charset="-120"/>
-                <a:cs typeface="+mj-cs"/>
-              </a:rPr>
-              <a:t>VGA_pong</a:t>
-            </a:r>
-            <a:endParaRPr lang="en-US" altLang="zh-TW" dirty="0">
-              <a:latin typeface="標楷體" panose="03000509000000000000" pitchFamily="65" charset="-120"/>
-              <a:ea typeface="標楷體" panose="03000509000000000000" pitchFamily="65" charset="-120"/>
-            </a:endParaRPr>
-          </a:p>
-          <a:p>
-            <a:pPr marL="285750" indent="-285750">
-              <a:buFont typeface="Arial" panose="020B0604020202020204" pitchFamily="34" charset="0"/>
-              <a:buChar char="•"/>
-            </a:pPr>
-            <a:r>
-              <a:rPr lang="zh-TW" altLang="en-US" dirty="0">
-                <a:latin typeface="標楷體" panose="03000509000000000000" pitchFamily="65" charset="-120"/>
-                <a:ea typeface="標楷體" panose="03000509000000000000" pitchFamily="65" charset="-120"/>
-              </a:rPr>
-              <a:t>修補</a:t>
-            </a:r>
-            <a:r>
-              <a:rPr lang="en-US" altLang="zh-TW" dirty="0">
-                <a:latin typeface="Times New Roman" panose="02020603050405020304" pitchFamily="18" charset="0"/>
-                <a:ea typeface="標楷體" panose="03000509000000000000" pitchFamily="65" charset="-120"/>
-              </a:rPr>
-              <a:t>FSM</a:t>
-            </a:r>
-          </a:p>
-          <a:p>
-            <a:pPr marL="285750" indent="-285750">
-              <a:buFont typeface="Arial" panose="020B0604020202020204" pitchFamily="34" charset="0"/>
-              <a:buChar char="•"/>
-            </a:pPr>
-            <a:r>
-              <a:rPr lang="zh-TW" altLang="en-US" dirty="0">
-                <a:latin typeface="Times New Roman" panose="02020603050405020304" pitchFamily="18" charset="0"/>
-                <a:ea typeface="標楷體" panose="03000509000000000000" pitchFamily="65" charset="-120"/>
-              </a:rPr>
-              <a:t>波形模擬</a:t>
-            </a:r>
-            <a:r>
-              <a:rPr lang="en-US" altLang="zh-TW" dirty="0">
-                <a:latin typeface="Times New Roman" panose="02020603050405020304" pitchFamily="18" charset="0"/>
-                <a:ea typeface="標楷體" panose="03000509000000000000" pitchFamily="65" charset="-120"/>
-              </a:rPr>
-              <a:t>(</a:t>
-            </a:r>
-            <a:r>
-              <a:rPr lang="zh-TW" altLang="en-US" dirty="0">
-                <a:latin typeface="Times New Roman" panose="02020603050405020304" pitchFamily="18" charset="0"/>
-                <a:ea typeface="標楷體" panose="03000509000000000000" pitchFamily="65" charset="-120"/>
-              </a:rPr>
-              <a:t>漏接期間</a:t>
-            </a:r>
-            <a:r>
-              <a:rPr lang="en-US" altLang="zh-TW" dirty="0">
-                <a:latin typeface="Times New Roman" panose="02020603050405020304" pitchFamily="18" charset="0"/>
-                <a:ea typeface="標楷體" panose="03000509000000000000" pitchFamily="65" charset="-120"/>
-              </a:rPr>
-              <a:t>)</a:t>
-            </a:r>
-          </a:p>
-        </p:txBody>
-      </p:sp>
-      <p:sp>
-        <p:nvSpPr>
-          <p:cNvPr id="4" name="文字方塊 3">
-            <a:extLst>
-              <a:ext uri="{FF2B5EF4-FFF2-40B4-BE49-F238E27FC236}">
-                <a16:creationId xmlns:a16="http://schemas.microsoft.com/office/drawing/2014/main" id="{CA337AD0-263C-415E-B4F1-4E075D291556}"/>
-              </a:ext>
-            </a:extLst>
-          </p:cNvPr>
-          <p:cNvSpPr txBox="1"/>
-          <p:nvPr/>
-        </p:nvSpPr>
-        <p:spPr>
-          <a:xfrm>
-            <a:off x="7014012" y="5569808"/>
-            <a:ext cx="1680675" cy="369332"/>
-          </a:xfrm>
-          <a:prstGeom prst="rect">
-            <a:avLst/>
-          </a:prstGeom>
-          <a:noFill/>
-        </p:spPr>
-        <p:txBody>
-          <a:bodyPr wrap="square">
-            <a:spAutoFit/>
-          </a:bodyPr>
-          <a:lstStyle/>
-          <a:p>
-            <a:r>
-              <a:rPr lang="zh-TW" altLang="en-US" dirty="0">
-                <a:latin typeface="標楷體" panose="03000509000000000000" pitchFamily="65" charset="-120"/>
-                <a:ea typeface="標楷體" panose="03000509000000000000" pitchFamily="65" charset="-120"/>
-              </a:rPr>
-              <a:t>漏接</a:t>
-            </a:r>
-            <a:r>
-              <a:rPr lang="en-US" altLang="zh-TW" dirty="0">
-                <a:latin typeface="標楷體" panose="03000509000000000000" pitchFamily="65" charset="-120"/>
-                <a:ea typeface="標楷體" panose="03000509000000000000" pitchFamily="65" charset="-120"/>
-              </a:rPr>
-              <a:t>&amp;</a:t>
-            </a:r>
-            <a:r>
-              <a:rPr lang="zh-TW" altLang="en-US" dirty="0">
-                <a:latin typeface="標楷體" panose="03000509000000000000" pitchFamily="65" charset="-120"/>
-                <a:ea typeface="標楷體" panose="03000509000000000000" pitchFamily="65" charset="-120"/>
-              </a:rPr>
-              <a:t>發球置左</a:t>
-            </a:r>
-          </a:p>
-        </p:txBody>
-      </p:sp>
-      <p:pic>
-        <p:nvPicPr>
-          <p:cNvPr id="6" name="圖片 5">
-            <a:extLst>
-              <a:ext uri="{FF2B5EF4-FFF2-40B4-BE49-F238E27FC236}">
-                <a16:creationId xmlns:a16="http://schemas.microsoft.com/office/drawing/2014/main" id="{22B0130E-5F73-43B6-A175-EAEE26004266}"/>
-              </a:ext>
-            </a:extLst>
-          </p:cNvPr>
-          <p:cNvPicPr>
-            <a:picLocks noChangeAspect="1"/>
-          </p:cNvPicPr>
-          <p:nvPr/>
-        </p:nvPicPr>
-        <p:blipFill>
-          <a:blip r:embed="rId3"/>
-          <a:stretch>
-            <a:fillRect/>
-          </a:stretch>
-        </p:blipFill>
-        <p:spPr>
-          <a:xfrm>
-            <a:off x="2183929" y="2781494"/>
-            <a:ext cx="9169871" cy="2717940"/>
-          </a:xfrm>
-          <a:prstGeom prst="rect">
-            <a:avLst/>
-          </a:prstGeom>
-        </p:spPr>
-      </p:pic>
-      <p:sp>
-        <p:nvSpPr>
-          <p:cNvPr id="8" name="矩形 7">
-            <a:extLst>
-              <a:ext uri="{FF2B5EF4-FFF2-40B4-BE49-F238E27FC236}">
-                <a16:creationId xmlns:a16="http://schemas.microsoft.com/office/drawing/2014/main" id="{D585DF47-2623-4213-A749-070CDF8E1AC8}"/>
-              </a:ext>
-            </a:extLst>
-          </p:cNvPr>
-          <p:cNvSpPr/>
-          <p:nvPr/>
-        </p:nvSpPr>
-        <p:spPr>
-          <a:xfrm rot="5400000">
-            <a:off x="8816247" y="3961023"/>
-            <a:ext cx="2883645" cy="358881"/>
-          </a:xfrm>
-          <a:prstGeom prst="rect">
-            <a:avLst/>
-          </a:prstGeom>
-          <a:noFill/>
-          <a:ln w="28575">
-            <a:solidFill>
-              <a:srgbClr val="FF0000"/>
-            </a:solidFill>
-          </a:ln>
-        </p:spPr>
-        <p:style>
-          <a:lnRef idx="2">
-            <a:schemeClr val="accent1">
-              <a:shade val="50000"/>
-            </a:schemeClr>
-          </a:lnRef>
-          <a:fillRef idx="1">
-            <a:schemeClr val="accent1"/>
-          </a:fillRef>
-          <a:effectRef idx="0">
-            <a:schemeClr val="accent1"/>
-          </a:effectRef>
-          <a:fontRef idx="minor">
-            <a:schemeClr val="lt1"/>
-          </a:fontRef>
-        </p:style>
-        <p:txBody>
-          <a:bodyPr rtlCol="0" anchor="ctr"/>
-          <a:lstStyle/>
-          <a:p>
-            <a:pPr algn="ctr"/>
-            <a:endParaRPr lang="zh-TW" altLang="en-US" dirty="0">
-              <a:noFill/>
-            </a:endParaRPr>
-          </a:p>
-        </p:txBody>
-      </p:sp>
-    </p:spTree>
-    <p:extLst>
-      <p:ext uri="{BB962C8B-B14F-4D97-AF65-F5344CB8AC3E}">
-        <p14:creationId xmlns:p14="http://schemas.microsoft.com/office/powerpoint/2010/main" val="3760653788"/>
-      </p:ext>
-    </p:extLst>
-  </p:cSld>
-  <p:clrMapOvr>
-    <a:masterClrMapping/>
-  </p:clrMapOvr>
-</p:sld>
-</file>
-
-<file path=ppt/slides/slide22.xml><?xml version="1.0" encoding="utf-8"?>
-<p:sld xmlns:a="http://schemas.openxmlformats.org/drawingml/2006/main" xmlns:r="http://schemas.openxmlformats.org/officeDocument/2006/relationships" xmlns:p="http://schemas.openxmlformats.org/presentationml/2006/main">
-  <p:cSld>
-    <p:spTree>
-      <p:nvGrpSpPr>
-        <p:cNvPr id="1" name=""/>
-        <p:cNvGrpSpPr/>
-        <p:nvPr/>
-      </p:nvGrpSpPr>
-      <p:grpSpPr>
-        <a:xfrm>
-          <a:off x="0" y="0"/>
-          <a:ext cx="0" cy="0"/>
-          <a:chOff x="0" y="0"/>
-          <a:chExt cx="0" cy="0"/>
-        </a:xfrm>
-      </p:grpSpPr>
-      <p:sp>
-        <p:nvSpPr>
-          <p:cNvPr id="3" name="標題 2"/>
-          <p:cNvSpPr>
-            <a:spLocks noGrp="1"/>
-          </p:cNvSpPr>
-          <p:nvPr>
-            <p:ph type="title"/>
-          </p:nvPr>
-        </p:nvSpPr>
-        <p:spPr>
-          <a:xfrm>
-            <a:off x="838200" y="365125"/>
-            <a:ext cx="10515600" cy="720000"/>
-          </a:xfrm>
-        </p:spPr>
-        <p:txBody>
-          <a:bodyPr>
-            <a:noAutofit/>
-          </a:bodyPr>
-          <a:lstStyle/>
-          <a:p>
-            <a:r>
-              <a:rPr lang="en-US" altLang="zh-TW" sz="3200" dirty="0" err="1"/>
-              <a:t>VGA_pong_Bram</a:t>
-            </a:r>
-            <a:r>
-              <a:rPr lang="en-US" altLang="zh-TW" sz="3200" dirty="0"/>
-              <a:t> - FSM</a:t>
-            </a:r>
-            <a:r>
-              <a:rPr lang="zh-TW" altLang="en-US" sz="3200" dirty="0"/>
-              <a:t>修補</a:t>
-            </a:r>
-            <a:r>
-              <a:rPr lang="en-US" altLang="zh-TW" sz="3200" dirty="0"/>
-              <a:t>(2/3)</a:t>
-            </a:r>
-            <a:endParaRPr lang="zh-TW" altLang="en-US" sz="3200" dirty="0"/>
-          </a:p>
-        </p:txBody>
-      </p:sp>
-      <p:sp>
-        <p:nvSpPr>
-          <p:cNvPr id="14" name="文字方塊 13">
-            <a:extLst>
-              <a:ext uri="{FF2B5EF4-FFF2-40B4-BE49-F238E27FC236}">
-                <a16:creationId xmlns:a16="http://schemas.microsoft.com/office/drawing/2014/main" id="{E4E592F9-FC71-4DD1-9118-16844995CC7F}"/>
-              </a:ext>
-            </a:extLst>
-          </p:cNvPr>
-          <p:cNvSpPr txBox="1"/>
-          <p:nvPr/>
-        </p:nvSpPr>
-        <p:spPr>
-          <a:xfrm>
-            <a:off x="1640706" y="1623546"/>
-            <a:ext cx="5373306" cy="923330"/>
-          </a:xfrm>
-          <a:prstGeom prst="rect">
-            <a:avLst/>
-          </a:prstGeom>
-          <a:noFill/>
-        </p:spPr>
-        <p:txBody>
-          <a:bodyPr wrap="square">
-            <a:spAutoFit/>
-          </a:bodyPr>
-          <a:lstStyle/>
-          <a:p>
-            <a:r>
-              <a:rPr lang="en-US" altLang="zh-TW" sz="1800" kern="1200" baseline="0" dirty="0" err="1">
-                <a:solidFill>
-                  <a:srgbClr val="000000"/>
-                </a:solidFill>
-                <a:effectLst/>
-                <a:latin typeface="Times New Roman" panose="02020603050405020304" pitchFamily="18" charset="0"/>
-                <a:ea typeface="標楷體" panose="03000509000000000000" pitchFamily="65" charset="-120"/>
-                <a:cs typeface="+mj-cs"/>
-              </a:rPr>
-              <a:t>VGA_pong</a:t>
-            </a:r>
-            <a:endParaRPr lang="en-US" altLang="zh-TW" dirty="0">
-              <a:latin typeface="標楷體" panose="03000509000000000000" pitchFamily="65" charset="-120"/>
-              <a:ea typeface="標楷體" panose="03000509000000000000" pitchFamily="65" charset="-120"/>
-            </a:endParaRPr>
-          </a:p>
-          <a:p>
-            <a:pPr marL="285750" indent="-285750">
-              <a:buFont typeface="Arial" panose="020B0604020202020204" pitchFamily="34" charset="0"/>
-              <a:buChar char="•"/>
-            </a:pPr>
-            <a:r>
-              <a:rPr lang="zh-TW" altLang="en-US" dirty="0">
-                <a:latin typeface="標楷體" panose="03000509000000000000" pitchFamily="65" charset="-120"/>
-                <a:ea typeface="標楷體" panose="03000509000000000000" pitchFamily="65" charset="-120"/>
-              </a:rPr>
-              <a:t>修補</a:t>
-            </a:r>
-            <a:r>
-              <a:rPr lang="en-US" altLang="zh-TW" dirty="0">
-                <a:latin typeface="Times New Roman" panose="02020603050405020304" pitchFamily="18" charset="0"/>
-                <a:ea typeface="標楷體" panose="03000509000000000000" pitchFamily="65" charset="-120"/>
-              </a:rPr>
-              <a:t>FSM</a:t>
-            </a:r>
-          </a:p>
-          <a:p>
-            <a:pPr marL="285750" indent="-285750">
-              <a:buFont typeface="Arial" panose="020B0604020202020204" pitchFamily="34" charset="0"/>
-              <a:buChar char="•"/>
-            </a:pPr>
-            <a:r>
-              <a:rPr lang="zh-TW" altLang="en-US" dirty="0">
-                <a:latin typeface="Times New Roman" panose="02020603050405020304" pitchFamily="18" charset="0"/>
-                <a:ea typeface="標楷體" panose="03000509000000000000" pitchFamily="65" charset="-120"/>
-              </a:rPr>
-              <a:t>波形模擬</a:t>
-            </a:r>
-            <a:r>
-              <a:rPr lang="en-US" altLang="zh-TW" dirty="0">
-                <a:latin typeface="Times New Roman" panose="02020603050405020304" pitchFamily="18" charset="0"/>
-                <a:ea typeface="標楷體" panose="03000509000000000000" pitchFamily="65" charset="-120"/>
-              </a:rPr>
-              <a:t>(</a:t>
-            </a:r>
-            <a:r>
-              <a:rPr lang="zh-TW" altLang="en-US" dirty="0">
-                <a:latin typeface="Times New Roman" panose="02020603050405020304" pitchFamily="18" charset="0"/>
-                <a:ea typeface="標楷體" panose="03000509000000000000" pitchFamily="65" charset="-120"/>
-              </a:rPr>
-              <a:t>漏接期間</a:t>
-            </a:r>
-            <a:r>
-              <a:rPr lang="en-US" altLang="zh-TW" dirty="0">
-                <a:latin typeface="Times New Roman" panose="02020603050405020304" pitchFamily="18" charset="0"/>
-                <a:ea typeface="標楷體" panose="03000509000000000000" pitchFamily="65" charset="-120"/>
-              </a:rPr>
-              <a:t>)</a:t>
-            </a:r>
-          </a:p>
-        </p:txBody>
-      </p:sp>
-      <p:sp>
-        <p:nvSpPr>
-          <p:cNvPr id="4" name="文字方塊 3">
-            <a:extLst>
-              <a:ext uri="{FF2B5EF4-FFF2-40B4-BE49-F238E27FC236}">
-                <a16:creationId xmlns:a16="http://schemas.microsoft.com/office/drawing/2014/main" id="{CA337AD0-263C-415E-B4F1-4E075D291556}"/>
-              </a:ext>
-            </a:extLst>
-          </p:cNvPr>
-          <p:cNvSpPr txBox="1"/>
-          <p:nvPr/>
-        </p:nvSpPr>
-        <p:spPr>
-          <a:xfrm>
-            <a:off x="7014012" y="5552052"/>
-            <a:ext cx="1680675" cy="369332"/>
-          </a:xfrm>
-          <a:prstGeom prst="rect">
-            <a:avLst/>
-          </a:prstGeom>
-          <a:noFill/>
-        </p:spPr>
-        <p:txBody>
-          <a:bodyPr wrap="square">
-            <a:spAutoFit/>
-          </a:bodyPr>
-          <a:lstStyle/>
-          <a:p>
-            <a:r>
-              <a:rPr lang="zh-TW" altLang="en-US" dirty="0">
-                <a:latin typeface="標楷體" panose="03000509000000000000" pitchFamily="65" charset="-120"/>
-                <a:ea typeface="標楷體" panose="03000509000000000000" pitchFamily="65" charset="-120"/>
-              </a:rPr>
-              <a:t>漏接</a:t>
-            </a:r>
-            <a:r>
-              <a:rPr lang="en-US" altLang="zh-TW" dirty="0">
-                <a:latin typeface="標楷體" panose="03000509000000000000" pitchFamily="65" charset="-120"/>
-                <a:ea typeface="標楷體" panose="03000509000000000000" pitchFamily="65" charset="-120"/>
-              </a:rPr>
-              <a:t>&amp;</a:t>
-            </a:r>
-            <a:r>
-              <a:rPr lang="zh-TW" altLang="en-US" dirty="0">
-                <a:latin typeface="標楷體" panose="03000509000000000000" pitchFamily="65" charset="-120"/>
-                <a:ea typeface="標楷體" panose="03000509000000000000" pitchFamily="65" charset="-120"/>
-              </a:rPr>
-              <a:t>發球置左</a:t>
-            </a:r>
-          </a:p>
-        </p:txBody>
-      </p:sp>
-      <p:pic>
-        <p:nvPicPr>
-          <p:cNvPr id="5" name="圖片 4">
-            <a:extLst>
-              <a:ext uri="{FF2B5EF4-FFF2-40B4-BE49-F238E27FC236}">
-                <a16:creationId xmlns:a16="http://schemas.microsoft.com/office/drawing/2014/main" id="{F651C9E4-143D-4981-ACD3-A28557EEC848}"/>
-              </a:ext>
-            </a:extLst>
-          </p:cNvPr>
-          <p:cNvPicPr>
-            <a:picLocks noChangeAspect="1"/>
-          </p:cNvPicPr>
-          <p:nvPr/>
-        </p:nvPicPr>
-        <p:blipFill>
-          <a:blip r:embed="rId3"/>
-          <a:stretch>
-            <a:fillRect/>
-          </a:stretch>
-        </p:blipFill>
-        <p:spPr>
-          <a:xfrm>
-            <a:off x="2571299" y="2715455"/>
-            <a:ext cx="8782501" cy="2749691"/>
-          </a:xfrm>
-          <a:prstGeom prst="rect">
-            <a:avLst/>
-          </a:prstGeom>
-        </p:spPr>
-      </p:pic>
-      <p:sp>
-        <p:nvSpPr>
-          <p:cNvPr id="8" name="矩形 7">
-            <a:extLst>
-              <a:ext uri="{FF2B5EF4-FFF2-40B4-BE49-F238E27FC236}">
-                <a16:creationId xmlns:a16="http://schemas.microsoft.com/office/drawing/2014/main" id="{25499D1C-168C-43A1-919F-C8E553C659EC}"/>
-              </a:ext>
-            </a:extLst>
-          </p:cNvPr>
-          <p:cNvSpPr/>
-          <p:nvPr/>
-        </p:nvSpPr>
-        <p:spPr>
-          <a:xfrm>
-            <a:off x="5015884" y="4177206"/>
-            <a:ext cx="6383043" cy="1374846"/>
-          </a:xfrm>
-          <a:prstGeom prst="rect">
-            <a:avLst/>
-          </a:prstGeom>
-          <a:noFill/>
-          <a:ln w="28575">
-            <a:solidFill>
-              <a:srgbClr val="FF0000"/>
-            </a:solidFill>
-          </a:ln>
-        </p:spPr>
-        <p:style>
-          <a:lnRef idx="2">
-            <a:schemeClr val="accent1">
-              <a:shade val="50000"/>
-            </a:schemeClr>
-          </a:lnRef>
-          <a:fillRef idx="1">
-            <a:schemeClr val="accent1"/>
-          </a:fillRef>
-          <a:effectRef idx="0">
-            <a:schemeClr val="accent1"/>
-          </a:effectRef>
-          <a:fontRef idx="minor">
-            <a:schemeClr val="lt1"/>
-          </a:fontRef>
-        </p:style>
-        <p:txBody>
-          <a:bodyPr rtlCol="0" anchor="ctr"/>
-          <a:lstStyle/>
-          <a:p>
-            <a:pPr algn="ctr"/>
-            <a:endParaRPr lang="zh-TW" altLang="en-US" dirty="0">
-              <a:noFill/>
-            </a:endParaRPr>
-          </a:p>
-        </p:txBody>
-      </p:sp>
-    </p:spTree>
-    <p:extLst>
-      <p:ext uri="{BB962C8B-B14F-4D97-AF65-F5344CB8AC3E}">
-        <p14:creationId xmlns:p14="http://schemas.microsoft.com/office/powerpoint/2010/main" val="1223746285"/>
-      </p:ext>
-    </p:extLst>
-  </p:cSld>
-  <p:clrMapOvr>
-    <a:masterClrMapping/>
-  </p:clrMapOvr>
-</p:sld>
-</file>
-
-<file path=ppt/slides/slide23.xml><?xml version="1.0" encoding="utf-8"?>
-<p:sld xmlns:a="http://schemas.openxmlformats.org/drawingml/2006/main" xmlns:r="http://schemas.openxmlformats.org/officeDocument/2006/relationships" xmlns:p="http://schemas.openxmlformats.org/presentationml/2006/main">
-  <p:cSld>
-    <p:spTree>
-      <p:nvGrpSpPr>
-        <p:cNvPr id="1" name=""/>
-        <p:cNvGrpSpPr/>
-        <p:nvPr/>
-      </p:nvGrpSpPr>
-      <p:grpSpPr>
-        <a:xfrm>
-          <a:off x="0" y="0"/>
-          <a:ext cx="0" cy="0"/>
-          <a:chOff x="0" y="0"/>
-          <a:chExt cx="0" cy="0"/>
-        </a:xfrm>
-      </p:grpSpPr>
-      <p:sp>
-        <p:nvSpPr>
-          <p:cNvPr id="3" name="標題 2"/>
-          <p:cNvSpPr>
-            <a:spLocks noGrp="1"/>
-          </p:cNvSpPr>
-          <p:nvPr>
-            <p:ph type="title"/>
-          </p:nvPr>
-        </p:nvSpPr>
-        <p:spPr>
-          <a:xfrm>
-            <a:off x="838200" y="365125"/>
-            <a:ext cx="10515600" cy="720000"/>
-          </a:xfrm>
-        </p:spPr>
-        <p:txBody>
-          <a:bodyPr>
-            <a:noAutofit/>
-          </a:bodyPr>
-          <a:lstStyle/>
-          <a:p>
-            <a:r>
-              <a:rPr lang="en-US" altLang="zh-TW" sz="3200" dirty="0" err="1"/>
-              <a:t>VGA_BRam</a:t>
-            </a:r>
-            <a:r>
-              <a:rPr lang="zh-TW" altLang="en-US" sz="3200" dirty="0"/>
-              <a:t>的圖形改號誌</a:t>
-            </a:r>
-          </a:p>
-        </p:txBody>
-      </p:sp>
-      <p:sp>
-        <p:nvSpPr>
-          <p:cNvPr id="8" name="文字方塊 7">
-            <a:extLst>
-              <a:ext uri="{FF2B5EF4-FFF2-40B4-BE49-F238E27FC236}">
-                <a16:creationId xmlns:a16="http://schemas.microsoft.com/office/drawing/2014/main" id="{4BA85CC5-34E4-41F1-B7F8-09CEB0CDED2B}"/>
-              </a:ext>
-            </a:extLst>
-          </p:cNvPr>
-          <p:cNvSpPr txBox="1"/>
-          <p:nvPr/>
-        </p:nvSpPr>
-        <p:spPr>
-          <a:xfrm>
-            <a:off x="2022446" y="1472202"/>
-            <a:ext cx="5373306" cy="646331"/>
-          </a:xfrm>
-          <a:prstGeom prst="rect">
-            <a:avLst/>
-          </a:prstGeom>
-          <a:noFill/>
-        </p:spPr>
-        <p:txBody>
-          <a:bodyPr wrap="square">
-            <a:spAutoFit/>
-          </a:bodyPr>
-          <a:lstStyle/>
-          <a:p>
-            <a:r>
-              <a:rPr lang="en-US" altLang="zh-TW" sz="1800" kern="1200" baseline="0" dirty="0" err="1">
-                <a:solidFill>
-                  <a:srgbClr val="000000"/>
-                </a:solidFill>
-                <a:effectLst/>
-                <a:latin typeface="Times New Roman" panose="02020603050405020304" pitchFamily="18" charset="0"/>
-                <a:ea typeface="標楷體" panose="03000509000000000000" pitchFamily="65" charset="-120"/>
-                <a:cs typeface="+mj-cs"/>
-              </a:rPr>
-              <a:t>VGA_Bram</a:t>
-            </a:r>
-            <a:endParaRPr lang="zh-TW" altLang="en-US" dirty="0">
-              <a:latin typeface="標楷體" panose="03000509000000000000" pitchFamily="65" charset="-120"/>
-              <a:ea typeface="標楷體" panose="03000509000000000000" pitchFamily="65" charset="-120"/>
-            </a:endParaRPr>
-          </a:p>
-          <a:p>
-            <a:pPr marL="285750" indent="-285750">
-              <a:buFont typeface="Arial" panose="020B0604020202020204" pitchFamily="34" charset="0"/>
-              <a:buChar char="•"/>
-            </a:pPr>
-            <a:r>
-              <a:rPr lang="en-US" altLang="zh-TW" dirty="0">
-                <a:latin typeface="Times New Roman" panose="02020603050405020304" pitchFamily="18" charset="0"/>
-                <a:ea typeface="標楷體" panose="03000509000000000000" pitchFamily="65" charset="-120"/>
-              </a:rPr>
-              <a:t>QR code</a:t>
-            </a:r>
-            <a:endParaRPr lang="en-US" altLang="zh-TW" dirty="0">
-              <a:latin typeface="標楷體" panose="03000509000000000000" pitchFamily="65" charset="-120"/>
-              <a:ea typeface="標楷體" panose="03000509000000000000" pitchFamily="65" charset="-120"/>
-            </a:endParaRPr>
-          </a:p>
-        </p:txBody>
-      </p:sp>
-      <p:sp>
-        <p:nvSpPr>
-          <p:cNvPr id="9" name="文字方塊 8">
-            <a:extLst>
-              <a:ext uri="{FF2B5EF4-FFF2-40B4-BE49-F238E27FC236}">
-                <a16:creationId xmlns:a16="http://schemas.microsoft.com/office/drawing/2014/main" id="{EB8D24F1-959B-48A6-8E8B-73F5E4AE6FCC}"/>
-              </a:ext>
-            </a:extLst>
-          </p:cNvPr>
-          <p:cNvSpPr txBox="1"/>
-          <p:nvPr/>
-        </p:nvSpPr>
-        <p:spPr>
-          <a:xfrm>
-            <a:off x="5577470" y="5474308"/>
-            <a:ext cx="1171202" cy="369332"/>
-          </a:xfrm>
-          <a:prstGeom prst="rect">
-            <a:avLst/>
-          </a:prstGeom>
-          <a:noFill/>
-        </p:spPr>
-        <p:txBody>
-          <a:bodyPr wrap="square">
-            <a:spAutoFit/>
-          </a:bodyPr>
-          <a:lstStyle/>
-          <a:p>
-            <a:r>
-              <a:rPr lang="zh-TW" altLang="en-US" dirty="0">
-                <a:latin typeface="標楷體" panose="03000509000000000000" pitchFamily="65" charset="-120"/>
-                <a:ea typeface="標楷體" panose="03000509000000000000" pitchFamily="65" charset="-120"/>
-              </a:rPr>
-              <a:t>圖形置中</a:t>
-            </a:r>
-          </a:p>
-        </p:txBody>
-      </p:sp>
-    </p:spTree>
-    <p:extLst>
-      <p:ext uri="{BB962C8B-B14F-4D97-AF65-F5344CB8AC3E}">
-        <p14:creationId xmlns:p14="http://schemas.microsoft.com/office/powerpoint/2010/main" val="2179286972"/>
       </p:ext>
     </p:extLst>
   </p:cSld>
@@ -11493,11 +11249,15 @@
             </a:r>
             <a:r>
               <a:rPr lang="en-US" altLang="zh-TW" sz="3200" dirty="0"/>
-              <a:t> - VGA</a:t>
-            </a:r>
-            <a:r>
-              <a:rPr lang="zh-TW" altLang="en-US" sz="3200"/>
-              <a:t>顯示</a:t>
+              <a:t> - FSM</a:t>
+            </a:r>
+            <a:r>
+              <a:rPr lang="zh-TW" altLang="en-US" sz="3200" dirty="0"/>
+              <a:t>修補</a:t>
+            </a:r>
+            <a:r>
+              <a:rPr lang="en-US" altLang="zh-TW" sz="3200" dirty="0"/>
+              <a:t>(2/3)</a:t>
             </a:r>
             <a:endParaRPr lang="zh-TW" altLang="en-US" sz="3200" dirty="0"/>
           </a:p>
@@ -11517,7 +11277,7 @@
         </p:nvSpPr>
         <p:spPr>
           <a:xfrm>
-            <a:off x="2022446" y="1472202"/>
+            <a:off x="1640706" y="1623546"/>
             <a:ext cx="5373306" cy="923330"/>
           </a:xfrm>
           <a:prstGeom prst="rect">
@@ -11543,7 +11303,7 @@
               </a:rPr>
               <a:t>VGA_pong</a:t>
             </a:r>
-            <a:endParaRPr lang="zh-TW" altLang="en-US" dirty="0">
+            <a:endParaRPr lang="en-US" altLang="zh-TW" dirty="0">
               <a:latin typeface="標楷體" panose="03000509000000000000" pitchFamily="65" charset="-120"/>
               <a:ea typeface="標楷體" panose="03000509000000000000" pitchFamily="65" charset="-120"/>
             </a:endParaRPr>
@@ -11555,15 +11315,18 @@
             </a:pPr>
             <a:r>
               <a:rPr lang="zh-TW" altLang="en-US" dirty="0">
+                <a:latin typeface="標楷體" panose="03000509000000000000" pitchFamily="65" charset="-120"/>
+                <a:ea typeface="標楷體" panose="03000509000000000000" pitchFamily="65" charset="-120"/>
+              </a:rPr>
+              <a:t>修補</a:t>
+            </a:r>
+            <a:r>
+              <a:rPr lang="en-US" altLang="zh-TW" dirty="0">
                 <a:latin typeface="Times New Roman" panose="02020603050405020304" pitchFamily="18" charset="0"/>
                 <a:ea typeface="標楷體" panose="03000509000000000000" pitchFamily="65" charset="-120"/>
               </a:rPr>
-              <a:t>學號</a:t>
-            </a:r>
-            <a:endParaRPr lang="en-US" altLang="zh-TW" dirty="0">
-              <a:latin typeface="Times New Roman" panose="02020603050405020304" pitchFamily="18" charset="0"/>
-              <a:ea typeface="標楷體" panose="03000509000000000000" pitchFamily="65" charset="-120"/>
-            </a:endParaRPr>
+              <a:t>FSM</a:t>
+            </a:r>
           </a:p>
           <a:p>
             <a:pPr marL="285750" indent="-285750">
@@ -11572,17 +11335,31 @@
             </a:pPr>
             <a:r>
               <a:rPr lang="zh-TW" altLang="en-US" dirty="0">
-                <a:latin typeface="標楷體" panose="03000509000000000000" pitchFamily="65" charset="-120"/>
-                <a:ea typeface="標楷體" panose="03000509000000000000" pitchFamily="65" charset="-120"/>
-              </a:rPr>
-              <a:t>修補</a:t>
+                <a:latin typeface="Times New Roman" panose="02020603050405020304" pitchFamily="18" charset="0"/>
+                <a:ea typeface="標楷體" panose="03000509000000000000" pitchFamily="65" charset="-120"/>
+              </a:rPr>
+              <a:t>波形模擬</a:t>
             </a:r>
             <a:r>
               <a:rPr lang="en-US" altLang="zh-TW" dirty="0">
                 <a:latin typeface="Times New Roman" panose="02020603050405020304" pitchFamily="18" charset="0"/>
                 <a:ea typeface="標楷體" panose="03000509000000000000" pitchFamily="65" charset="-120"/>
               </a:rPr>
-              <a:t>FSM</a:t>
+              <a:t>(</a:t>
+            </a:r>
+            <a:r>
+              <a:rPr lang="zh-TW" altLang="en-US" dirty="0">
+                <a:latin typeface="Times New Roman" panose="02020603050405020304" pitchFamily="18" charset="0"/>
+                <a:ea typeface="標楷體" panose="03000509000000000000" pitchFamily="65" charset="-120"/>
+              </a:rPr>
+              <a:t>漏接期間</a:t>
+            </a:r>
+            <a:r>
+              <a:rPr lang="en-US" altLang="zh-TW" dirty="0">
+                <a:latin typeface="Times New Roman" panose="02020603050405020304" pitchFamily="18" charset="0"/>
+                <a:ea typeface="標楷體" panose="03000509000000000000" pitchFamily="65" charset="-120"/>
+              </a:rPr>
+              <a:t>)</a:t>
             </a:r>
           </a:p>
         </p:txBody>
@@ -11601,8 +11378,8 @@
         </p:nvSpPr>
         <p:spPr>
           <a:xfrm>
-            <a:off x="5171629" y="5352421"/>
-            <a:ext cx="1848742" cy="369332"/>
+            <a:off x="7014012" y="5569808"/>
+            <a:ext cx="1680675" cy="369332"/>
           </a:xfrm>
           <a:prstGeom prst="rect">
             <a:avLst/>
@@ -11634,15 +11411,99 @@
                 <a:latin typeface="標楷體" panose="03000509000000000000" pitchFamily="65" charset="-120"/>
                 <a:ea typeface="標楷體" panose="03000509000000000000" pitchFamily="65" charset="-120"/>
               </a:rPr>
-              <a:t>發球置右</a:t>
-            </a:r>
+              <a:t>發球置左</a:t>
+            </a:r>
+          </a:p>
+        </p:txBody>
+      </p:sp>
+      <p:pic>
+        <p:nvPicPr>
+          <p:cNvPr id="6" name="圖片 5">
+            <a:extLst>
+              <a:ext uri="{FF2B5EF4-FFF2-40B4-BE49-F238E27FC236}">
+                <a16:creationId xmlns:a16="http://schemas.microsoft.com/office/drawing/2014/main" id="{22B0130E-5F73-43B6-A175-EAEE26004266}"/>
+              </a:ext>
+            </a:extLst>
+          </p:cNvPr>
+          <p:cNvPicPr>
+            <a:picLocks noChangeAspect="1"/>
+          </p:cNvPicPr>
+          <p:nvPr/>
+        </p:nvPicPr>
+        <p:blipFill>
+          <a:blip r:embed="rId3"/>
+          <a:stretch>
+            <a:fillRect/>
+          </a:stretch>
+        </p:blipFill>
+        <p:spPr>
+          <a:xfrm>
+            <a:off x="2183929" y="2781494"/>
+            <a:ext cx="9169871" cy="2717940"/>
+          </a:xfrm>
+          <a:prstGeom prst="rect">
+            <a:avLst/>
+          </a:prstGeom>
+        </p:spPr>
+      </p:pic>
+      <p:sp>
+        <p:nvSpPr>
+          <p:cNvPr id="8" name="矩形 7">
+            <a:extLst>
+              <a:ext uri="{FF2B5EF4-FFF2-40B4-BE49-F238E27FC236}">
+                <a16:creationId xmlns:a16="http://schemas.microsoft.com/office/drawing/2014/main" id="{D585DF47-2623-4213-A749-070CDF8E1AC8}"/>
+              </a:ext>
+            </a:extLst>
+          </p:cNvPr>
+          <p:cNvSpPr/>
+          <p:nvPr/>
+        </p:nvSpPr>
+        <p:spPr>
+          <a:xfrm rot="5400000">
+            <a:off x="8816247" y="3961023"/>
+            <a:ext cx="2883645" cy="358881"/>
+          </a:xfrm>
+          <a:prstGeom prst="rect">
+            <a:avLst/>
+          </a:prstGeom>
+          <a:noFill/>
+          <a:ln w="28575">
+            <a:solidFill>
+              <a:srgbClr val="FF0000"/>
+            </a:solidFill>
+          </a:ln>
+        </p:spPr>
+        <p:style>
+          <a:lnRef idx="2">
+            <a:schemeClr val="accent1">
+              <a:shade val="50000"/>
+            </a:schemeClr>
+          </a:lnRef>
+          <a:fillRef idx="1">
+            <a:schemeClr val="accent1"/>
+          </a:fillRef>
+          <a:effectRef idx="0">
+            <a:schemeClr val="accent1"/>
+          </a:effectRef>
+          <a:fontRef idx="minor">
+            <a:schemeClr val="lt1"/>
+          </a:fontRef>
+        </p:style>
+        <p:txBody>
+          <a:bodyPr rtlCol="0" anchor="ctr"/>
+          <a:lstStyle/>
+          <a:p>
+            <a:pPr algn="ctr"/>
+            <a:endParaRPr lang="zh-TW" altLang="en-US" dirty="0">
+              <a:noFill/>
+            </a:endParaRPr>
           </a:p>
         </p:txBody>
       </p:sp>
     </p:spTree>
     <p:extLst>
       <p:ext uri="{BB962C8B-B14F-4D97-AF65-F5344CB8AC3E}">
-        <p14:creationId xmlns:p14="http://schemas.microsoft.com/office/powerpoint/2010/main" val="2304594691"/>
+        <p14:creationId xmlns:p14="http://schemas.microsoft.com/office/powerpoint/2010/main" val="3760653788"/>
       </p:ext>
     </p:extLst>
   </p:cSld>
@@ -11671,6 +11532,684 @@
       </p:grpSpPr>
       <p:sp>
         <p:nvSpPr>
+          <p:cNvPr id="3" name="標題 2"/>
+          <p:cNvSpPr>
+            <a:spLocks noGrp="1"/>
+          </p:cNvSpPr>
+          <p:nvPr>
+            <p:ph type="title"/>
+          </p:nvPr>
+        </p:nvSpPr>
+        <p:spPr>
+          <a:xfrm>
+            <a:off x="838200" y="365125"/>
+            <a:ext cx="10515600" cy="720000"/>
+          </a:xfrm>
+        </p:spPr>
+        <p:txBody>
+          <a:bodyPr>
+            <a:noAutofit/>
+          </a:bodyPr>
+          <a:lstStyle/>
+          <a:p>
+            <a:r>
+              <a:rPr lang="en-US" altLang="zh-TW" sz="3200" dirty="0" err="1"/>
+              <a:t>VGA_pong_Bram</a:t>
+            </a:r>
+            <a:r>
+              <a:rPr lang="en-US" altLang="zh-TW" sz="3200" dirty="0"/>
+              <a:t> - FSM</a:t>
+            </a:r>
+            <a:r>
+              <a:rPr lang="zh-TW" altLang="en-US" sz="3200" dirty="0"/>
+              <a:t>修補</a:t>
+            </a:r>
+            <a:r>
+              <a:rPr lang="en-US" altLang="zh-TW" sz="3200" dirty="0"/>
+              <a:t>(2/3)</a:t>
+            </a:r>
+            <a:endParaRPr lang="zh-TW" altLang="en-US" sz="3200" dirty="0"/>
+          </a:p>
+        </p:txBody>
+      </p:sp>
+      <p:sp>
+        <p:nvSpPr>
+          <p:cNvPr id="14" name="文字方塊 13">
+            <a:extLst>
+              <a:ext uri="{FF2B5EF4-FFF2-40B4-BE49-F238E27FC236}">
+                <a16:creationId xmlns:a16="http://schemas.microsoft.com/office/drawing/2014/main" id="{E4E592F9-FC71-4DD1-9118-16844995CC7F}"/>
+              </a:ext>
+            </a:extLst>
+          </p:cNvPr>
+          <p:cNvSpPr txBox="1"/>
+          <p:nvPr/>
+        </p:nvSpPr>
+        <p:spPr>
+          <a:xfrm>
+            <a:off x="1640706" y="1623546"/>
+            <a:ext cx="5373306" cy="923330"/>
+          </a:xfrm>
+          <a:prstGeom prst="rect">
+            <a:avLst/>
+          </a:prstGeom>
+          <a:noFill/>
+        </p:spPr>
+        <p:txBody>
+          <a:bodyPr wrap="square">
+            <a:spAutoFit/>
+          </a:bodyPr>
+          <a:lstStyle/>
+          <a:p>
+            <a:r>
+              <a:rPr lang="en-US" altLang="zh-TW" sz="1800" kern="1200" baseline="0" dirty="0" err="1">
+                <a:solidFill>
+                  <a:srgbClr val="000000"/>
+                </a:solidFill>
+                <a:effectLst/>
+                <a:latin typeface="Times New Roman" panose="02020603050405020304" pitchFamily="18" charset="0"/>
+                <a:ea typeface="標楷體" panose="03000509000000000000" pitchFamily="65" charset="-120"/>
+                <a:cs typeface="+mj-cs"/>
+              </a:rPr>
+              <a:t>VGA_pong</a:t>
+            </a:r>
+            <a:endParaRPr lang="en-US" altLang="zh-TW" dirty="0">
+              <a:latin typeface="標楷體" panose="03000509000000000000" pitchFamily="65" charset="-120"/>
+              <a:ea typeface="標楷體" panose="03000509000000000000" pitchFamily="65" charset="-120"/>
+            </a:endParaRPr>
+          </a:p>
+          <a:p>
+            <a:pPr marL="285750" indent="-285750">
+              <a:buFont typeface="Arial" panose="020B0604020202020204" pitchFamily="34" charset="0"/>
+              <a:buChar char="•"/>
+            </a:pPr>
+            <a:r>
+              <a:rPr lang="zh-TW" altLang="en-US" dirty="0">
+                <a:latin typeface="標楷體" panose="03000509000000000000" pitchFamily="65" charset="-120"/>
+                <a:ea typeface="標楷體" panose="03000509000000000000" pitchFamily="65" charset="-120"/>
+              </a:rPr>
+              <a:t>修補</a:t>
+            </a:r>
+            <a:r>
+              <a:rPr lang="en-US" altLang="zh-TW" dirty="0">
+                <a:latin typeface="Times New Roman" panose="02020603050405020304" pitchFamily="18" charset="0"/>
+                <a:ea typeface="標楷體" panose="03000509000000000000" pitchFamily="65" charset="-120"/>
+              </a:rPr>
+              <a:t>FSM</a:t>
+            </a:r>
+          </a:p>
+          <a:p>
+            <a:pPr marL="285750" indent="-285750">
+              <a:buFont typeface="Arial" panose="020B0604020202020204" pitchFamily="34" charset="0"/>
+              <a:buChar char="•"/>
+            </a:pPr>
+            <a:r>
+              <a:rPr lang="zh-TW" altLang="en-US" dirty="0">
+                <a:latin typeface="Times New Roman" panose="02020603050405020304" pitchFamily="18" charset="0"/>
+                <a:ea typeface="標楷體" panose="03000509000000000000" pitchFamily="65" charset="-120"/>
+              </a:rPr>
+              <a:t>波形模擬</a:t>
+            </a:r>
+            <a:r>
+              <a:rPr lang="en-US" altLang="zh-TW" dirty="0">
+                <a:latin typeface="Times New Roman" panose="02020603050405020304" pitchFamily="18" charset="0"/>
+                <a:ea typeface="標楷體" panose="03000509000000000000" pitchFamily="65" charset="-120"/>
+              </a:rPr>
+              <a:t>(</a:t>
+            </a:r>
+            <a:r>
+              <a:rPr lang="zh-TW" altLang="en-US" dirty="0">
+                <a:latin typeface="Times New Roman" panose="02020603050405020304" pitchFamily="18" charset="0"/>
+                <a:ea typeface="標楷體" panose="03000509000000000000" pitchFamily="65" charset="-120"/>
+              </a:rPr>
+              <a:t>漏接期間</a:t>
+            </a:r>
+            <a:r>
+              <a:rPr lang="en-US" altLang="zh-TW" dirty="0">
+                <a:latin typeface="Times New Roman" panose="02020603050405020304" pitchFamily="18" charset="0"/>
+                <a:ea typeface="標楷體" panose="03000509000000000000" pitchFamily="65" charset="-120"/>
+              </a:rPr>
+              <a:t>)</a:t>
+            </a:r>
+          </a:p>
+        </p:txBody>
+      </p:sp>
+      <p:sp>
+        <p:nvSpPr>
+          <p:cNvPr id="4" name="文字方塊 3">
+            <a:extLst>
+              <a:ext uri="{FF2B5EF4-FFF2-40B4-BE49-F238E27FC236}">
+                <a16:creationId xmlns:a16="http://schemas.microsoft.com/office/drawing/2014/main" id="{CA337AD0-263C-415E-B4F1-4E075D291556}"/>
+              </a:ext>
+            </a:extLst>
+          </p:cNvPr>
+          <p:cNvSpPr txBox="1"/>
+          <p:nvPr/>
+        </p:nvSpPr>
+        <p:spPr>
+          <a:xfrm>
+            <a:off x="7014012" y="5552052"/>
+            <a:ext cx="1680675" cy="369332"/>
+          </a:xfrm>
+          <a:prstGeom prst="rect">
+            <a:avLst/>
+          </a:prstGeom>
+          <a:noFill/>
+        </p:spPr>
+        <p:txBody>
+          <a:bodyPr wrap="square">
+            <a:spAutoFit/>
+          </a:bodyPr>
+          <a:lstStyle/>
+          <a:p>
+            <a:r>
+              <a:rPr lang="zh-TW" altLang="en-US" dirty="0">
+                <a:latin typeface="標楷體" panose="03000509000000000000" pitchFamily="65" charset="-120"/>
+                <a:ea typeface="標楷體" panose="03000509000000000000" pitchFamily="65" charset="-120"/>
+              </a:rPr>
+              <a:t>漏接</a:t>
+            </a:r>
+            <a:r>
+              <a:rPr lang="en-US" altLang="zh-TW" dirty="0">
+                <a:latin typeface="標楷體" panose="03000509000000000000" pitchFamily="65" charset="-120"/>
+                <a:ea typeface="標楷體" panose="03000509000000000000" pitchFamily="65" charset="-120"/>
+              </a:rPr>
+              <a:t>&amp;</a:t>
+            </a:r>
+            <a:r>
+              <a:rPr lang="zh-TW" altLang="en-US" dirty="0">
+                <a:latin typeface="標楷體" panose="03000509000000000000" pitchFamily="65" charset="-120"/>
+                <a:ea typeface="標楷體" panose="03000509000000000000" pitchFamily="65" charset="-120"/>
+              </a:rPr>
+              <a:t>發球置左</a:t>
+            </a:r>
+          </a:p>
+        </p:txBody>
+      </p:sp>
+      <p:pic>
+        <p:nvPicPr>
+          <p:cNvPr id="5" name="圖片 4">
+            <a:extLst>
+              <a:ext uri="{FF2B5EF4-FFF2-40B4-BE49-F238E27FC236}">
+                <a16:creationId xmlns:a16="http://schemas.microsoft.com/office/drawing/2014/main" id="{F651C9E4-143D-4981-ACD3-A28557EEC848}"/>
+              </a:ext>
+            </a:extLst>
+          </p:cNvPr>
+          <p:cNvPicPr>
+            <a:picLocks noChangeAspect="1"/>
+          </p:cNvPicPr>
+          <p:nvPr/>
+        </p:nvPicPr>
+        <p:blipFill>
+          <a:blip r:embed="rId3"/>
+          <a:stretch>
+            <a:fillRect/>
+          </a:stretch>
+        </p:blipFill>
+        <p:spPr>
+          <a:xfrm>
+            <a:off x="2571299" y="2715455"/>
+            <a:ext cx="8782501" cy="2749691"/>
+          </a:xfrm>
+          <a:prstGeom prst="rect">
+            <a:avLst/>
+          </a:prstGeom>
+        </p:spPr>
+      </p:pic>
+      <p:sp>
+        <p:nvSpPr>
+          <p:cNvPr id="8" name="矩形 7">
+            <a:extLst>
+              <a:ext uri="{FF2B5EF4-FFF2-40B4-BE49-F238E27FC236}">
+                <a16:creationId xmlns:a16="http://schemas.microsoft.com/office/drawing/2014/main" id="{25499D1C-168C-43A1-919F-C8E553C659EC}"/>
+              </a:ext>
+            </a:extLst>
+          </p:cNvPr>
+          <p:cNvSpPr/>
+          <p:nvPr/>
+        </p:nvSpPr>
+        <p:spPr>
+          <a:xfrm>
+            <a:off x="5015884" y="4177206"/>
+            <a:ext cx="6383043" cy="1374846"/>
+          </a:xfrm>
+          <a:prstGeom prst="rect">
+            <a:avLst/>
+          </a:prstGeom>
+          <a:noFill/>
+          <a:ln w="28575">
+            <a:solidFill>
+              <a:srgbClr val="FF0000"/>
+            </a:solidFill>
+          </a:ln>
+        </p:spPr>
+        <p:style>
+          <a:lnRef idx="2">
+            <a:schemeClr val="accent1">
+              <a:shade val="50000"/>
+            </a:schemeClr>
+          </a:lnRef>
+          <a:fillRef idx="1">
+            <a:schemeClr val="accent1"/>
+          </a:fillRef>
+          <a:effectRef idx="0">
+            <a:schemeClr val="accent1"/>
+          </a:effectRef>
+          <a:fontRef idx="minor">
+            <a:schemeClr val="lt1"/>
+          </a:fontRef>
+        </p:style>
+        <p:txBody>
+          <a:bodyPr rtlCol="0" anchor="ctr"/>
+          <a:lstStyle/>
+          <a:p>
+            <a:pPr algn="ctr"/>
+            <a:endParaRPr lang="zh-TW" altLang="en-US" dirty="0">
+              <a:noFill/>
+            </a:endParaRPr>
+          </a:p>
+        </p:txBody>
+      </p:sp>
+    </p:spTree>
+    <p:extLst>
+      <p:ext uri="{BB962C8B-B14F-4D97-AF65-F5344CB8AC3E}">
+        <p14:creationId xmlns:p14="http://schemas.microsoft.com/office/powerpoint/2010/main" val="1223746285"/>
+      </p:ext>
+    </p:extLst>
+  </p:cSld>
+  <p:clrMapOvr>
+    <a:masterClrMapping/>
+  </p:clrMapOvr>
+</p:sld>
+</file>
+
+<file path=ppt/slides/slide26.xml><?xml version="1.0" encoding="utf-8"?>
+<p:sld xmlns:a="http://schemas.openxmlformats.org/drawingml/2006/main" xmlns:r="http://schemas.openxmlformats.org/officeDocument/2006/relationships" xmlns:p="http://schemas.openxmlformats.org/presentationml/2006/main">
+  <p:cSld>
+    <p:spTree>
+      <p:nvGrpSpPr>
+        <p:cNvPr id="1" name=""/>
+        <p:cNvGrpSpPr/>
+        <p:nvPr/>
+      </p:nvGrpSpPr>
+      <p:grpSpPr>
+        <a:xfrm>
+          <a:off x="0" y="0"/>
+          <a:ext cx="0" cy="0"/>
+          <a:chOff x="0" y="0"/>
+          <a:chExt cx="0" cy="0"/>
+        </a:xfrm>
+      </p:grpSpPr>
+      <p:sp>
+        <p:nvSpPr>
+          <p:cNvPr id="3" name="標題 2"/>
+          <p:cNvSpPr>
+            <a:spLocks noGrp="1"/>
+          </p:cNvSpPr>
+          <p:nvPr>
+            <p:ph type="title"/>
+          </p:nvPr>
+        </p:nvSpPr>
+        <p:spPr>
+          <a:xfrm>
+            <a:off x="838200" y="365125"/>
+            <a:ext cx="10515600" cy="720000"/>
+          </a:xfrm>
+        </p:spPr>
+        <p:txBody>
+          <a:bodyPr>
+            <a:noAutofit/>
+          </a:bodyPr>
+          <a:lstStyle/>
+          <a:p>
+            <a:r>
+              <a:rPr lang="en-US" altLang="zh-TW" sz="3200" dirty="0" err="1"/>
+              <a:t>VGA_BRam</a:t>
+            </a:r>
+            <a:r>
+              <a:rPr lang="zh-TW" altLang="en-US" sz="3200" dirty="0"/>
+              <a:t>的圖形改號誌</a:t>
+            </a:r>
+          </a:p>
+        </p:txBody>
+      </p:sp>
+      <p:sp>
+        <p:nvSpPr>
+          <p:cNvPr id="8" name="文字方塊 7">
+            <a:extLst>
+              <a:ext uri="{FF2B5EF4-FFF2-40B4-BE49-F238E27FC236}">
+                <a16:creationId xmlns:a16="http://schemas.microsoft.com/office/drawing/2014/main" id="{4BA85CC5-34E4-41F1-B7F8-09CEB0CDED2B}"/>
+              </a:ext>
+            </a:extLst>
+          </p:cNvPr>
+          <p:cNvSpPr txBox="1"/>
+          <p:nvPr/>
+        </p:nvSpPr>
+        <p:spPr>
+          <a:xfrm>
+            <a:off x="2022446" y="1472202"/>
+            <a:ext cx="5373306" cy="646331"/>
+          </a:xfrm>
+          <a:prstGeom prst="rect">
+            <a:avLst/>
+          </a:prstGeom>
+          <a:noFill/>
+        </p:spPr>
+        <p:txBody>
+          <a:bodyPr wrap="square">
+            <a:spAutoFit/>
+          </a:bodyPr>
+          <a:lstStyle/>
+          <a:p>
+            <a:r>
+              <a:rPr lang="en-US" altLang="zh-TW" sz="1800" kern="1200" baseline="0" dirty="0" err="1">
+                <a:solidFill>
+                  <a:srgbClr val="000000"/>
+                </a:solidFill>
+                <a:effectLst/>
+                <a:latin typeface="Times New Roman" panose="02020603050405020304" pitchFamily="18" charset="0"/>
+                <a:ea typeface="標楷體" panose="03000509000000000000" pitchFamily="65" charset="-120"/>
+                <a:cs typeface="+mj-cs"/>
+              </a:rPr>
+              <a:t>VGA_Bram</a:t>
+            </a:r>
+            <a:endParaRPr lang="zh-TW" altLang="en-US" dirty="0">
+              <a:latin typeface="標楷體" panose="03000509000000000000" pitchFamily="65" charset="-120"/>
+              <a:ea typeface="標楷體" panose="03000509000000000000" pitchFamily="65" charset="-120"/>
+            </a:endParaRPr>
+          </a:p>
+          <a:p>
+            <a:pPr marL="285750" indent="-285750">
+              <a:buFont typeface="Arial" panose="020B0604020202020204" pitchFamily="34" charset="0"/>
+              <a:buChar char="•"/>
+            </a:pPr>
+            <a:r>
+              <a:rPr lang="en-US" altLang="zh-TW" dirty="0">
+                <a:latin typeface="Times New Roman" panose="02020603050405020304" pitchFamily="18" charset="0"/>
+                <a:ea typeface="標楷體" panose="03000509000000000000" pitchFamily="65" charset="-120"/>
+              </a:rPr>
+              <a:t>QR code</a:t>
+            </a:r>
+            <a:endParaRPr lang="en-US" altLang="zh-TW" dirty="0">
+              <a:latin typeface="標楷體" panose="03000509000000000000" pitchFamily="65" charset="-120"/>
+              <a:ea typeface="標楷體" panose="03000509000000000000" pitchFamily="65" charset="-120"/>
+            </a:endParaRPr>
+          </a:p>
+        </p:txBody>
+      </p:sp>
+      <p:sp>
+        <p:nvSpPr>
+          <p:cNvPr id="9" name="文字方塊 8">
+            <a:extLst>
+              <a:ext uri="{FF2B5EF4-FFF2-40B4-BE49-F238E27FC236}">
+                <a16:creationId xmlns:a16="http://schemas.microsoft.com/office/drawing/2014/main" id="{EB8D24F1-959B-48A6-8E8B-73F5E4AE6FCC}"/>
+              </a:ext>
+            </a:extLst>
+          </p:cNvPr>
+          <p:cNvSpPr txBox="1"/>
+          <p:nvPr/>
+        </p:nvSpPr>
+        <p:spPr>
+          <a:xfrm>
+            <a:off x="5577470" y="5474308"/>
+            <a:ext cx="1171202" cy="369332"/>
+          </a:xfrm>
+          <a:prstGeom prst="rect">
+            <a:avLst/>
+          </a:prstGeom>
+          <a:noFill/>
+        </p:spPr>
+        <p:txBody>
+          <a:bodyPr wrap="square">
+            <a:spAutoFit/>
+          </a:bodyPr>
+          <a:lstStyle/>
+          <a:p>
+            <a:r>
+              <a:rPr lang="zh-TW" altLang="en-US" dirty="0">
+                <a:latin typeface="標楷體" panose="03000509000000000000" pitchFamily="65" charset="-120"/>
+                <a:ea typeface="標楷體" panose="03000509000000000000" pitchFamily="65" charset="-120"/>
+              </a:rPr>
+              <a:t>圖形置中</a:t>
+            </a:r>
+          </a:p>
+        </p:txBody>
+      </p:sp>
+    </p:spTree>
+    <p:extLst>
+      <p:ext uri="{BB962C8B-B14F-4D97-AF65-F5344CB8AC3E}">
+        <p14:creationId xmlns:p14="http://schemas.microsoft.com/office/powerpoint/2010/main" val="2179286972"/>
+      </p:ext>
+    </p:extLst>
+  </p:cSld>
+  <p:clrMapOvr>
+    <a:masterClrMapping/>
+  </p:clrMapOvr>
+</p:sld>
+</file>
+
+<file path=ppt/slides/slide27.xml><?xml version="1.0" encoding="utf-8"?>
+<p:sld xmlns:a="http://schemas.openxmlformats.org/drawingml/2006/main" xmlns:r="http://schemas.openxmlformats.org/officeDocument/2006/relationships" xmlns:p="http://schemas.openxmlformats.org/presentationml/2006/main">
+  <p:cSld>
+    <p:spTree>
+      <p:nvGrpSpPr>
+        <p:cNvPr id="1" name=""/>
+        <p:cNvGrpSpPr/>
+        <p:nvPr/>
+      </p:nvGrpSpPr>
+      <p:grpSpPr>
+        <a:xfrm>
+          <a:off x="0" y="0"/>
+          <a:ext cx="0" cy="0"/>
+          <a:chOff x="0" y="0"/>
+          <a:chExt cx="0" cy="0"/>
+        </a:xfrm>
+      </p:grpSpPr>
+      <p:sp>
+        <p:nvSpPr>
+          <p:cNvPr id="3" name="標題 2"/>
+          <p:cNvSpPr>
+            <a:spLocks noGrp="1"/>
+          </p:cNvSpPr>
+          <p:nvPr>
+            <p:ph type="title"/>
+          </p:nvPr>
+        </p:nvSpPr>
+        <p:spPr>
+          <a:xfrm>
+            <a:off x="838200" y="365125"/>
+            <a:ext cx="10515600" cy="720000"/>
+          </a:xfrm>
+        </p:spPr>
+        <p:txBody>
+          <a:bodyPr>
+            <a:noAutofit/>
+          </a:bodyPr>
+          <a:lstStyle/>
+          <a:p>
+            <a:r>
+              <a:rPr lang="en-US" altLang="zh-TW" sz="3200" dirty="0" err="1"/>
+              <a:t>VGA_pong_Bram</a:t>
+            </a:r>
+            <a:r>
+              <a:rPr lang="en-US" altLang="zh-TW" sz="3200" dirty="0"/>
+              <a:t> - VGA</a:t>
+            </a:r>
+            <a:r>
+              <a:rPr lang="zh-TW" altLang="en-US" sz="3200"/>
+              <a:t>顯示</a:t>
+            </a:r>
+            <a:endParaRPr lang="zh-TW" altLang="en-US" sz="3200" dirty="0"/>
+          </a:p>
+        </p:txBody>
+      </p:sp>
+      <p:sp>
+        <p:nvSpPr>
+          <p:cNvPr id="14" name="文字方塊 13">
+            <a:extLst>
+              <a:ext uri="{FF2B5EF4-FFF2-40B4-BE49-F238E27FC236}">
+                <a16:creationId xmlns:a16="http://schemas.microsoft.com/office/drawing/2014/main" id="{E4E592F9-FC71-4DD1-9118-16844995CC7F}"/>
+              </a:ext>
+            </a:extLst>
+          </p:cNvPr>
+          <p:cNvSpPr txBox="1"/>
+          <p:nvPr/>
+        </p:nvSpPr>
+        <p:spPr>
+          <a:xfrm>
+            <a:off x="2022446" y="1472202"/>
+            <a:ext cx="5373306" cy="923330"/>
+          </a:xfrm>
+          <a:prstGeom prst="rect">
+            <a:avLst/>
+          </a:prstGeom>
+          <a:noFill/>
+        </p:spPr>
+        <p:txBody>
+          <a:bodyPr wrap="square">
+            <a:spAutoFit/>
+          </a:bodyPr>
+          <a:lstStyle/>
+          <a:p>
+            <a:r>
+              <a:rPr lang="en-US" altLang="zh-TW" sz="1800" kern="1200" baseline="0" dirty="0" err="1">
+                <a:solidFill>
+                  <a:srgbClr val="000000"/>
+                </a:solidFill>
+                <a:effectLst/>
+                <a:latin typeface="Times New Roman" panose="02020603050405020304" pitchFamily="18" charset="0"/>
+                <a:ea typeface="標楷體" panose="03000509000000000000" pitchFamily="65" charset="-120"/>
+                <a:cs typeface="+mj-cs"/>
+              </a:rPr>
+              <a:t>VGA_pong</a:t>
+            </a:r>
+            <a:endParaRPr lang="zh-TW" altLang="en-US" dirty="0">
+              <a:latin typeface="標楷體" panose="03000509000000000000" pitchFamily="65" charset="-120"/>
+              <a:ea typeface="標楷體" panose="03000509000000000000" pitchFamily="65" charset="-120"/>
+            </a:endParaRPr>
+          </a:p>
+          <a:p>
+            <a:pPr marL="285750" indent="-285750">
+              <a:buFont typeface="Arial" panose="020B0604020202020204" pitchFamily="34" charset="0"/>
+              <a:buChar char="•"/>
+            </a:pPr>
+            <a:r>
+              <a:rPr lang="zh-TW" altLang="en-US" dirty="0">
+                <a:latin typeface="Times New Roman" panose="02020603050405020304" pitchFamily="18" charset="0"/>
+                <a:ea typeface="標楷體" panose="03000509000000000000" pitchFamily="65" charset="-120"/>
+              </a:rPr>
+              <a:t>學號</a:t>
+            </a:r>
+            <a:endParaRPr lang="en-US" altLang="zh-TW" dirty="0">
+              <a:latin typeface="Times New Roman" panose="02020603050405020304" pitchFamily="18" charset="0"/>
+              <a:ea typeface="標楷體" panose="03000509000000000000" pitchFamily="65" charset="-120"/>
+            </a:endParaRPr>
+          </a:p>
+          <a:p>
+            <a:pPr marL="285750" indent="-285750">
+              <a:buFont typeface="Arial" panose="020B0604020202020204" pitchFamily="34" charset="0"/>
+              <a:buChar char="•"/>
+            </a:pPr>
+            <a:r>
+              <a:rPr lang="zh-TW" altLang="en-US" dirty="0">
+                <a:latin typeface="標楷體" panose="03000509000000000000" pitchFamily="65" charset="-120"/>
+                <a:ea typeface="標楷體" panose="03000509000000000000" pitchFamily="65" charset="-120"/>
+              </a:rPr>
+              <a:t>修補</a:t>
+            </a:r>
+            <a:r>
+              <a:rPr lang="en-US" altLang="zh-TW" dirty="0">
+                <a:latin typeface="Times New Roman" panose="02020603050405020304" pitchFamily="18" charset="0"/>
+                <a:ea typeface="標楷體" panose="03000509000000000000" pitchFamily="65" charset="-120"/>
+              </a:rPr>
+              <a:t>FSM</a:t>
+            </a:r>
+          </a:p>
+        </p:txBody>
+      </p:sp>
+      <p:sp>
+        <p:nvSpPr>
+          <p:cNvPr id="4" name="文字方塊 3">
+            <a:extLst>
+              <a:ext uri="{FF2B5EF4-FFF2-40B4-BE49-F238E27FC236}">
+                <a16:creationId xmlns:a16="http://schemas.microsoft.com/office/drawing/2014/main" id="{CA337AD0-263C-415E-B4F1-4E075D291556}"/>
+              </a:ext>
+            </a:extLst>
+          </p:cNvPr>
+          <p:cNvSpPr txBox="1"/>
+          <p:nvPr/>
+        </p:nvSpPr>
+        <p:spPr>
+          <a:xfrm>
+            <a:off x="5171629" y="5352421"/>
+            <a:ext cx="1848742" cy="369332"/>
+          </a:xfrm>
+          <a:prstGeom prst="rect">
+            <a:avLst/>
+          </a:prstGeom>
+          <a:noFill/>
+        </p:spPr>
+        <p:txBody>
+          <a:bodyPr wrap="square">
+            <a:spAutoFit/>
+          </a:bodyPr>
+          <a:lstStyle/>
+          <a:p>
+            <a:r>
+              <a:rPr lang="zh-TW" altLang="en-US" dirty="0">
+                <a:latin typeface="標楷體" panose="03000509000000000000" pitchFamily="65" charset="-120"/>
+                <a:ea typeface="標楷體" panose="03000509000000000000" pitchFamily="65" charset="-120"/>
+              </a:rPr>
+              <a:t>漏接</a:t>
+            </a:r>
+            <a:r>
+              <a:rPr lang="en-US" altLang="zh-TW" dirty="0">
+                <a:latin typeface="標楷體" panose="03000509000000000000" pitchFamily="65" charset="-120"/>
+                <a:ea typeface="標楷體" panose="03000509000000000000" pitchFamily="65" charset="-120"/>
+              </a:rPr>
+              <a:t>&amp;</a:t>
+            </a:r>
+            <a:r>
+              <a:rPr lang="zh-TW" altLang="en-US" dirty="0">
+                <a:latin typeface="標楷體" panose="03000509000000000000" pitchFamily="65" charset="-120"/>
+                <a:ea typeface="標楷體" panose="03000509000000000000" pitchFamily="65" charset="-120"/>
+              </a:rPr>
+              <a:t>發球置右</a:t>
+            </a:r>
+          </a:p>
+        </p:txBody>
+      </p:sp>
+    </p:spTree>
+    <p:extLst>
+      <p:ext uri="{BB962C8B-B14F-4D97-AF65-F5344CB8AC3E}">
+        <p14:creationId xmlns:p14="http://schemas.microsoft.com/office/powerpoint/2010/main" val="2304594691"/>
+      </p:ext>
+    </p:extLst>
+  </p:cSld>
+  <p:clrMapOvr>
+    <a:masterClrMapping/>
+  </p:clrMapOvr>
+</p:sld>
+</file>
+
+<file path=ppt/slides/slide28.xml><?xml version="1.0" encoding="utf-8"?>
+<p:sld xmlns:a="http://schemas.openxmlformats.org/drawingml/2006/main" xmlns:r="http://schemas.openxmlformats.org/officeDocument/2006/relationships" xmlns:p="http://schemas.openxmlformats.org/presentationml/2006/main">
+  <p:cSld>
+    <p:spTree>
+      <p:nvGrpSpPr>
+        <p:cNvPr id="1" name=""/>
+        <p:cNvGrpSpPr/>
+        <p:nvPr/>
+      </p:nvGrpSpPr>
+      <p:grpSpPr>
+        <a:xfrm>
+          <a:off x="0" y="0"/>
+          <a:ext cx="0" cy="0"/>
+          <a:chOff x="0" y="0"/>
+          <a:chExt cx="0" cy="0"/>
+        </a:xfrm>
+      </p:grpSpPr>
+      <p:sp>
+        <p:nvSpPr>
           <p:cNvPr id="2" name="內容版面配置區 1"/>
           <p:cNvSpPr>
             <a:spLocks noGrp="1"/>
@@ -11786,7 +12325,7 @@
 </p:sld>
 </file>
 
-<file path=ppt/slides/slide26.xml><?xml version="1.0" encoding="utf-8"?>
+<file path=ppt/slides/slide29.xml><?xml version="1.0" encoding="utf-8"?>
 <p:sld xmlns:a="http://schemas.openxmlformats.org/drawingml/2006/main" xmlns:r="http://schemas.openxmlformats.org/officeDocument/2006/relationships" xmlns:p="http://schemas.openxmlformats.org/presentationml/2006/main">
   <p:cSld>
     <p:spTree>
@@ -12105,1126 +12644,6 @@
 </p:sld>
 </file>
 
-<file path=ppt/slides/slide27.xml><?xml version="1.0" encoding="utf-8"?>
-<p:sld xmlns:a="http://schemas.openxmlformats.org/drawingml/2006/main" xmlns:r="http://schemas.openxmlformats.org/officeDocument/2006/relationships" xmlns:p="http://schemas.openxmlformats.org/presentationml/2006/main">
-  <p:cSld>
-    <p:spTree>
-      <p:nvGrpSpPr>
-        <p:cNvPr id="1" name=""/>
-        <p:cNvGrpSpPr/>
-        <p:nvPr/>
-      </p:nvGrpSpPr>
-      <p:grpSpPr>
-        <a:xfrm>
-          <a:off x="0" y="0"/>
-          <a:ext cx="0" cy="0"/>
-          <a:chOff x="0" y="0"/>
-          <a:chExt cx="0" cy="0"/>
-        </a:xfrm>
-      </p:grpSpPr>
-      <p:sp>
-        <p:nvSpPr>
-          <p:cNvPr id="3" name="標題 2"/>
-          <p:cNvSpPr>
-            <a:spLocks noGrp="1"/>
-          </p:cNvSpPr>
-          <p:nvPr>
-            <p:ph type="title"/>
-          </p:nvPr>
-        </p:nvSpPr>
-        <p:spPr>
-          <a:xfrm>
-            <a:off x="838200" y="365125"/>
-            <a:ext cx="10515600" cy="720000"/>
-          </a:xfrm>
-        </p:spPr>
-        <p:txBody>
-          <a:bodyPr>
-            <a:noAutofit/>
-          </a:bodyPr>
-          <a:lstStyle/>
-          <a:p>
-            <a:r>
-              <a:rPr lang="zh-TW" altLang="en-US" sz="3200" dirty="0"/>
-              <a:t>成果展示 </a:t>
-            </a:r>
-            <a:r>
-              <a:rPr lang="en-US" altLang="zh-TW" sz="3200" dirty="0"/>
-              <a:t>–</a:t>
-            </a:r>
-            <a:r>
-              <a:rPr lang="en-US" altLang="zh-TW" sz="3200" dirty="0">
-                <a:ea typeface="Tahoma" panose="020B0604030504040204" pitchFamily="34" charset="0"/>
-              </a:rPr>
-              <a:t>Bram</a:t>
-            </a:r>
-            <a:r>
-              <a:rPr lang="zh-TW" altLang="en-US" sz="3200" dirty="0">
-                <a:latin typeface="標楷體" panose="03000509000000000000" pitchFamily="65" charset="-120"/>
-              </a:rPr>
-              <a:t>波形模擬</a:t>
-            </a:r>
-            <a:r>
-              <a:rPr lang="en-US" altLang="zh-TW" sz="3200" dirty="0"/>
-              <a:t>(2023/5/3)</a:t>
-            </a:r>
-            <a:endParaRPr lang="zh-TW" altLang="en-US" sz="3200" dirty="0"/>
-          </a:p>
-        </p:txBody>
-      </p:sp>
-      <p:sp>
-        <p:nvSpPr>
-          <p:cNvPr id="14" name="文字方塊 13">
-            <a:extLst>
-              <a:ext uri="{FF2B5EF4-FFF2-40B4-BE49-F238E27FC236}">
-                <a16:creationId xmlns:a16="http://schemas.microsoft.com/office/drawing/2014/main" id="{E4E592F9-FC71-4DD1-9118-16844995CC7F}"/>
-              </a:ext>
-            </a:extLst>
-          </p:cNvPr>
-          <p:cNvSpPr txBox="1"/>
-          <p:nvPr/>
-        </p:nvSpPr>
-        <p:spPr>
-          <a:xfrm>
-            <a:off x="2013569" y="1209560"/>
-            <a:ext cx="5373306" cy="923330"/>
-          </a:xfrm>
-          <a:prstGeom prst="rect">
-            <a:avLst/>
-          </a:prstGeom>
-          <a:noFill/>
-        </p:spPr>
-        <p:txBody>
-          <a:bodyPr wrap="square">
-            <a:spAutoFit/>
-          </a:bodyPr>
-          <a:lstStyle/>
-          <a:p>
-            <a:pPr marL="285750" indent="-285750">
-              <a:buFont typeface="Arial" panose="020B0604020202020204" pitchFamily="34" charset="0"/>
-              <a:buChar char="•"/>
-            </a:pPr>
-            <a:r>
-              <a:rPr lang="zh-TW" altLang="en-US" dirty="0">
-                <a:latin typeface="標楷體" panose="03000509000000000000" pitchFamily="65" charset="-120"/>
-                <a:ea typeface="標楷體" panose="03000509000000000000" pitchFamily="65" charset="-120"/>
-              </a:rPr>
-              <a:t>對</a:t>
-            </a:r>
-            <a:r>
-              <a:rPr lang="en-US" altLang="zh-TW" dirty="0">
-                <a:latin typeface="標楷體" panose="03000509000000000000" pitchFamily="65" charset="-120"/>
-                <a:ea typeface="標楷體" panose="03000509000000000000" pitchFamily="65" charset="-120"/>
-              </a:rPr>
-              <a:t>(.COE)</a:t>
-            </a:r>
-            <a:r>
-              <a:rPr lang="zh-TW" altLang="en-US" dirty="0">
-                <a:latin typeface="標楷體" panose="03000509000000000000" pitchFamily="65" charset="-120"/>
-                <a:ea typeface="標楷體" panose="03000509000000000000" pitchFamily="65" charset="-120"/>
-              </a:rPr>
-              <a:t>波行模擬</a:t>
-            </a:r>
-            <a:r>
-              <a:rPr lang="en-US" altLang="zh-TW" dirty="0">
-                <a:latin typeface="標楷體" panose="03000509000000000000" pitchFamily="65" charset="-120"/>
-                <a:ea typeface="標楷體" panose="03000509000000000000" pitchFamily="65" charset="-120"/>
-              </a:rPr>
-              <a:t>:</a:t>
-            </a:r>
-          </a:p>
-          <a:p>
-            <a:pPr marL="742950" lvl="1" indent="-285750">
-              <a:buFont typeface="Arial" panose="020B0604020202020204" pitchFamily="34" charset="0"/>
-              <a:buChar char="•"/>
-            </a:pPr>
-            <a:r>
-              <a:rPr lang="zh-TW" altLang="en-US" dirty="0">
-                <a:latin typeface="標楷體" panose="03000509000000000000" pitchFamily="65" charset="-120"/>
-                <a:ea typeface="標楷體" panose="03000509000000000000" pitchFamily="65" charset="-120"/>
-              </a:rPr>
-              <a:t>學號</a:t>
-            </a:r>
-            <a:r>
-              <a:rPr lang="en-US" altLang="zh-TW" dirty="0">
-                <a:latin typeface="標楷體" panose="03000509000000000000" pitchFamily="65" charset="-120"/>
-                <a:ea typeface="標楷體" panose="03000509000000000000" pitchFamily="65" charset="-120"/>
-              </a:rPr>
-              <a:t>: 140x38 (8bits)</a:t>
-            </a:r>
-          </a:p>
-          <a:p>
-            <a:pPr marL="742950" lvl="1" indent="-285750">
-              <a:buFont typeface="Arial" panose="020B0604020202020204" pitchFamily="34" charset="0"/>
-              <a:buChar char="•"/>
-            </a:pPr>
-            <a:r>
-              <a:rPr lang="zh-TW" altLang="en-US" dirty="0">
-                <a:latin typeface="標楷體" panose="03000509000000000000" pitchFamily="65" charset="-120"/>
-                <a:ea typeface="標楷體" panose="03000509000000000000" pitchFamily="65" charset="-120"/>
-              </a:rPr>
-              <a:t>起點</a:t>
-            </a:r>
-            <a:r>
-              <a:rPr lang="en-US" altLang="zh-TW" dirty="0">
-                <a:latin typeface="標楷體" panose="03000509000000000000" pitchFamily="65" charset="-120"/>
-                <a:ea typeface="標楷體" panose="03000509000000000000" pitchFamily="65" charset="-120"/>
-              </a:rPr>
-              <a:t>: (320,240)</a:t>
-            </a:r>
-            <a:endParaRPr lang="zh-TW" altLang="en-US" dirty="0">
-              <a:latin typeface="標楷體" panose="03000509000000000000" pitchFamily="65" charset="-120"/>
-              <a:ea typeface="標楷體" panose="03000509000000000000" pitchFamily="65" charset="-120"/>
-            </a:endParaRPr>
-          </a:p>
-        </p:txBody>
-      </p:sp>
-      <p:pic>
-        <p:nvPicPr>
-          <p:cNvPr id="6" name="圖片 5">
-            <a:extLst>
-              <a:ext uri="{FF2B5EF4-FFF2-40B4-BE49-F238E27FC236}">
-                <a16:creationId xmlns:a16="http://schemas.microsoft.com/office/drawing/2014/main" id="{3F56A6F8-5184-4B80-9B96-E7107299BBA3}"/>
-              </a:ext>
-            </a:extLst>
-          </p:cNvPr>
-          <p:cNvPicPr>
-            <a:picLocks noChangeAspect="1"/>
-          </p:cNvPicPr>
-          <p:nvPr/>
-        </p:nvPicPr>
-        <p:blipFill>
-          <a:blip r:embed="rId3"/>
-          <a:stretch>
-            <a:fillRect/>
-          </a:stretch>
-        </p:blipFill>
-        <p:spPr>
-          <a:xfrm>
-            <a:off x="199722" y="2196140"/>
-            <a:ext cx="11792556" cy="3708591"/>
-          </a:xfrm>
-          <a:prstGeom prst="rect">
-            <a:avLst/>
-          </a:prstGeom>
-        </p:spPr>
-      </p:pic>
-      <p:sp>
-        <p:nvSpPr>
-          <p:cNvPr id="8" name="文字方塊 7">
-            <a:extLst>
-              <a:ext uri="{FF2B5EF4-FFF2-40B4-BE49-F238E27FC236}">
-                <a16:creationId xmlns:a16="http://schemas.microsoft.com/office/drawing/2014/main" id="{86B8A071-0D2B-4145-B391-8D88BAA75209}"/>
-              </a:ext>
-            </a:extLst>
-          </p:cNvPr>
-          <p:cNvSpPr txBox="1"/>
-          <p:nvPr/>
-        </p:nvSpPr>
-        <p:spPr>
-          <a:xfrm>
-            <a:off x="5506298" y="5875648"/>
-            <a:ext cx="1498184" cy="369332"/>
-          </a:xfrm>
-          <a:prstGeom prst="rect">
-            <a:avLst/>
-          </a:prstGeom>
-          <a:noFill/>
-        </p:spPr>
-        <p:txBody>
-          <a:bodyPr wrap="square">
-            <a:spAutoFit/>
-          </a:bodyPr>
-          <a:lstStyle/>
-          <a:p>
-            <a:r>
-              <a:rPr lang="zh-TW" altLang="en-US" dirty="0">
-                <a:latin typeface="標楷體" panose="03000509000000000000" pitchFamily="65" charset="-120"/>
-                <a:ea typeface="標楷體" panose="03000509000000000000" pitchFamily="65" charset="-120"/>
-              </a:rPr>
-              <a:t>圖</a:t>
-            </a:r>
-            <a:r>
-              <a:rPr lang="en-US" altLang="zh-TW" dirty="0">
-                <a:latin typeface="標楷體" panose="03000509000000000000" pitchFamily="65" charset="-120"/>
-                <a:ea typeface="標楷體" panose="03000509000000000000" pitchFamily="65" charset="-120"/>
-              </a:rPr>
-              <a:t>1.</a:t>
-            </a:r>
-            <a:r>
-              <a:rPr lang="zh-TW" altLang="en-US" dirty="0">
-                <a:latin typeface="標楷體" panose="03000509000000000000" pitchFamily="65" charset="-120"/>
-                <a:ea typeface="標楷體" panose="03000509000000000000" pitchFamily="65" charset="-120"/>
-              </a:rPr>
-              <a:t>全圖案</a:t>
-            </a:r>
-          </a:p>
-        </p:txBody>
-      </p:sp>
-    </p:spTree>
-    <p:extLst>
-      <p:ext uri="{BB962C8B-B14F-4D97-AF65-F5344CB8AC3E}">
-        <p14:creationId xmlns:p14="http://schemas.microsoft.com/office/powerpoint/2010/main" val="1277383348"/>
-      </p:ext>
-    </p:extLst>
-  </p:cSld>
-  <p:clrMapOvr>
-    <a:masterClrMapping/>
-  </p:clrMapOvr>
-</p:sld>
-</file>
-
-<file path=ppt/slides/slide28.xml><?xml version="1.0" encoding="utf-8"?>
-<p:sld xmlns:a="http://schemas.openxmlformats.org/drawingml/2006/main" xmlns:r="http://schemas.openxmlformats.org/officeDocument/2006/relationships" xmlns:p="http://schemas.openxmlformats.org/presentationml/2006/main">
-  <p:cSld>
-    <p:spTree>
-      <p:nvGrpSpPr>
-        <p:cNvPr id="1" name=""/>
-        <p:cNvGrpSpPr/>
-        <p:nvPr/>
-      </p:nvGrpSpPr>
-      <p:grpSpPr>
-        <a:xfrm>
-          <a:off x="0" y="0"/>
-          <a:ext cx="0" cy="0"/>
-          <a:chOff x="0" y="0"/>
-          <a:chExt cx="0" cy="0"/>
-        </a:xfrm>
-      </p:grpSpPr>
-      <p:sp>
-        <p:nvSpPr>
-          <p:cNvPr id="3" name="標題 2"/>
-          <p:cNvSpPr>
-            <a:spLocks noGrp="1"/>
-          </p:cNvSpPr>
-          <p:nvPr>
-            <p:ph type="title"/>
-          </p:nvPr>
-        </p:nvSpPr>
-        <p:spPr>
-          <a:xfrm>
-            <a:off x="838200" y="365125"/>
-            <a:ext cx="10515600" cy="720000"/>
-          </a:xfrm>
-        </p:spPr>
-        <p:txBody>
-          <a:bodyPr>
-            <a:noAutofit/>
-          </a:bodyPr>
-          <a:lstStyle/>
-          <a:p>
-            <a:r>
-              <a:rPr lang="zh-TW" altLang="en-US" sz="3200" dirty="0"/>
-              <a:t>成果展示 </a:t>
-            </a:r>
-            <a:r>
-              <a:rPr lang="en-US" altLang="zh-TW" sz="3200" dirty="0"/>
-              <a:t>–</a:t>
-            </a:r>
-            <a:r>
-              <a:rPr lang="en-US" altLang="zh-TW" sz="3200" dirty="0">
-                <a:ea typeface="Tahoma" panose="020B0604030504040204" pitchFamily="34" charset="0"/>
-              </a:rPr>
-              <a:t>Bram</a:t>
-            </a:r>
-            <a:r>
-              <a:rPr lang="zh-TW" altLang="en-US" sz="3200" dirty="0">
-                <a:latin typeface="標楷體" panose="03000509000000000000" pitchFamily="65" charset="-120"/>
-              </a:rPr>
-              <a:t>波形模擬</a:t>
-            </a:r>
-            <a:r>
-              <a:rPr lang="en-US" altLang="zh-TW" sz="3200" dirty="0"/>
-              <a:t>(2023/5/3)</a:t>
-            </a:r>
-            <a:endParaRPr lang="zh-TW" altLang="en-US" sz="3200" dirty="0"/>
-          </a:p>
-        </p:txBody>
-      </p:sp>
-      <p:sp>
-        <p:nvSpPr>
-          <p:cNvPr id="14" name="文字方塊 13">
-            <a:extLst>
-              <a:ext uri="{FF2B5EF4-FFF2-40B4-BE49-F238E27FC236}">
-                <a16:creationId xmlns:a16="http://schemas.microsoft.com/office/drawing/2014/main" id="{E4E592F9-FC71-4DD1-9118-16844995CC7F}"/>
-              </a:ext>
-            </a:extLst>
-          </p:cNvPr>
-          <p:cNvSpPr txBox="1"/>
-          <p:nvPr/>
-        </p:nvSpPr>
-        <p:spPr>
-          <a:xfrm>
-            <a:off x="2022446" y="1472203"/>
-            <a:ext cx="5373306" cy="646331"/>
-          </a:xfrm>
-          <a:prstGeom prst="rect">
-            <a:avLst/>
-          </a:prstGeom>
-          <a:noFill/>
-        </p:spPr>
-        <p:txBody>
-          <a:bodyPr wrap="square">
-            <a:spAutoFit/>
-          </a:bodyPr>
-          <a:lstStyle/>
-          <a:p>
-            <a:pPr marL="285750" indent="-285750">
-              <a:buFont typeface="Arial" panose="020B0604020202020204" pitchFamily="34" charset="0"/>
-              <a:buChar char="•"/>
-            </a:pPr>
-            <a:r>
-              <a:rPr lang="zh-TW" altLang="en-US" dirty="0">
-                <a:latin typeface="標楷體" panose="03000509000000000000" pitchFamily="65" charset="-120"/>
-                <a:ea typeface="標楷體" panose="03000509000000000000" pitchFamily="65" charset="-120"/>
-              </a:rPr>
-              <a:t>對</a:t>
-            </a:r>
-            <a:r>
-              <a:rPr lang="en-US" altLang="zh-TW" dirty="0">
-                <a:latin typeface="標楷體" panose="03000509000000000000" pitchFamily="65" charset="-120"/>
-                <a:ea typeface="標楷體" panose="03000509000000000000" pitchFamily="65" charset="-120"/>
-              </a:rPr>
-              <a:t>(.COE)</a:t>
-            </a:r>
-            <a:r>
-              <a:rPr lang="zh-TW" altLang="en-US" dirty="0">
-                <a:latin typeface="標楷體" panose="03000509000000000000" pitchFamily="65" charset="-120"/>
-                <a:ea typeface="標楷體" panose="03000509000000000000" pitchFamily="65" charset="-120"/>
-              </a:rPr>
-              <a:t>波行模擬</a:t>
-            </a:r>
-            <a:r>
-              <a:rPr lang="en-US" altLang="zh-TW" dirty="0">
-                <a:latin typeface="標楷體" panose="03000509000000000000" pitchFamily="65" charset="-120"/>
-                <a:ea typeface="標楷體" panose="03000509000000000000" pitchFamily="65" charset="-120"/>
-              </a:rPr>
-              <a:t>:</a:t>
-            </a:r>
-          </a:p>
-          <a:p>
-            <a:pPr marL="742950" lvl="1" indent="-285750">
-              <a:buFont typeface="Arial" panose="020B0604020202020204" pitchFamily="34" charset="0"/>
-              <a:buChar char="•"/>
-            </a:pPr>
-            <a:r>
-              <a:rPr lang="zh-TW" altLang="en-US" dirty="0">
-                <a:latin typeface="標楷體" panose="03000509000000000000" pitchFamily="65" charset="-120"/>
-                <a:ea typeface="標楷體" panose="03000509000000000000" pitchFamily="65" charset="-120"/>
-              </a:rPr>
-              <a:t>學號</a:t>
-            </a:r>
-            <a:r>
-              <a:rPr lang="en-US" altLang="zh-TW" dirty="0">
-                <a:latin typeface="標楷體" panose="03000509000000000000" pitchFamily="65" charset="-120"/>
-                <a:ea typeface="標楷體" panose="03000509000000000000" pitchFamily="65" charset="-120"/>
-              </a:rPr>
-              <a:t>: 140x38 (8bits)</a:t>
-            </a:r>
-            <a:endParaRPr lang="zh-TW" altLang="en-US" dirty="0">
-              <a:latin typeface="標楷體" panose="03000509000000000000" pitchFamily="65" charset="-120"/>
-              <a:ea typeface="標楷體" panose="03000509000000000000" pitchFamily="65" charset="-120"/>
-            </a:endParaRPr>
-          </a:p>
-        </p:txBody>
-      </p:sp>
-      <p:sp>
-        <p:nvSpPr>
-          <p:cNvPr id="9" name="文字方塊 8">
-            <a:extLst>
-              <a:ext uri="{FF2B5EF4-FFF2-40B4-BE49-F238E27FC236}">
-                <a16:creationId xmlns:a16="http://schemas.microsoft.com/office/drawing/2014/main" id="{AB0443AB-E98B-4544-8557-39F693CAE272}"/>
-              </a:ext>
-            </a:extLst>
-          </p:cNvPr>
-          <p:cNvSpPr txBox="1"/>
-          <p:nvPr/>
-        </p:nvSpPr>
-        <p:spPr>
-          <a:xfrm>
-            <a:off x="8443087" y="5550759"/>
-            <a:ext cx="1675737" cy="369332"/>
-          </a:xfrm>
-          <a:prstGeom prst="rect">
-            <a:avLst/>
-          </a:prstGeom>
-          <a:noFill/>
-        </p:spPr>
-        <p:txBody>
-          <a:bodyPr wrap="square">
-            <a:spAutoFit/>
-          </a:bodyPr>
-          <a:lstStyle/>
-          <a:p>
-            <a:r>
-              <a:rPr lang="zh-TW" altLang="en-US" dirty="0">
-                <a:latin typeface="標楷體" panose="03000509000000000000" pitchFamily="65" charset="-120"/>
-                <a:ea typeface="標楷體" panose="03000509000000000000" pitchFamily="65" charset="-120"/>
-              </a:rPr>
-              <a:t>圖</a:t>
-            </a:r>
-            <a:r>
-              <a:rPr lang="en-US" altLang="zh-TW" dirty="0">
-                <a:latin typeface="標楷體" panose="03000509000000000000" pitchFamily="65" charset="-120"/>
-                <a:ea typeface="標楷體" panose="03000509000000000000" pitchFamily="65" charset="-120"/>
-              </a:rPr>
-              <a:t>3.</a:t>
-            </a:r>
-            <a:r>
-              <a:rPr lang="zh-TW" altLang="en-US" dirty="0">
-                <a:latin typeface="標楷體" panose="03000509000000000000" pitchFamily="65" charset="-120"/>
-                <a:ea typeface="標楷體" panose="03000509000000000000" pitchFamily="65" charset="-120"/>
-              </a:rPr>
-              <a:t>終點</a:t>
-            </a:r>
-          </a:p>
-        </p:txBody>
-      </p:sp>
-      <p:sp>
-        <p:nvSpPr>
-          <p:cNvPr id="10" name="文字方塊 9">
-            <a:extLst>
-              <a:ext uri="{FF2B5EF4-FFF2-40B4-BE49-F238E27FC236}">
-                <a16:creationId xmlns:a16="http://schemas.microsoft.com/office/drawing/2014/main" id="{E24CD2C8-46A2-450C-9CA0-485274647932}"/>
-              </a:ext>
-            </a:extLst>
-          </p:cNvPr>
-          <p:cNvSpPr txBox="1"/>
-          <p:nvPr/>
-        </p:nvSpPr>
-        <p:spPr>
-          <a:xfrm>
-            <a:off x="2605583" y="5466765"/>
-            <a:ext cx="1996168" cy="369332"/>
-          </a:xfrm>
-          <a:prstGeom prst="rect">
-            <a:avLst/>
-          </a:prstGeom>
-          <a:noFill/>
-        </p:spPr>
-        <p:txBody>
-          <a:bodyPr wrap="square">
-            <a:spAutoFit/>
-          </a:bodyPr>
-          <a:lstStyle/>
-          <a:p>
-            <a:r>
-              <a:rPr lang="zh-TW" altLang="en-US" dirty="0">
-                <a:latin typeface="標楷體" panose="03000509000000000000" pitchFamily="65" charset="-120"/>
-                <a:ea typeface="標楷體" panose="03000509000000000000" pitchFamily="65" charset="-120"/>
-              </a:rPr>
-              <a:t>圖</a:t>
-            </a:r>
-            <a:r>
-              <a:rPr lang="en-US" altLang="zh-TW" dirty="0">
-                <a:latin typeface="標楷體" panose="03000509000000000000" pitchFamily="65" charset="-120"/>
-                <a:ea typeface="標楷體" panose="03000509000000000000" pitchFamily="65" charset="-120"/>
-              </a:rPr>
-              <a:t>2.</a:t>
-            </a:r>
-            <a:r>
-              <a:rPr lang="zh-TW" altLang="en-US" dirty="0">
-                <a:latin typeface="標楷體" panose="03000509000000000000" pitchFamily="65" charset="-120"/>
-                <a:ea typeface="標楷體" panose="03000509000000000000" pitchFamily="65" charset="-120"/>
-              </a:rPr>
-              <a:t>前</a:t>
-            </a:r>
-            <a:r>
-              <a:rPr lang="en-US" altLang="zh-TW" dirty="0">
-                <a:latin typeface="標楷體" panose="03000509000000000000" pitchFamily="65" charset="-120"/>
-                <a:ea typeface="標楷體" panose="03000509000000000000" pitchFamily="65" charset="-120"/>
-              </a:rPr>
-              <a:t>14</a:t>
-            </a:r>
-            <a:r>
-              <a:rPr lang="zh-TW" altLang="en-US" dirty="0">
-                <a:latin typeface="標楷體" panose="03000509000000000000" pitchFamily="65" charset="-120"/>
-                <a:ea typeface="標楷體" panose="03000509000000000000" pitchFamily="65" charset="-120"/>
-              </a:rPr>
-              <a:t>行</a:t>
-            </a:r>
-          </a:p>
-        </p:txBody>
-      </p:sp>
-      <p:pic>
-        <p:nvPicPr>
-          <p:cNvPr id="5" name="圖片 4">
-            <a:extLst>
-              <a:ext uri="{FF2B5EF4-FFF2-40B4-BE49-F238E27FC236}">
-                <a16:creationId xmlns:a16="http://schemas.microsoft.com/office/drawing/2014/main" id="{0C436353-ABCC-4843-B672-03A090CC4A63}"/>
-              </a:ext>
-            </a:extLst>
-          </p:cNvPr>
-          <p:cNvPicPr>
-            <a:picLocks noChangeAspect="1"/>
-          </p:cNvPicPr>
-          <p:nvPr/>
-        </p:nvPicPr>
-        <p:blipFill>
-          <a:blip r:embed="rId3"/>
-          <a:stretch>
-            <a:fillRect/>
-          </a:stretch>
-        </p:blipFill>
-        <p:spPr>
-          <a:xfrm>
-            <a:off x="487860" y="2783140"/>
-            <a:ext cx="5319177" cy="2484123"/>
-          </a:xfrm>
-          <a:prstGeom prst="rect">
-            <a:avLst/>
-          </a:prstGeom>
-        </p:spPr>
-      </p:pic>
-      <p:pic>
-        <p:nvPicPr>
-          <p:cNvPr id="7" name="圖片 6">
-            <a:extLst>
-              <a:ext uri="{FF2B5EF4-FFF2-40B4-BE49-F238E27FC236}">
-                <a16:creationId xmlns:a16="http://schemas.microsoft.com/office/drawing/2014/main" id="{3277CEC6-91D4-4A87-9C3E-D381D2DE4B8D}"/>
-              </a:ext>
-            </a:extLst>
-          </p:cNvPr>
-          <p:cNvPicPr>
-            <a:picLocks noChangeAspect="1"/>
-          </p:cNvPicPr>
-          <p:nvPr/>
-        </p:nvPicPr>
-        <p:blipFill>
-          <a:blip r:embed="rId4"/>
-          <a:stretch>
-            <a:fillRect/>
-          </a:stretch>
-        </p:blipFill>
-        <p:spPr>
-          <a:xfrm>
-            <a:off x="5997771" y="2783140"/>
-            <a:ext cx="5784459" cy="2464408"/>
-          </a:xfrm>
-          <a:prstGeom prst="rect">
-            <a:avLst/>
-          </a:prstGeom>
-        </p:spPr>
-      </p:pic>
-    </p:spTree>
-    <p:extLst>
-      <p:ext uri="{BB962C8B-B14F-4D97-AF65-F5344CB8AC3E}">
-        <p14:creationId xmlns:p14="http://schemas.microsoft.com/office/powerpoint/2010/main" val="3393776245"/>
-      </p:ext>
-    </p:extLst>
-  </p:cSld>
-  <p:clrMapOvr>
-    <a:masterClrMapping/>
-  </p:clrMapOvr>
-</p:sld>
-</file>
-
-<file path=ppt/slides/slide29.xml><?xml version="1.0" encoding="utf-8"?>
-<p:sld xmlns:a="http://schemas.openxmlformats.org/drawingml/2006/main" xmlns:r="http://schemas.openxmlformats.org/officeDocument/2006/relationships" xmlns:p="http://schemas.openxmlformats.org/presentationml/2006/main">
-  <p:cSld>
-    <p:spTree>
-      <p:nvGrpSpPr>
-        <p:cNvPr id="1" name=""/>
-        <p:cNvGrpSpPr/>
-        <p:nvPr/>
-      </p:nvGrpSpPr>
-      <p:grpSpPr>
-        <a:xfrm>
-          <a:off x="0" y="0"/>
-          <a:ext cx="0" cy="0"/>
-          <a:chOff x="0" y="0"/>
-          <a:chExt cx="0" cy="0"/>
-        </a:xfrm>
-      </p:grpSpPr>
-      <p:sp>
-        <p:nvSpPr>
-          <p:cNvPr id="3" name="標題 2"/>
-          <p:cNvSpPr>
-            <a:spLocks noGrp="1"/>
-          </p:cNvSpPr>
-          <p:nvPr>
-            <p:ph type="title"/>
-          </p:nvPr>
-        </p:nvSpPr>
-        <p:spPr>
-          <a:xfrm>
-            <a:off x="838200" y="365125"/>
-            <a:ext cx="10515600" cy="720000"/>
-          </a:xfrm>
-        </p:spPr>
-        <p:txBody>
-          <a:bodyPr>
-            <a:noAutofit/>
-          </a:bodyPr>
-          <a:lstStyle/>
-          <a:p>
-            <a:r>
-              <a:rPr lang="zh-TW" altLang="en-US" sz="3200" dirty="0"/>
-              <a:t>成果展示 </a:t>
-            </a:r>
-            <a:r>
-              <a:rPr lang="en-US" altLang="zh-TW" sz="3200" dirty="0"/>
-              <a:t>–</a:t>
-            </a:r>
-            <a:r>
-              <a:rPr lang="en-US" altLang="zh-TW" sz="3200" dirty="0" err="1">
-                <a:ea typeface="Tahoma" panose="020B0604030504040204" pitchFamily="34" charset="0"/>
-              </a:rPr>
-              <a:t>Bram_VGA</a:t>
-            </a:r>
-            <a:r>
-              <a:rPr lang="zh-TW" altLang="en-US" sz="3200" dirty="0">
-                <a:latin typeface="標楷體" panose="03000509000000000000" pitchFamily="65" charset="-120"/>
-              </a:rPr>
-              <a:t>波形模擬</a:t>
-            </a:r>
-            <a:r>
-              <a:rPr lang="en-US" altLang="zh-TW" sz="3200" dirty="0"/>
-              <a:t>(2023/5/4)</a:t>
-            </a:r>
-            <a:endParaRPr lang="zh-TW" altLang="en-US" sz="3200" dirty="0"/>
-          </a:p>
-        </p:txBody>
-      </p:sp>
-      <p:sp>
-        <p:nvSpPr>
-          <p:cNvPr id="14" name="文字方塊 13">
-            <a:extLst>
-              <a:ext uri="{FF2B5EF4-FFF2-40B4-BE49-F238E27FC236}">
-                <a16:creationId xmlns:a16="http://schemas.microsoft.com/office/drawing/2014/main" id="{E4E592F9-FC71-4DD1-9118-16844995CC7F}"/>
-              </a:ext>
-            </a:extLst>
-          </p:cNvPr>
-          <p:cNvSpPr txBox="1"/>
-          <p:nvPr/>
-        </p:nvSpPr>
-        <p:spPr>
-          <a:xfrm>
-            <a:off x="2022446" y="1365672"/>
-            <a:ext cx="5373306" cy="923330"/>
-          </a:xfrm>
-          <a:prstGeom prst="rect">
-            <a:avLst/>
-          </a:prstGeom>
-          <a:noFill/>
-        </p:spPr>
-        <p:txBody>
-          <a:bodyPr wrap="square">
-            <a:spAutoFit/>
-          </a:bodyPr>
-          <a:lstStyle/>
-          <a:p>
-            <a:pPr marL="285750" indent="-285750">
-              <a:buFont typeface="Arial" panose="020B0604020202020204" pitchFamily="34" charset="0"/>
-              <a:buChar char="•"/>
-            </a:pPr>
-            <a:r>
-              <a:rPr lang="zh-TW" altLang="en-US" dirty="0">
-                <a:latin typeface="標楷體" panose="03000509000000000000" pitchFamily="65" charset="-120"/>
-                <a:ea typeface="標楷體" panose="03000509000000000000" pitchFamily="65" charset="-120"/>
-              </a:rPr>
-              <a:t>整體波形模擬</a:t>
-            </a:r>
-            <a:r>
-              <a:rPr lang="en-US" altLang="zh-TW" dirty="0">
-                <a:latin typeface="標楷體" panose="03000509000000000000" pitchFamily="65" charset="-120"/>
-                <a:ea typeface="標楷體" panose="03000509000000000000" pitchFamily="65" charset="-120"/>
-              </a:rPr>
-              <a:t>:</a:t>
-            </a:r>
-          </a:p>
-          <a:p>
-            <a:pPr marL="742950" lvl="1" indent="-285750">
-              <a:buFont typeface="Arial" panose="020B0604020202020204" pitchFamily="34" charset="0"/>
-              <a:buChar char="•"/>
-            </a:pPr>
-            <a:r>
-              <a:rPr kumimoji="0" lang="en-US" altLang="zh-TW" sz="1800" b="0" i="0" u="none" strike="noStrike" kern="1200" cap="none" spc="0" normalizeH="0" baseline="0" noProof="0" dirty="0" err="1">
-                <a:ln>
-                  <a:noFill/>
-                </a:ln>
-                <a:solidFill>
-                  <a:prstClr val="black"/>
-                </a:solidFill>
-                <a:effectLst/>
-                <a:uLnTx/>
-                <a:uFillTx/>
-                <a:latin typeface="Times New Roman" panose="02020603050405020304" pitchFamily="18" charset="0"/>
-                <a:ea typeface="新細明體" panose="02020500000000000000" pitchFamily="18" charset="-120"/>
-                <a:cs typeface="Times New Roman" panose="02020603050405020304" pitchFamily="18" charset="0"/>
-              </a:rPr>
-              <a:t>move_clk</a:t>
-            </a:r>
-            <a:r>
-              <a:rPr kumimoji="0" lang="en-US" altLang="zh-TW" sz="1800" b="0" i="0" u="none" strike="noStrike" kern="1200" cap="none" spc="0" normalizeH="0" baseline="0" noProof="0" dirty="0">
-                <a:ln>
-                  <a:noFill/>
-                </a:ln>
-                <a:solidFill>
-                  <a:prstClr val="black"/>
-                </a:solidFill>
-                <a:effectLst/>
-                <a:uLnTx/>
-                <a:uFillTx/>
-                <a:latin typeface="Times New Roman" panose="02020603050405020304" pitchFamily="18" charset="0"/>
-                <a:ea typeface="新細明體" panose="02020500000000000000" pitchFamily="18" charset="-120"/>
-                <a:cs typeface="Times New Roman" panose="02020603050405020304" pitchFamily="18" charset="0"/>
-              </a:rPr>
-              <a:t> = </a:t>
-            </a:r>
-            <a:r>
-              <a:rPr lang="en-US" altLang="zh-TW" dirty="0">
-                <a:latin typeface="標楷體" panose="03000509000000000000" pitchFamily="65" charset="-120"/>
-                <a:ea typeface="標楷體" panose="03000509000000000000" pitchFamily="65" charset="-120"/>
-              </a:rPr>
-              <a:t>59.524</a:t>
-            </a:r>
-            <a:r>
-              <a:rPr kumimoji="0" lang="en-US" altLang="zh-TW" sz="1800" b="0" i="0" u="none" strike="noStrike" kern="1200" cap="none" spc="0" normalizeH="0" baseline="0" noProof="0" dirty="0">
-                <a:ln>
-                  <a:noFill/>
-                </a:ln>
-                <a:solidFill>
-                  <a:prstClr val="black"/>
-                </a:solidFill>
-                <a:effectLst/>
-                <a:uLnTx/>
-                <a:uFillTx/>
-                <a:latin typeface="Times New Roman" panose="02020603050405020304" pitchFamily="18" charset="0"/>
-                <a:ea typeface="新細明體" panose="02020500000000000000" pitchFamily="18" charset="-120"/>
-                <a:cs typeface="Times New Roman" panose="02020603050405020304" pitchFamily="18" charset="0"/>
-              </a:rPr>
-              <a:t> Hz</a:t>
-            </a:r>
-            <a:endParaRPr lang="en-US" altLang="zh-TW" dirty="0">
-              <a:latin typeface="Times New Roman" panose="02020603050405020304" pitchFamily="18" charset="0"/>
-              <a:ea typeface="標楷體" panose="03000509000000000000" pitchFamily="65" charset="-120"/>
-              <a:cs typeface="Times New Roman" panose="02020603050405020304" pitchFamily="18" charset="0"/>
-            </a:endParaRPr>
-          </a:p>
-          <a:p>
-            <a:pPr marL="742950" lvl="1" indent="-285750">
-              <a:buFont typeface="Arial" panose="020B0604020202020204" pitchFamily="34" charset="0"/>
-              <a:buChar char="•"/>
-            </a:pPr>
-            <a:r>
-              <a:rPr lang="zh-TW" altLang="en-US" dirty="0">
-                <a:latin typeface="標楷體" panose="03000509000000000000" pitchFamily="65" charset="-120"/>
-                <a:ea typeface="標楷體" panose="03000509000000000000" pitchFamily="65" charset="-120"/>
-              </a:rPr>
-              <a:t>學號</a:t>
-            </a:r>
-            <a:r>
-              <a:rPr lang="en-US" altLang="zh-TW" dirty="0">
-                <a:latin typeface="標楷體" panose="03000509000000000000" pitchFamily="65" charset="-120"/>
-                <a:ea typeface="標楷體" panose="03000509000000000000" pitchFamily="65" charset="-120"/>
-              </a:rPr>
-              <a:t>: 140x38 (8bits)</a:t>
-            </a:r>
-            <a:endParaRPr lang="zh-TW" altLang="en-US" dirty="0">
-              <a:latin typeface="標楷體" panose="03000509000000000000" pitchFamily="65" charset="-120"/>
-              <a:ea typeface="標楷體" panose="03000509000000000000" pitchFamily="65" charset="-120"/>
-            </a:endParaRPr>
-          </a:p>
-        </p:txBody>
-      </p:sp>
-      <p:sp>
-        <p:nvSpPr>
-          <p:cNvPr id="10" name="文字方塊 9">
-            <a:extLst>
-              <a:ext uri="{FF2B5EF4-FFF2-40B4-BE49-F238E27FC236}">
-                <a16:creationId xmlns:a16="http://schemas.microsoft.com/office/drawing/2014/main" id="{E24CD2C8-46A2-450C-9CA0-485274647932}"/>
-              </a:ext>
-            </a:extLst>
-          </p:cNvPr>
-          <p:cNvSpPr txBox="1"/>
-          <p:nvPr/>
-        </p:nvSpPr>
-        <p:spPr>
-          <a:xfrm>
-            <a:off x="7462542" y="5709993"/>
-            <a:ext cx="1996168" cy="369332"/>
-          </a:xfrm>
-          <a:prstGeom prst="rect">
-            <a:avLst/>
-          </a:prstGeom>
-          <a:noFill/>
-        </p:spPr>
-        <p:txBody>
-          <a:bodyPr wrap="square">
-            <a:spAutoFit/>
-          </a:bodyPr>
-          <a:lstStyle/>
-          <a:p>
-            <a:r>
-              <a:rPr lang="zh-TW" altLang="en-US" dirty="0">
-                <a:latin typeface="標楷體" panose="03000509000000000000" pitchFamily="65" charset="-120"/>
-                <a:ea typeface="標楷體" panose="03000509000000000000" pitchFamily="65" charset="-120"/>
-              </a:rPr>
-              <a:t>圖</a:t>
-            </a:r>
-            <a:r>
-              <a:rPr lang="en-US" altLang="zh-TW" dirty="0">
-                <a:latin typeface="標楷體" panose="03000509000000000000" pitchFamily="65" charset="-120"/>
-                <a:ea typeface="標楷體" panose="03000509000000000000" pitchFamily="65" charset="-120"/>
-              </a:rPr>
-              <a:t>4.</a:t>
-            </a:r>
-            <a:r>
-              <a:rPr lang="zh-TW" altLang="en-US" dirty="0">
-                <a:latin typeface="標楷體" panose="03000509000000000000" pitchFamily="65" charset="-120"/>
-                <a:ea typeface="標楷體" panose="03000509000000000000" pitchFamily="65" charset="-120"/>
-              </a:rPr>
-              <a:t>單幀全圖</a:t>
-            </a:r>
-          </a:p>
-        </p:txBody>
-      </p:sp>
-      <p:sp>
-        <p:nvSpPr>
-          <p:cNvPr id="6" name="文字方塊 5">
-            <a:extLst>
-              <a:ext uri="{FF2B5EF4-FFF2-40B4-BE49-F238E27FC236}">
-                <a16:creationId xmlns:a16="http://schemas.microsoft.com/office/drawing/2014/main" id="{2F3346EE-318A-4DF8-8A3C-51A3B2C14DD6}"/>
-              </a:ext>
-            </a:extLst>
-          </p:cNvPr>
-          <p:cNvSpPr txBox="1"/>
-          <p:nvPr/>
-        </p:nvSpPr>
-        <p:spPr>
-          <a:xfrm>
-            <a:off x="7374597" y="1411839"/>
-            <a:ext cx="3126801" cy="1754326"/>
-          </a:xfrm>
-          <a:prstGeom prst="rect">
-            <a:avLst/>
-          </a:prstGeom>
-          <a:noFill/>
-        </p:spPr>
-        <p:txBody>
-          <a:bodyPr wrap="square">
-            <a:spAutoFit/>
-          </a:bodyPr>
-          <a:lstStyle/>
-          <a:p>
-            <a:r>
-              <a:rPr lang="zh-TW" altLang="en-US" dirty="0">
-                <a:latin typeface="標楷體" panose="03000509000000000000" pitchFamily="65" charset="-120"/>
-                <a:ea typeface="標楷體" panose="03000509000000000000" pitchFamily="65" charset="-120"/>
-              </a:rPr>
-              <a:t>每個像素</a:t>
-            </a:r>
-            <a:r>
-              <a:rPr lang="en-US" altLang="zh-TW" dirty="0">
-                <a:latin typeface="標楷體" panose="03000509000000000000" pitchFamily="65" charset="-120"/>
-                <a:ea typeface="標楷體" panose="03000509000000000000" pitchFamily="65" charset="-120"/>
-              </a:rPr>
-              <a:t>:</a:t>
-            </a:r>
-            <a:r>
-              <a:rPr lang="zh-TW" altLang="en-US" dirty="0">
-                <a:latin typeface="標楷體" panose="03000509000000000000" pitchFamily="65" charset="-120"/>
-                <a:ea typeface="標楷體" panose="03000509000000000000" pitchFamily="65" charset="-120"/>
-              </a:rPr>
-              <a:t> </a:t>
-            </a:r>
-            <a:r>
-              <a:rPr lang="en-US" altLang="zh-TW" dirty="0">
-                <a:latin typeface="標楷體" panose="03000509000000000000" pitchFamily="65" charset="-120"/>
-                <a:ea typeface="標楷體" panose="03000509000000000000" pitchFamily="65" charset="-120"/>
-              </a:rPr>
-              <a:t>1/50M </a:t>
-            </a:r>
-            <a:r>
-              <a:rPr lang="en-US" altLang="zh-TW" dirty="0">
-                <a:latin typeface="Times New Roman" panose="02020603050405020304" pitchFamily="18" charset="0"/>
-                <a:ea typeface="標楷體" panose="03000509000000000000" pitchFamily="65" charset="-120"/>
-                <a:cs typeface="Times New Roman" panose="02020603050405020304" pitchFamily="18" charset="0"/>
-              </a:rPr>
-              <a:t>sec</a:t>
-            </a:r>
-          </a:p>
-          <a:p>
-            <a:r>
-              <a:rPr lang="zh-TW" altLang="en-US" dirty="0">
-                <a:latin typeface="標楷體" panose="03000509000000000000" pitchFamily="65" charset="-120"/>
-                <a:ea typeface="標楷體" panose="03000509000000000000" pitchFamily="65" charset="-120"/>
-              </a:rPr>
-              <a:t>每張圖</a:t>
-            </a:r>
-            <a:r>
-              <a:rPr lang="en-US" altLang="zh-TW" dirty="0">
-                <a:latin typeface="標楷體" panose="03000509000000000000" pitchFamily="65" charset="-120"/>
-                <a:ea typeface="標楷體" panose="03000509000000000000" pitchFamily="65" charset="-120"/>
-              </a:rPr>
-              <a:t>:</a:t>
-            </a:r>
-            <a:r>
-              <a:rPr lang="zh-TW" altLang="en-US" dirty="0">
-                <a:latin typeface="標楷體" panose="03000509000000000000" pitchFamily="65" charset="-120"/>
-                <a:ea typeface="標楷體" panose="03000509000000000000" pitchFamily="65" charset="-120"/>
-              </a:rPr>
-              <a:t> </a:t>
-            </a:r>
-            <a:r>
-              <a:rPr lang="en-US" altLang="zh-TW" dirty="0">
-                <a:latin typeface="標楷體" panose="03000509000000000000" pitchFamily="65" charset="-120"/>
-                <a:ea typeface="標楷體" panose="03000509000000000000" pitchFamily="65" charset="-120"/>
-              </a:rPr>
-              <a:t>800x525x1/50M </a:t>
-            </a:r>
-            <a:r>
-              <a:rPr lang="en-US" altLang="zh-TW" dirty="0">
-                <a:latin typeface="Times New Roman" panose="02020603050405020304" pitchFamily="18" charset="0"/>
-                <a:ea typeface="標楷體" panose="03000509000000000000" pitchFamily="65" charset="-120"/>
-                <a:cs typeface="Times New Roman" panose="02020603050405020304" pitchFamily="18" charset="0"/>
-              </a:rPr>
-              <a:t>sec</a:t>
-            </a:r>
-          </a:p>
-          <a:p>
-            <a:r>
-              <a:rPr lang="en-US" altLang="zh-TW" dirty="0">
-                <a:latin typeface="Times New Roman" panose="02020603050405020304" pitchFamily="18" charset="0"/>
-                <a:ea typeface="標楷體" panose="03000509000000000000" pitchFamily="65" charset="-120"/>
-                <a:cs typeface="Times New Roman" panose="02020603050405020304" pitchFamily="18" charset="0"/>
-              </a:rPr>
-              <a:t>	≈16.8ms</a:t>
-            </a:r>
-            <a:endParaRPr lang="en-US" altLang="zh-TW" dirty="0">
-              <a:latin typeface="標楷體" panose="03000509000000000000" pitchFamily="65" charset="-120"/>
-              <a:ea typeface="標楷體" panose="03000509000000000000" pitchFamily="65" charset="-120"/>
-            </a:endParaRPr>
-          </a:p>
-          <a:p>
-            <a:r>
-              <a:rPr lang="en-US" altLang="zh-TW" dirty="0" err="1">
-                <a:latin typeface="標楷體" panose="03000509000000000000" pitchFamily="65" charset="-120"/>
-                <a:ea typeface="標楷體" panose="03000509000000000000" pitchFamily="65" charset="-120"/>
-              </a:rPr>
-              <a:t>T</a:t>
-            </a:r>
-            <a:r>
-              <a:rPr lang="en-US" altLang="zh-TW" sz="1400" dirty="0" err="1">
-                <a:latin typeface="Times New Roman" panose="02020603050405020304" pitchFamily="18" charset="0"/>
-                <a:ea typeface="標楷體" panose="03000509000000000000" pitchFamily="65" charset="-120"/>
-                <a:cs typeface="Times New Roman" panose="02020603050405020304" pitchFamily="18" charset="0"/>
-              </a:rPr>
-              <a:t>move</a:t>
-            </a:r>
-            <a:r>
-              <a:rPr lang="en-US" altLang="zh-TW" sz="1400" dirty="0">
-                <a:latin typeface="標楷體" panose="03000509000000000000" pitchFamily="65" charset="-120"/>
-                <a:ea typeface="標楷體" panose="03000509000000000000" pitchFamily="65" charset="-120"/>
-              </a:rPr>
-              <a:t> </a:t>
-            </a:r>
-            <a:r>
-              <a:rPr lang="en-US" altLang="zh-TW" dirty="0">
-                <a:latin typeface="標楷體" panose="03000509000000000000" pitchFamily="65" charset="-120"/>
-                <a:ea typeface="標楷體" panose="03000509000000000000" pitchFamily="65" charset="-120"/>
-              </a:rPr>
-              <a:t>&gt; </a:t>
-            </a:r>
-            <a:r>
-              <a:rPr lang="zh-TW" altLang="en-US" dirty="0">
-                <a:latin typeface="標楷體" panose="03000509000000000000" pitchFamily="65" charset="-120"/>
-                <a:ea typeface="標楷體" panose="03000509000000000000" pitchFamily="65" charset="-120"/>
-              </a:rPr>
-              <a:t>單張圖</a:t>
-            </a:r>
-            <a:r>
-              <a:rPr lang="en-US" altLang="zh-TW" dirty="0">
-                <a:latin typeface="標楷體" panose="03000509000000000000" pitchFamily="65" charset="-120"/>
-                <a:ea typeface="標楷體" panose="03000509000000000000" pitchFamily="65" charset="-120"/>
-              </a:rPr>
-              <a:t>(16.8ms)</a:t>
-            </a:r>
-          </a:p>
-          <a:p>
-            <a:r>
-              <a:rPr lang="en-US" altLang="zh-TW" dirty="0" err="1">
-                <a:latin typeface="Times New Roman" panose="02020603050405020304" pitchFamily="18" charset="0"/>
-                <a:ea typeface="標楷體" panose="03000509000000000000" pitchFamily="65" charset="-120"/>
-                <a:cs typeface="Times New Roman" panose="02020603050405020304" pitchFamily="18" charset="0"/>
-              </a:rPr>
-              <a:t>move_clk</a:t>
-            </a:r>
-            <a:r>
-              <a:rPr lang="en-US" altLang="zh-TW" dirty="0">
-                <a:latin typeface="Times New Roman" panose="02020603050405020304" pitchFamily="18" charset="0"/>
-                <a:ea typeface="標楷體" panose="03000509000000000000" pitchFamily="65" charset="-120"/>
-                <a:cs typeface="Times New Roman" panose="02020603050405020304" pitchFamily="18" charset="0"/>
-              </a:rPr>
-              <a:t> </a:t>
-            </a:r>
-            <a:r>
-              <a:rPr lang="en-US" altLang="zh-TW" dirty="0">
-                <a:latin typeface="標楷體" panose="03000509000000000000" pitchFamily="65" charset="-120"/>
-                <a:ea typeface="標楷體" panose="03000509000000000000" pitchFamily="65" charset="-120"/>
-              </a:rPr>
-              <a:t>≦ 59.524(Hz) </a:t>
-            </a:r>
-          </a:p>
-          <a:p>
-            <a:r>
-              <a:rPr lang="en-US" altLang="zh-TW" dirty="0">
-                <a:latin typeface="標楷體" panose="03000509000000000000" pitchFamily="65" charset="-120"/>
-                <a:ea typeface="標楷體" panose="03000509000000000000" pitchFamily="65" charset="-120"/>
-              </a:rPr>
-              <a:t>=&gt;100M/2^21 = 47.683(Hz)</a:t>
-            </a:r>
-            <a:endParaRPr lang="zh-TW" altLang="en-US" dirty="0">
-              <a:latin typeface="標楷體" panose="03000509000000000000" pitchFamily="65" charset="-120"/>
-              <a:ea typeface="標楷體" panose="03000509000000000000" pitchFamily="65" charset="-120"/>
-            </a:endParaRPr>
-          </a:p>
-        </p:txBody>
-      </p:sp>
-      <p:pic>
-        <p:nvPicPr>
-          <p:cNvPr id="4" name="圖片 3">
-            <a:extLst>
-              <a:ext uri="{FF2B5EF4-FFF2-40B4-BE49-F238E27FC236}">
-                <a16:creationId xmlns:a16="http://schemas.microsoft.com/office/drawing/2014/main" id="{BA8AE6C9-8907-4B60-8EE9-D3B3ABC11CF6}"/>
-              </a:ext>
-            </a:extLst>
-          </p:cNvPr>
-          <p:cNvPicPr>
-            <a:picLocks noChangeAspect="1"/>
-          </p:cNvPicPr>
-          <p:nvPr/>
-        </p:nvPicPr>
-        <p:blipFill>
-          <a:blip r:embed="rId3"/>
-          <a:stretch>
-            <a:fillRect/>
-          </a:stretch>
-        </p:blipFill>
-        <p:spPr>
-          <a:xfrm>
-            <a:off x="355835" y="2692400"/>
-            <a:ext cx="6959496" cy="3389465"/>
-          </a:xfrm>
-          <a:prstGeom prst="rect">
-            <a:avLst/>
-          </a:prstGeom>
-        </p:spPr>
-      </p:pic>
-    </p:spTree>
-    <p:extLst>
-      <p:ext uri="{BB962C8B-B14F-4D97-AF65-F5344CB8AC3E}">
-        <p14:creationId xmlns:p14="http://schemas.microsoft.com/office/powerpoint/2010/main" val="882001098"/>
-      </p:ext>
-    </p:extLst>
-  </p:cSld>
-  <p:clrMapOvr>
-    <a:masterClrMapping/>
-  </p:clrMapOvr>
-</p:sld>
-</file>
-
 <file path=ppt/slides/slide3.xml><?xml version="1.0" encoding="utf-8"?>
 <p:sld xmlns:a="http://schemas.openxmlformats.org/drawingml/2006/main" xmlns:r="http://schemas.openxmlformats.org/officeDocument/2006/relationships" xmlns:p="http://schemas.openxmlformats.org/presentationml/2006/main">
   <p:cSld>
@@ -13242,254 +12661,12 @@
           <a:chExt cx="0" cy="0"/>
         </a:xfrm>
       </p:grpSpPr>
-      <p:sp>
-        <p:nvSpPr>
-          <p:cNvPr id="3" name="標題 2"/>
-          <p:cNvSpPr>
-            <a:spLocks noGrp="1"/>
-          </p:cNvSpPr>
-          <p:nvPr>
-            <p:ph type="title"/>
-          </p:nvPr>
-        </p:nvSpPr>
-        <p:spPr/>
-        <p:txBody>
-          <a:bodyPr/>
-          <a:lstStyle/>
-          <a:p>
-            <a:r>
-              <a:rPr lang="zh-TW" altLang="en-US" dirty="0"/>
-              <a:t>控管記錄 </a:t>
-            </a:r>
-            <a:r>
-              <a:rPr lang="en-US" altLang="zh-TW" dirty="0"/>
-              <a:t>-</a:t>
-            </a:r>
-            <a:r>
-              <a:rPr lang="zh-TW" altLang="en-US" dirty="0"/>
-              <a:t> </a:t>
-            </a:r>
-            <a:r>
-              <a:rPr lang="en-US" altLang="zh-TW" dirty="0"/>
-              <a:t>Git (</a:t>
-            </a:r>
-            <a:r>
-              <a:rPr lang="en-US" altLang="zh-TW" sz="4400" dirty="0"/>
-              <a:t>2023/5/25</a:t>
-            </a:r>
-            <a:r>
-              <a:rPr lang="en-US" altLang="zh-TW" dirty="0"/>
-              <a:t>)</a:t>
-            </a:r>
-            <a:endParaRPr lang="zh-TW" altLang="en-US" dirty="0"/>
-          </a:p>
-        </p:txBody>
-      </p:sp>
-      <p:sp>
-        <p:nvSpPr>
-          <p:cNvPr id="6" name="文字方塊 5">
-            <a:extLst>
-              <a:ext uri="{FF2B5EF4-FFF2-40B4-BE49-F238E27FC236}">
-                <a16:creationId xmlns:a16="http://schemas.microsoft.com/office/drawing/2014/main" id="{A9630E79-417B-4A02-AC06-A6D82BBB95D7}"/>
-              </a:ext>
-            </a:extLst>
-          </p:cNvPr>
-          <p:cNvSpPr txBox="1"/>
-          <p:nvPr/>
-        </p:nvSpPr>
-        <p:spPr>
-          <a:xfrm>
-            <a:off x="838200" y="1594705"/>
-            <a:ext cx="6094520" cy="1015663"/>
-          </a:xfrm>
-          <a:prstGeom prst="rect">
-            <a:avLst/>
-          </a:prstGeom>
-          <a:noFill/>
-        </p:spPr>
-        <p:txBody>
-          <a:bodyPr wrap="square">
-            <a:spAutoFit/>
-          </a:bodyPr>
-          <a:lstStyle/>
-          <a:p>
-            <a:pPr marL="285750" marR="0" lvl="1" indent="-285750" algn="l" defTabSz="914400" rtl="0" eaLnBrk="1" fontAlgn="auto" latinLnBrk="0" hangingPunct="1">
-              <a:lnSpc>
-                <a:spcPct val="100000"/>
-              </a:lnSpc>
-              <a:spcBef>
-                <a:spcPts val="0"/>
-              </a:spcBef>
-              <a:spcAft>
-                <a:spcPts val="0"/>
-              </a:spcAft>
-              <a:buClrTx/>
-              <a:buSzTx/>
-              <a:buFontTx/>
-              <a:buNone/>
-              <a:tabLst/>
-              <a:defRPr/>
-            </a:pPr>
-            <a:r>
-              <a:rPr kumimoji="0" lang="zh-TW" altLang="en-US" sz="2000" b="0" i="0" u="none" strike="noStrike" kern="1200" cap="none" spc="0" normalizeH="0" baseline="0" noProof="0" dirty="0">
-                <a:ln>
-                  <a:noFill/>
-                </a:ln>
-                <a:solidFill>
-                  <a:prstClr val="black"/>
-                </a:solidFill>
-                <a:effectLst/>
-                <a:uLnTx/>
-                <a:uFillTx/>
-                <a:latin typeface="Times New Roman" panose="02020603050405020304" pitchFamily="18" charset="0"/>
-                <a:ea typeface="標楷體" panose="03000509000000000000" pitchFamily="65" charset="-120"/>
-                <a:cs typeface="+mn-cs"/>
-              </a:rPr>
-              <a:t>本週更新：</a:t>
-            </a:r>
-            <a:endParaRPr kumimoji="0" lang="en-US" altLang="zh-TW" sz="2000" b="0" i="0" u="none" strike="noStrike" kern="1200" cap="none" spc="0" normalizeH="0" baseline="0" noProof="0" dirty="0">
-              <a:ln>
-                <a:noFill/>
-              </a:ln>
-              <a:solidFill>
-                <a:prstClr val="black"/>
-              </a:solidFill>
-              <a:effectLst/>
-              <a:uLnTx/>
-              <a:uFillTx/>
-              <a:latin typeface="Times New Roman" panose="02020603050405020304" pitchFamily="18" charset="0"/>
-              <a:ea typeface="標楷體" panose="03000509000000000000" pitchFamily="65" charset="-120"/>
-              <a:cs typeface="+mn-cs"/>
-            </a:endParaRPr>
-          </a:p>
-          <a:p>
-            <a:pPr marL="285750" marR="0" lvl="1" indent="-285750" algn="l" defTabSz="914400" rtl="0" eaLnBrk="1" fontAlgn="auto" latinLnBrk="0" hangingPunct="1">
-              <a:lnSpc>
-                <a:spcPct val="100000"/>
-              </a:lnSpc>
-              <a:spcBef>
-                <a:spcPts val="0"/>
-              </a:spcBef>
-              <a:spcAft>
-                <a:spcPts val="0"/>
-              </a:spcAft>
-              <a:buClrTx/>
-              <a:buSzTx/>
-              <a:buFontTx/>
-              <a:buNone/>
-              <a:tabLst/>
-              <a:defRPr/>
-            </a:pPr>
-            <a:r>
-              <a:rPr kumimoji="0" lang="en-US" altLang="zh-TW" sz="2000" b="0" i="0" u="none" strike="noStrike" kern="1200" cap="none" spc="0" normalizeH="0" baseline="0" noProof="0" dirty="0">
-                <a:ln>
-                  <a:noFill/>
-                </a:ln>
-                <a:solidFill>
-                  <a:prstClr val="black"/>
-                </a:solidFill>
-                <a:effectLst/>
-                <a:uLnTx/>
-                <a:uFillTx/>
-                <a:latin typeface="Times New Roman" panose="02020603050405020304" pitchFamily="18" charset="0"/>
-                <a:ea typeface="標楷體" panose="03000509000000000000" pitchFamily="65" charset="-120"/>
-                <a:cs typeface="+mn-cs"/>
-              </a:rPr>
-              <a:t>G01: </a:t>
-            </a:r>
-            <a:r>
-              <a:rPr kumimoji="0" lang="en-US" altLang="zh-TW" sz="2000" b="0" i="0" u="none" strike="noStrike" kern="1200" cap="none" spc="0" normalizeH="0" baseline="0" noProof="0" dirty="0" err="1">
-                <a:ln>
-                  <a:noFill/>
-                </a:ln>
-                <a:solidFill>
-                  <a:prstClr val="black"/>
-                </a:solidFill>
-                <a:effectLst/>
-                <a:uLnTx/>
-                <a:uFillTx/>
-                <a:latin typeface="Times New Roman" panose="02020603050405020304" pitchFamily="18" charset="0"/>
-                <a:ea typeface="標楷體" panose="03000509000000000000" pitchFamily="65" charset="-120"/>
-                <a:cs typeface="+mn-cs"/>
-              </a:rPr>
-              <a:t>SourceCode</a:t>
-            </a:r>
-            <a:endParaRPr kumimoji="0" lang="en-US" altLang="zh-TW" sz="2000" b="0" i="0" u="none" strike="noStrike" kern="1200" cap="none" spc="0" normalizeH="0" baseline="0" noProof="0" dirty="0">
-              <a:ln>
-                <a:noFill/>
-              </a:ln>
-              <a:solidFill>
-                <a:prstClr val="black"/>
-              </a:solidFill>
-              <a:effectLst/>
-              <a:uLnTx/>
-              <a:uFillTx/>
-              <a:latin typeface="Times New Roman" panose="02020603050405020304" pitchFamily="18" charset="0"/>
-              <a:ea typeface="標楷體" panose="03000509000000000000" pitchFamily="65" charset="-120"/>
-              <a:cs typeface="+mn-cs"/>
-            </a:endParaRPr>
-          </a:p>
-          <a:p>
-            <a:pPr marL="285750" marR="0" lvl="1" indent="-285750" algn="l" defTabSz="914400" rtl="0" eaLnBrk="1" fontAlgn="auto" latinLnBrk="0" hangingPunct="1">
-              <a:lnSpc>
-                <a:spcPct val="100000"/>
-              </a:lnSpc>
-              <a:spcBef>
-                <a:spcPts val="0"/>
-              </a:spcBef>
-              <a:spcAft>
-                <a:spcPts val="0"/>
-              </a:spcAft>
-              <a:buClrTx/>
-              <a:buSzTx/>
-              <a:buFontTx/>
-              <a:buNone/>
-              <a:tabLst/>
-              <a:defRPr/>
-            </a:pPr>
-            <a:r>
-              <a:rPr lang="en-US" altLang="zh-TW" sz="2000" dirty="0">
-                <a:solidFill>
-                  <a:prstClr val="black"/>
-                </a:solidFill>
-                <a:latin typeface="Times New Roman" panose="02020603050405020304" pitchFamily="18" charset="0"/>
-                <a:ea typeface="標楷體" panose="03000509000000000000" pitchFamily="65" charset="-120"/>
-              </a:rPr>
-              <a:t>	FSM, </a:t>
-            </a:r>
-            <a:r>
-              <a:rPr lang="en-US" altLang="zh-TW" sz="2000" dirty="0" err="1">
-                <a:solidFill>
-                  <a:prstClr val="black"/>
-                </a:solidFill>
-                <a:latin typeface="Times New Roman" panose="02020603050405020304" pitchFamily="18" charset="0"/>
-                <a:ea typeface="標楷體" panose="03000509000000000000" pitchFamily="65" charset="-120"/>
-              </a:rPr>
-              <a:t>score_cnt</a:t>
-            </a:r>
-            <a:endParaRPr kumimoji="0" lang="en-US" altLang="zh-TW" sz="2000" b="0" i="0" u="none" strike="noStrike" kern="1200" cap="none" spc="0" normalizeH="0" baseline="0" noProof="0" dirty="0">
-              <a:ln>
-                <a:noFill/>
-              </a:ln>
-              <a:solidFill>
-                <a:prstClr val="black"/>
-              </a:solidFill>
-              <a:effectLst/>
-              <a:uLnTx/>
-              <a:uFillTx/>
-              <a:latin typeface="Times New Roman" panose="02020603050405020304" pitchFamily="18" charset="0"/>
-              <a:ea typeface="標楷體" panose="03000509000000000000" pitchFamily="65" charset="-120"/>
-              <a:cs typeface="+mn-cs"/>
-            </a:endParaRPr>
-          </a:p>
-        </p:txBody>
-      </p:sp>
       <p:pic>
         <p:nvPicPr>
           <p:cNvPr id="4" name="圖片 3">
             <a:extLst>
               <a:ext uri="{FF2B5EF4-FFF2-40B4-BE49-F238E27FC236}">
-                <a16:creationId xmlns:a16="http://schemas.microsoft.com/office/drawing/2014/main" id="{BABBAD19-9DF9-457D-91AB-B3ACC2E4BE90}"/>
+                <a16:creationId xmlns:a16="http://schemas.microsoft.com/office/drawing/2014/main" id="{5E5B5AF5-0424-4FA5-88B3-BC397A290F6D}"/>
               </a:ext>
             </a:extLst>
           </p:cNvPr>
@@ -13506,18 +12683,192 @@
         </p:blipFill>
         <p:spPr>
           <a:xfrm>
-            <a:off x="3194973" y="1200537"/>
-            <a:ext cx="7719631" cy="5028733"/>
+            <a:off x="1765798" y="1343181"/>
+            <a:ext cx="9423884" cy="4686541"/>
           </a:xfrm>
           <a:prstGeom prst="rect">
             <a:avLst/>
           </a:prstGeom>
         </p:spPr>
       </p:pic>
+      <p:sp>
+        <p:nvSpPr>
+          <p:cNvPr id="3" name="標題 2"/>
+          <p:cNvSpPr>
+            <a:spLocks noGrp="1"/>
+          </p:cNvSpPr>
+          <p:nvPr>
+            <p:ph type="title"/>
+          </p:nvPr>
+        </p:nvSpPr>
+        <p:spPr/>
+        <p:txBody>
+          <a:bodyPr/>
+          <a:lstStyle/>
+          <a:p>
+            <a:r>
+              <a:rPr lang="zh-TW" altLang="en-US" dirty="0"/>
+              <a:t>控管記錄 </a:t>
+            </a:r>
+            <a:r>
+              <a:rPr lang="en-US" altLang="zh-TW" dirty="0"/>
+              <a:t>–</a:t>
+            </a:r>
+            <a:r>
+              <a:rPr lang="zh-TW" altLang="en-US" dirty="0"/>
+              <a:t> </a:t>
+            </a:r>
+            <a:r>
+              <a:rPr lang="en-US" altLang="zh-TW" dirty="0"/>
+              <a:t>NAS</a:t>
+            </a:r>
+            <a:r>
+              <a:rPr lang="zh-TW" altLang="en-US" dirty="0"/>
+              <a:t> </a:t>
+            </a:r>
+            <a:r>
+              <a:rPr lang="en-US" altLang="zh-TW" dirty="0"/>
+              <a:t>(</a:t>
+            </a:r>
+            <a:r>
+              <a:rPr lang="en-US" altLang="zh-TW" sz="4400" dirty="0"/>
+              <a:t>2023/5/27</a:t>
+            </a:r>
+            <a:r>
+              <a:rPr lang="en-US" altLang="zh-TW" dirty="0"/>
+              <a:t>)</a:t>
+            </a:r>
+            <a:endParaRPr lang="zh-TW" altLang="en-US" dirty="0"/>
+          </a:p>
+        </p:txBody>
+      </p:sp>
+      <p:sp>
+        <p:nvSpPr>
+          <p:cNvPr id="9" name="矩形 8">
+            <a:extLst>
+              <a:ext uri="{FF2B5EF4-FFF2-40B4-BE49-F238E27FC236}">
+                <a16:creationId xmlns:a16="http://schemas.microsoft.com/office/drawing/2014/main" id="{1F596EB5-194B-41DD-9405-83C981B5180E}"/>
+              </a:ext>
+            </a:extLst>
+          </p:cNvPr>
+          <p:cNvSpPr/>
+          <p:nvPr/>
+        </p:nvSpPr>
+        <p:spPr>
+          <a:xfrm>
+            <a:off x="589428" y="1662062"/>
+            <a:ext cx="3120704" cy="1323439"/>
+          </a:xfrm>
+          <a:prstGeom prst="rect">
+            <a:avLst/>
+          </a:prstGeom>
+        </p:spPr>
+        <p:txBody>
+          <a:bodyPr wrap="square">
+            <a:spAutoFit/>
+          </a:bodyPr>
+          <a:lstStyle/>
+          <a:p>
+            <a:pPr marL="285750" lvl="1" indent="-285750"/>
+            <a:r>
+              <a:rPr lang="zh-TW" altLang="en-US" sz="2000" dirty="0">
+                <a:latin typeface="Times New Roman" panose="02020603050405020304" pitchFamily="18" charset="0"/>
+                <a:ea typeface="標楷體" panose="03000509000000000000" pitchFamily="65" charset="-120"/>
+              </a:rPr>
+              <a:t>本週更新：</a:t>
+            </a:r>
+            <a:endParaRPr lang="en-US" altLang="zh-TW" sz="2000" dirty="0">
+              <a:latin typeface="Times New Roman" panose="02020603050405020304" pitchFamily="18" charset="0"/>
+              <a:ea typeface="標楷體" panose="03000509000000000000" pitchFamily="65" charset="-120"/>
+            </a:endParaRPr>
+          </a:p>
+          <a:p>
+            <a:pPr marL="285750" lvl="1" indent="-285750"/>
+            <a:r>
+              <a:rPr lang="en-US" altLang="zh-TW" sz="2000" dirty="0">
+                <a:latin typeface="Times New Roman" panose="02020603050405020304" pitchFamily="18" charset="0"/>
+                <a:ea typeface="標楷體" panose="03000509000000000000" pitchFamily="65" charset="-120"/>
+              </a:rPr>
+              <a:t>N02-Architecture</a:t>
+            </a:r>
+          </a:p>
+          <a:p>
+            <a:pPr marL="285750" lvl="1" indent="-285750"/>
+            <a:r>
+              <a:rPr lang="en-US" altLang="zh-TW" sz="2000" dirty="0">
+                <a:latin typeface="Times New Roman" panose="02020603050405020304" pitchFamily="18" charset="0"/>
+                <a:ea typeface="標楷體" panose="03000509000000000000" pitchFamily="65" charset="-120"/>
+              </a:rPr>
+              <a:t>N06-Demo&amp;ppt</a:t>
+            </a:r>
+          </a:p>
+          <a:p>
+            <a:pPr marL="285750" lvl="1" indent="-285750"/>
+            <a:endParaRPr lang="en-US" altLang="zh-TW" sz="2000" dirty="0">
+              <a:latin typeface="Times New Roman" panose="02020603050405020304" pitchFamily="18" charset="0"/>
+              <a:ea typeface="標楷體" panose="03000509000000000000" pitchFamily="65" charset="-120"/>
+            </a:endParaRPr>
+          </a:p>
+        </p:txBody>
+      </p:sp>
+      <p:sp>
+        <p:nvSpPr>
+          <p:cNvPr id="5" name="矩形 4">
+            <a:extLst>
+              <a:ext uri="{FF2B5EF4-FFF2-40B4-BE49-F238E27FC236}">
+                <a16:creationId xmlns:a16="http://schemas.microsoft.com/office/drawing/2014/main" id="{57854072-619E-4378-B351-7DB5F8B98C17}"/>
+              </a:ext>
+            </a:extLst>
+          </p:cNvPr>
+          <p:cNvSpPr/>
+          <p:nvPr/>
+        </p:nvSpPr>
+        <p:spPr>
+          <a:xfrm>
+            <a:off x="4971497" y="3686451"/>
+            <a:ext cx="5619407" cy="296595"/>
+          </a:xfrm>
+          <a:prstGeom prst="rect">
+            <a:avLst/>
+          </a:prstGeom>
+          <a:noFill/>
+          <a:ln w="28575">
+            <a:solidFill>
+              <a:srgbClr val="FF0000"/>
+            </a:solidFill>
+          </a:ln>
+        </p:spPr>
+        <p:style>
+          <a:lnRef idx="2">
+            <a:schemeClr val="accent1">
+              <a:shade val="50000"/>
+            </a:schemeClr>
+          </a:lnRef>
+          <a:fillRef idx="1">
+            <a:schemeClr val="accent1"/>
+          </a:fillRef>
+          <a:effectRef idx="0">
+            <a:schemeClr val="accent1"/>
+          </a:effectRef>
+          <a:fontRef idx="minor">
+            <a:schemeClr val="lt1"/>
+          </a:fontRef>
+        </p:style>
+        <p:txBody>
+          <a:bodyPr rtlCol="0" anchor="ctr"/>
+          <a:lstStyle/>
+          <a:p>
+            <a:pPr algn="ctr"/>
+            <a:endParaRPr lang="zh-TW" altLang="en-US" dirty="0">
+              <a:noFill/>
+            </a:endParaRPr>
+          </a:p>
+        </p:txBody>
+      </p:sp>
     </p:spTree>
     <p:extLst>
       <p:ext uri="{BB962C8B-B14F-4D97-AF65-F5344CB8AC3E}">
-        <p14:creationId xmlns:p14="http://schemas.microsoft.com/office/powerpoint/2010/main" val="2552787574"/>
+        <p14:creationId xmlns:p14="http://schemas.microsoft.com/office/powerpoint/2010/main" val="4255692623"/>
       </p:ext>
     </p:extLst>
   </p:cSld>
@@ -13575,24 +12926,20 @@
               <a:t>–</a:t>
             </a:r>
             <a:r>
+              <a:rPr lang="en-US" altLang="zh-TW" sz="3200" dirty="0">
+                <a:ea typeface="Tahoma" panose="020B0604030504040204" pitchFamily="34" charset="0"/>
+              </a:rPr>
+              <a:t>Bram</a:t>
+            </a:r>
+            <a:r>
               <a:rPr lang="zh-TW" altLang="en-US" sz="3200" dirty="0">
                 <a:latin typeface="標楷體" panose="03000509000000000000" pitchFamily="65" charset="-120"/>
               </a:rPr>
-              <a:t>單元測試</a:t>
-            </a:r>
-            <a:r>
-              <a:rPr lang="en-US" altLang="zh-TW" sz="3200" dirty="0">
-                <a:latin typeface="標楷體" panose="03000509000000000000" pitchFamily="65" charset="-120"/>
-              </a:rPr>
-              <a:t>:</a:t>
-            </a:r>
-            <a:r>
-              <a:rPr lang="zh-TW" altLang="en-US" sz="3200" dirty="0"/>
-              <a:t>字母、號碼</a:t>
+              <a:t>波形模擬</a:t>
             </a:r>
             <a:r>
               <a:rPr lang="en-US" altLang="zh-TW" sz="3200" dirty="0"/>
-              <a:t>(2023/5/7)</a:t>
+              <a:t>(2023/5/3)</a:t>
             </a:r>
             <a:endParaRPr lang="zh-TW" altLang="en-US" sz="3200" dirty="0"/>
           </a:p>
@@ -13612,8 +12959,8 @@
         </p:nvSpPr>
         <p:spPr>
           <a:xfrm>
-            <a:off x="2022446" y="1472203"/>
-            <a:ext cx="5373306" cy="646331"/>
+            <a:off x="2013569" y="1209560"/>
+            <a:ext cx="5373306" cy="923330"/>
           </a:xfrm>
           <a:prstGeom prst="rect">
             <a:avLst/>
@@ -13635,14 +12982,28 @@
                 <a:latin typeface="標楷體" panose="03000509000000000000" pitchFamily="65" charset="-120"/>
                 <a:ea typeface="標楷體" panose="03000509000000000000" pitchFamily="65" charset="-120"/>
               </a:rPr>
-              <a:t>圖案比例</a:t>
+              <a:t>對</a:t>
             </a:r>
             <a:r>
               <a:rPr lang="en-US" altLang="zh-TW" dirty="0">
                 <a:latin typeface="標楷體" panose="03000509000000000000" pitchFamily="65" charset="-120"/>
                 <a:ea typeface="標楷體" panose="03000509000000000000" pitchFamily="65" charset="-120"/>
               </a:rPr>
-              <a:t>: </a:t>
+              <a:t>(.COE)</a:t>
+            </a:r>
+            <a:r>
+              <a:rPr lang="zh-TW" altLang="en-US" dirty="0">
+                <a:latin typeface="標楷體" panose="03000509000000000000" pitchFamily="65" charset="-120"/>
+                <a:ea typeface="標楷體" panose="03000509000000000000" pitchFamily="65" charset="-120"/>
+              </a:rPr>
+              <a:t>波行模擬</a:t>
+            </a:r>
+            <a:r>
+              <a:rPr lang="en-US" altLang="zh-TW" dirty="0">
+                <a:latin typeface="標楷體" panose="03000509000000000000" pitchFamily="65" charset="-120"/>
+                <a:ea typeface="標楷體" panose="03000509000000000000" pitchFamily="65" charset="-120"/>
+              </a:rPr>
+              <a:t>:</a:t>
             </a:r>
           </a:p>
           <a:p>
@@ -13664,6 +13025,26 @@
               </a:rPr>
               <a:t>: 140x38 (8bits)</a:t>
             </a:r>
+          </a:p>
+          <a:p>
+            <a:pPr marL="742950" lvl="1" indent="-285750">
+              <a:buFont typeface="Arial" panose="020B0604020202020204" pitchFamily="34" charset="0"/>
+              <a:buChar char="•"/>
+            </a:pPr>
+            <a:r>
+              <a:rPr lang="zh-TW" altLang="en-US" dirty="0">
+                <a:latin typeface="標楷體" panose="03000509000000000000" pitchFamily="65" charset="-120"/>
+                <a:ea typeface="標楷體" panose="03000509000000000000" pitchFamily="65" charset="-120"/>
+              </a:rPr>
+              <a:t>起點</a:t>
+            </a:r>
+            <a:r>
+              <a:rPr lang="en-US" altLang="zh-TW" dirty="0">
+                <a:latin typeface="標楷體" panose="03000509000000000000" pitchFamily="65" charset="-120"/>
+                <a:ea typeface="標楷體" panose="03000509000000000000" pitchFamily="65" charset="-120"/>
+              </a:rPr>
+              <a:t>: (320,240)</a:t>
+            </a:r>
             <a:endParaRPr lang="zh-TW" altLang="en-US" dirty="0">
               <a:latin typeface="標楷體" panose="03000509000000000000" pitchFamily="65" charset="-120"/>
               <a:ea typeface="標楷體" panose="03000509000000000000" pitchFamily="65" charset="-120"/>
@@ -13671,12 +13052,42 @@
           </a:p>
         </p:txBody>
       </p:sp>
-      <p:sp>
-        <p:nvSpPr>
-          <p:cNvPr id="4" name="文字方塊 3">
+      <p:pic>
+        <p:nvPicPr>
+          <p:cNvPr id="6" name="圖片 5">
             <a:extLst>
               <a:ext uri="{FF2B5EF4-FFF2-40B4-BE49-F238E27FC236}">
-                <a16:creationId xmlns:a16="http://schemas.microsoft.com/office/drawing/2014/main" id="{ED2814D5-88C3-433F-99B6-BECD9FEA1494}"/>
+                <a16:creationId xmlns:a16="http://schemas.microsoft.com/office/drawing/2014/main" id="{3F56A6F8-5184-4B80-9B96-E7107299BBA3}"/>
+              </a:ext>
+            </a:extLst>
+          </p:cNvPr>
+          <p:cNvPicPr>
+            <a:picLocks noChangeAspect="1"/>
+          </p:cNvPicPr>
+          <p:nvPr/>
+        </p:nvPicPr>
+        <p:blipFill>
+          <a:blip r:embed="rId3"/>
+          <a:stretch>
+            <a:fillRect/>
+          </a:stretch>
+        </p:blipFill>
+        <p:spPr>
+          <a:xfrm>
+            <a:off x="199722" y="2196140"/>
+            <a:ext cx="11792556" cy="3708591"/>
+          </a:xfrm>
+          <a:prstGeom prst="rect">
+            <a:avLst/>
+          </a:prstGeom>
+        </p:spPr>
+      </p:pic>
+      <p:sp>
+        <p:nvSpPr>
+          <p:cNvPr id="8" name="文字方塊 7">
+            <a:extLst>
+              <a:ext uri="{FF2B5EF4-FFF2-40B4-BE49-F238E27FC236}">
+                <a16:creationId xmlns:a16="http://schemas.microsoft.com/office/drawing/2014/main" id="{86B8A071-0D2B-4145-B391-8D88BAA75209}"/>
               </a:ext>
             </a:extLst>
           </p:cNvPr>
@@ -13685,8 +13096,8 @@
         </p:nvSpPr>
         <p:spPr>
           <a:xfrm>
-            <a:off x="5772014" y="5669617"/>
-            <a:ext cx="647972" cy="369332"/>
+            <a:off x="5506298" y="5875648"/>
+            <a:ext cx="1498184" cy="369332"/>
           </a:xfrm>
           <a:prstGeom prst="rect">
             <a:avLst/>
@@ -13704,7 +13115,21 @@
                 <a:latin typeface="標楷體" panose="03000509000000000000" pitchFamily="65" charset="-120"/>
                 <a:ea typeface="標楷體" panose="03000509000000000000" pitchFamily="65" charset="-120"/>
               </a:rPr>
-              <a:t>學號</a:t>
+              <a:t>圖</a:t>
+            </a:r>
+            <a:r>
+              <a:rPr lang="en-US" altLang="zh-TW" dirty="0">
+                <a:latin typeface="標楷體" panose="03000509000000000000" pitchFamily="65" charset="-120"/>
+                <a:ea typeface="標楷體" panose="03000509000000000000" pitchFamily="65" charset="-120"/>
+              </a:rPr>
+              <a:t>1.</a:t>
+            </a:r>
+            <a:r>
+              <a:rPr lang="zh-TW" altLang="en-US" dirty="0">
+                <a:latin typeface="標楷體" panose="03000509000000000000" pitchFamily="65" charset="-120"/>
+                <a:ea typeface="標楷體" panose="03000509000000000000" pitchFamily="65" charset="-120"/>
+              </a:rPr>
+              <a:t>全圖案</a:t>
             </a:r>
           </a:p>
         </p:txBody>
@@ -13712,7 +13137,7 @@
     </p:spTree>
     <p:extLst>
       <p:ext uri="{BB962C8B-B14F-4D97-AF65-F5344CB8AC3E}">
-        <p14:creationId xmlns:p14="http://schemas.microsoft.com/office/powerpoint/2010/main" val="2902632193"/>
+        <p14:creationId xmlns:p14="http://schemas.microsoft.com/office/powerpoint/2010/main" val="1277383348"/>
       </p:ext>
     </p:extLst>
   </p:cSld>
@@ -13770,16 +13195,20 @@
               <a:t>–</a:t>
             </a:r>
             <a:r>
-              <a:rPr lang="zh-TW" altLang="en-US" sz="3200" dirty="0"/>
-              <a:t> </a:t>
-            </a:r>
-            <a:r>
-              <a:rPr lang="en-US" altLang="zh-TW" sz="3200" dirty="0" err="1"/>
-              <a:t>VGA_pong_BRam</a:t>
+              <a:rPr lang="en-US" altLang="zh-TW" sz="3200" dirty="0">
+                <a:ea typeface="Tahoma" panose="020B0604030504040204" pitchFamily="34" charset="0"/>
+              </a:rPr>
+              <a:t>Bram</a:t>
+            </a:r>
+            <a:r>
+              <a:rPr lang="zh-TW" altLang="en-US" sz="3200" dirty="0">
+                <a:latin typeface="標楷體" panose="03000509000000000000" pitchFamily="65" charset="-120"/>
+              </a:rPr>
+              <a:t>波形模擬</a:t>
             </a:r>
             <a:r>
               <a:rPr lang="en-US" altLang="zh-TW" sz="3200" dirty="0"/>
-              <a:t>(2023/5/7)</a:t>
+              <a:t>(2023/5/3)</a:t>
             </a:r>
             <a:endParaRPr lang="zh-TW" altLang="en-US" sz="3200" dirty="0"/>
           </a:p>
@@ -13799,7 +13228,7 @@
         </p:nvSpPr>
         <p:spPr>
           <a:xfrm>
-            <a:off x="2022446" y="1472202"/>
+            <a:off x="2022446" y="1472203"/>
             <a:ext cx="5373306" cy="646331"/>
           </a:xfrm>
           <a:prstGeom prst="rect">
@@ -13813,48 +13242,71 @@
           </a:bodyPr>
           <a:lstStyle/>
           <a:p>
-            <a:r>
-              <a:rPr lang="en-US" altLang="zh-TW" sz="1800" kern="1200" baseline="0" dirty="0" err="1">
-                <a:solidFill>
-                  <a:srgbClr val="000000"/>
-                </a:solidFill>
-                <a:effectLst/>
-                <a:latin typeface="Times New Roman" panose="02020603050405020304" pitchFamily="18" charset="0"/>
-                <a:ea typeface="標楷體" panose="03000509000000000000" pitchFamily="65" charset="-120"/>
-                <a:cs typeface="+mj-cs"/>
-              </a:rPr>
-              <a:t>VGA_pong</a:t>
+            <a:pPr marL="285750" indent="-285750">
+              <a:buFont typeface="Arial" panose="020B0604020202020204" pitchFamily="34" charset="0"/>
+              <a:buChar char="•"/>
+            </a:pPr>
+            <a:r>
+              <a:rPr lang="zh-TW" altLang="en-US" dirty="0">
+                <a:latin typeface="標楷體" panose="03000509000000000000" pitchFamily="65" charset="-120"/>
+                <a:ea typeface="標楷體" panose="03000509000000000000" pitchFamily="65" charset="-120"/>
+              </a:rPr>
+              <a:t>對</a:t>
+            </a:r>
+            <a:r>
+              <a:rPr lang="en-US" altLang="zh-TW" dirty="0">
+                <a:latin typeface="標楷體" panose="03000509000000000000" pitchFamily="65" charset="-120"/>
+                <a:ea typeface="標楷體" panose="03000509000000000000" pitchFamily="65" charset="-120"/>
+              </a:rPr>
+              <a:t>(.COE)</a:t>
+            </a:r>
+            <a:r>
+              <a:rPr lang="zh-TW" altLang="en-US" dirty="0">
+                <a:latin typeface="標楷體" panose="03000509000000000000" pitchFamily="65" charset="-120"/>
+                <a:ea typeface="標楷體" panose="03000509000000000000" pitchFamily="65" charset="-120"/>
+              </a:rPr>
+              <a:t>波行模擬</a:t>
+            </a:r>
+            <a:r>
+              <a:rPr lang="en-US" altLang="zh-TW" dirty="0">
+                <a:latin typeface="標楷體" panose="03000509000000000000" pitchFamily="65" charset="-120"/>
+                <a:ea typeface="標楷體" panose="03000509000000000000" pitchFamily="65" charset="-120"/>
+              </a:rPr>
+              <a:t>:</a:t>
+            </a:r>
+          </a:p>
+          <a:p>
+            <a:pPr marL="742950" lvl="1" indent="-285750">
+              <a:buFont typeface="Arial" panose="020B0604020202020204" pitchFamily="34" charset="0"/>
+              <a:buChar char="•"/>
+            </a:pPr>
+            <a:r>
+              <a:rPr lang="zh-TW" altLang="en-US" dirty="0">
+                <a:latin typeface="標楷體" panose="03000509000000000000" pitchFamily="65" charset="-120"/>
+                <a:ea typeface="標楷體" panose="03000509000000000000" pitchFamily="65" charset="-120"/>
+              </a:rPr>
+              <a:t>學號</a:t>
+            </a:r>
+            <a:r>
+              <a:rPr lang="en-US" altLang="zh-TW" dirty="0">
+                <a:latin typeface="標楷體" panose="03000509000000000000" pitchFamily="65" charset="-120"/>
+                <a:ea typeface="標楷體" panose="03000509000000000000" pitchFamily="65" charset="-120"/>
+              </a:rPr>
+              <a:t>: 140x38 (8bits)</a:t>
             </a:r>
             <a:endParaRPr lang="zh-TW" altLang="en-US" dirty="0">
               <a:latin typeface="標楷體" panose="03000509000000000000" pitchFamily="65" charset="-120"/>
               <a:ea typeface="標楷體" panose="03000509000000000000" pitchFamily="65" charset="-120"/>
             </a:endParaRPr>
           </a:p>
-          <a:p>
-            <a:pPr marL="285750" indent="-285750">
-              <a:buFont typeface="Arial" panose="020B0604020202020204" pitchFamily="34" charset="0"/>
-              <a:buChar char="•"/>
-            </a:pPr>
-            <a:r>
-              <a:rPr lang="zh-TW" altLang="en-US" dirty="0">
-                <a:latin typeface="Times New Roman" panose="02020603050405020304" pitchFamily="18" charset="0"/>
-                <a:ea typeface="標楷體" panose="03000509000000000000" pitchFamily="65" charset="-120"/>
-              </a:rPr>
-              <a:t>學號</a:t>
-            </a:r>
-            <a:endParaRPr lang="en-US" altLang="zh-TW" dirty="0">
-              <a:latin typeface="標楷體" panose="03000509000000000000" pitchFamily="65" charset="-120"/>
-              <a:ea typeface="標楷體" panose="03000509000000000000" pitchFamily="65" charset="-120"/>
-            </a:endParaRPr>
-          </a:p>
-        </p:txBody>
-      </p:sp>
-      <p:sp>
-        <p:nvSpPr>
-          <p:cNvPr id="5" name="文字方塊 4">
+        </p:txBody>
+      </p:sp>
+      <p:sp>
+        <p:nvSpPr>
+          <p:cNvPr id="9" name="文字方塊 8">
             <a:extLst>
               <a:ext uri="{FF2B5EF4-FFF2-40B4-BE49-F238E27FC236}">
-                <a16:creationId xmlns:a16="http://schemas.microsoft.com/office/drawing/2014/main" id="{7D31011E-9A66-434B-9EC7-95F8A4A33AA8}"/>
+                <a16:creationId xmlns:a16="http://schemas.microsoft.com/office/drawing/2014/main" id="{AB0443AB-E98B-4544-8557-39F693CAE272}"/>
               </a:ext>
             </a:extLst>
           </p:cNvPr>
@@ -13863,8 +13315,8 @@
         </p:nvSpPr>
         <p:spPr>
           <a:xfrm>
-            <a:off x="5510399" y="5554207"/>
-            <a:ext cx="1171202" cy="369332"/>
+            <a:off x="8443087" y="5550759"/>
+            <a:ext cx="1675737" cy="369332"/>
           </a:xfrm>
           <a:prstGeom prst="rect">
             <a:avLst/>
@@ -13882,15 +13334,155 @@
                 <a:latin typeface="標楷體" panose="03000509000000000000" pitchFamily="65" charset="-120"/>
                 <a:ea typeface="標楷體" panose="03000509000000000000" pitchFamily="65" charset="-120"/>
               </a:rPr>
-              <a:t>來回接球</a:t>
-            </a:r>
-          </a:p>
-        </p:txBody>
-      </p:sp>
+              <a:t>圖</a:t>
+            </a:r>
+            <a:r>
+              <a:rPr lang="en-US" altLang="zh-TW" dirty="0">
+                <a:latin typeface="標楷體" panose="03000509000000000000" pitchFamily="65" charset="-120"/>
+                <a:ea typeface="標楷體" panose="03000509000000000000" pitchFamily="65" charset="-120"/>
+              </a:rPr>
+              <a:t>3.</a:t>
+            </a:r>
+            <a:r>
+              <a:rPr lang="zh-TW" altLang="en-US" dirty="0">
+                <a:latin typeface="標楷體" panose="03000509000000000000" pitchFamily="65" charset="-120"/>
+                <a:ea typeface="標楷體" panose="03000509000000000000" pitchFamily="65" charset="-120"/>
+              </a:rPr>
+              <a:t>終點</a:t>
+            </a:r>
+          </a:p>
+        </p:txBody>
+      </p:sp>
+      <p:sp>
+        <p:nvSpPr>
+          <p:cNvPr id="10" name="文字方塊 9">
+            <a:extLst>
+              <a:ext uri="{FF2B5EF4-FFF2-40B4-BE49-F238E27FC236}">
+                <a16:creationId xmlns:a16="http://schemas.microsoft.com/office/drawing/2014/main" id="{E24CD2C8-46A2-450C-9CA0-485274647932}"/>
+              </a:ext>
+            </a:extLst>
+          </p:cNvPr>
+          <p:cNvSpPr txBox="1"/>
+          <p:nvPr/>
+        </p:nvSpPr>
+        <p:spPr>
+          <a:xfrm>
+            <a:off x="2605583" y="5466765"/>
+            <a:ext cx="1996168" cy="369332"/>
+          </a:xfrm>
+          <a:prstGeom prst="rect">
+            <a:avLst/>
+          </a:prstGeom>
+          <a:noFill/>
+        </p:spPr>
+        <p:txBody>
+          <a:bodyPr wrap="square">
+            <a:spAutoFit/>
+          </a:bodyPr>
+          <a:lstStyle/>
+          <a:p>
+            <a:r>
+              <a:rPr lang="zh-TW" altLang="en-US" dirty="0">
+                <a:latin typeface="標楷體" panose="03000509000000000000" pitchFamily="65" charset="-120"/>
+                <a:ea typeface="標楷體" panose="03000509000000000000" pitchFamily="65" charset="-120"/>
+              </a:rPr>
+              <a:t>圖</a:t>
+            </a:r>
+            <a:r>
+              <a:rPr lang="en-US" altLang="zh-TW" dirty="0">
+                <a:latin typeface="標楷體" panose="03000509000000000000" pitchFamily="65" charset="-120"/>
+                <a:ea typeface="標楷體" panose="03000509000000000000" pitchFamily="65" charset="-120"/>
+              </a:rPr>
+              <a:t>2.</a:t>
+            </a:r>
+            <a:r>
+              <a:rPr lang="zh-TW" altLang="en-US" dirty="0">
+                <a:latin typeface="標楷體" panose="03000509000000000000" pitchFamily="65" charset="-120"/>
+                <a:ea typeface="標楷體" panose="03000509000000000000" pitchFamily="65" charset="-120"/>
+              </a:rPr>
+              <a:t>前</a:t>
+            </a:r>
+            <a:r>
+              <a:rPr lang="en-US" altLang="zh-TW" dirty="0">
+                <a:latin typeface="標楷體" panose="03000509000000000000" pitchFamily="65" charset="-120"/>
+                <a:ea typeface="標楷體" panose="03000509000000000000" pitchFamily="65" charset="-120"/>
+              </a:rPr>
+              <a:t>14</a:t>
+            </a:r>
+            <a:r>
+              <a:rPr lang="zh-TW" altLang="en-US" dirty="0">
+                <a:latin typeface="標楷體" panose="03000509000000000000" pitchFamily="65" charset="-120"/>
+                <a:ea typeface="標楷體" panose="03000509000000000000" pitchFamily="65" charset="-120"/>
+              </a:rPr>
+              <a:t>行</a:t>
+            </a:r>
+          </a:p>
+        </p:txBody>
+      </p:sp>
+      <p:pic>
+        <p:nvPicPr>
+          <p:cNvPr id="5" name="圖片 4">
+            <a:extLst>
+              <a:ext uri="{FF2B5EF4-FFF2-40B4-BE49-F238E27FC236}">
+                <a16:creationId xmlns:a16="http://schemas.microsoft.com/office/drawing/2014/main" id="{0C436353-ABCC-4843-B672-03A090CC4A63}"/>
+              </a:ext>
+            </a:extLst>
+          </p:cNvPr>
+          <p:cNvPicPr>
+            <a:picLocks noChangeAspect="1"/>
+          </p:cNvPicPr>
+          <p:nvPr/>
+        </p:nvPicPr>
+        <p:blipFill>
+          <a:blip r:embed="rId3"/>
+          <a:stretch>
+            <a:fillRect/>
+          </a:stretch>
+        </p:blipFill>
+        <p:spPr>
+          <a:xfrm>
+            <a:off x="487860" y="2783140"/>
+            <a:ext cx="5319177" cy="2484123"/>
+          </a:xfrm>
+          <a:prstGeom prst="rect">
+            <a:avLst/>
+          </a:prstGeom>
+        </p:spPr>
+      </p:pic>
+      <p:pic>
+        <p:nvPicPr>
+          <p:cNvPr id="7" name="圖片 6">
+            <a:extLst>
+              <a:ext uri="{FF2B5EF4-FFF2-40B4-BE49-F238E27FC236}">
+                <a16:creationId xmlns:a16="http://schemas.microsoft.com/office/drawing/2014/main" id="{3277CEC6-91D4-4A87-9C3E-D381D2DE4B8D}"/>
+              </a:ext>
+            </a:extLst>
+          </p:cNvPr>
+          <p:cNvPicPr>
+            <a:picLocks noChangeAspect="1"/>
+          </p:cNvPicPr>
+          <p:nvPr/>
+        </p:nvPicPr>
+        <p:blipFill>
+          <a:blip r:embed="rId4"/>
+          <a:stretch>
+            <a:fillRect/>
+          </a:stretch>
+        </p:blipFill>
+        <p:spPr>
+          <a:xfrm>
+            <a:off x="5997771" y="2783140"/>
+            <a:ext cx="5784459" cy="2464408"/>
+          </a:xfrm>
+          <a:prstGeom prst="rect">
+            <a:avLst/>
+          </a:prstGeom>
+        </p:spPr>
+      </p:pic>
     </p:spTree>
     <p:extLst>
       <p:ext uri="{BB962C8B-B14F-4D97-AF65-F5344CB8AC3E}">
-        <p14:creationId xmlns:p14="http://schemas.microsoft.com/office/powerpoint/2010/main" val="3698673102"/>
+        <p14:creationId xmlns:p14="http://schemas.microsoft.com/office/powerpoint/2010/main" val="3393776245"/>
       </p:ext>
     </p:extLst>
   </p:cSld>
@@ -13919,6 +13511,885 @@
       </p:grpSpPr>
       <p:sp>
         <p:nvSpPr>
+          <p:cNvPr id="3" name="標題 2"/>
+          <p:cNvSpPr>
+            <a:spLocks noGrp="1"/>
+          </p:cNvSpPr>
+          <p:nvPr>
+            <p:ph type="title"/>
+          </p:nvPr>
+        </p:nvSpPr>
+        <p:spPr>
+          <a:xfrm>
+            <a:off x="838200" y="365125"/>
+            <a:ext cx="10515600" cy="720000"/>
+          </a:xfrm>
+        </p:spPr>
+        <p:txBody>
+          <a:bodyPr>
+            <a:noAutofit/>
+          </a:bodyPr>
+          <a:lstStyle/>
+          <a:p>
+            <a:r>
+              <a:rPr lang="zh-TW" altLang="en-US" sz="3200" dirty="0"/>
+              <a:t>成果展示 </a:t>
+            </a:r>
+            <a:r>
+              <a:rPr lang="en-US" altLang="zh-TW" sz="3200" dirty="0"/>
+              <a:t>–</a:t>
+            </a:r>
+            <a:r>
+              <a:rPr lang="en-US" altLang="zh-TW" sz="3200" dirty="0" err="1">
+                <a:ea typeface="Tahoma" panose="020B0604030504040204" pitchFamily="34" charset="0"/>
+              </a:rPr>
+              <a:t>Bram_VGA</a:t>
+            </a:r>
+            <a:r>
+              <a:rPr lang="zh-TW" altLang="en-US" sz="3200" dirty="0">
+                <a:latin typeface="標楷體" panose="03000509000000000000" pitchFamily="65" charset="-120"/>
+              </a:rPr>
+              <a:t>波形模擬</a:t>
+            </a:r>
+            <a:r>
+              <a:rPr lang="en-US" altLang="zh-TW" sz="3200" dirty="0"/>
+              <a:t>(2023/5/4)</a:t>
+            </a:r>
+            <a:endParaRPr lang="zh-TW" altLang="en-US" sz="3200" dirty="0"/>
+          </a:p>
+        </p:txBody>
+      </p:sp>
+      <p:sp>
+        <p:nvSpPr>
+          <p:cNvPr id="14" name="文字方塊 13">
+            <a:extLst>
+              <a:ext uri="{FF2B5EF4-FFF2-40B4-BE49-F238E27FC236}">
+                <a16:creationId xmlns:a16="http://schemas.microsoft.com/office/drawing/2014/main" id="{E4E592F9-FC71-4DD1-9118-16844995CC7F}"/>
+              </a:ext>
+            </a:extLst>
+          </p:cNvPr>
+          <p:cNvSpPr txBox="1"/>
+          <p:nvPr/>
+        </p:nvSpPr>
+        <p:spPr>
+          <a:xfrm>
+            <a:off x="2022446" y="1365672"/>
+            <a:ext cx="5373306" cy="923330"/>
+          </a:xfrm>
+          <a:prstGeom prst="rect">
+            <a:avLst/>
+          </a:prstGeom>
+          <a:noFill/>
+        </p:spPr>
+        <p:txBody>
+          <a:bodyPr wrap="square">
+            <a:spAutoFit/>
+          </a:bodyPr>
+          <a:lstStyle/>
+          <a:p>
+            <a:pPr marL="285750" indent="-285750">
+              <a:buFont typeface="Arial" panose="020B0604020202020204" pitchFamily="34" charset="0"/>
+              <a:buChar char="•"/>
+            </a:pPr>
+            <a:r>
+              <a:rPr lang="zh-TW" altLang="en-US" dirty="0">
+                <a:latin typeface="標楷體" panose="03000509000000000000" pitchFamily="65" charset="-120"/>
+                <a:ea typeface="標楷體" panose="03000509000000000000" pitchFamily="65" charset="-120"/>
+              </a:rPr>
+              <a:t>整體波形模擬</a:t>
+            </a:r>
+            <a:r>
+              <a:rPr lang="en-US" altLang="zh-TW" dirty="0">
+                <a:latin typeface="標楷體" panose="03000509000000000000" pitchFamily="65" charset="-120"/>
+                <a:ea typeface="標楷體" panose="03000509000000000000" pitchFamily="65" charset="-120"/>
+              </a:rPr>
+              <a:t>:</a:t>
+            </a:r>
+          </a:p>
+          <a:p>
+            <a:pPr marL="742950" lvl="1" indent="-285750">
+              <a:buFont typeface="Arial" panose="020B0604020202020204" pitchFamily="34" charset="0"/>
+              <a:buChar char="•"/>
+            </a:pPr>
+            <a:r>
+              <a:rPr kumimoji="0" lang="en-US" altLang="zh-TW" sz="1800" b="0" i="0" u="none" strike="noStrike" kern="1200" cap="none" spc="0" normalizeH="0" baseline="0" noProof="0" dirty="0" err="1">
+                <a:ln>
+                  <a:noFill/>
+                </a:ln>
+                <a:solidFill>
+                  <a:prstClr val="black"/>
+                </a:solidFill>
+                <a:effectLst/>
+                <a:uLnTx/>
+                <a:uFillTx/>
+                <a:latin typeface="Times New Roman" panose="02020603050405020304" pitchFamily="18" charset="0"/>
+                <a:ea typeface="新細明體" panose="02020500000000000000" pitchFamily="18" charset="-120"/>
+                <a:cs typeface="Times New Roman" panose="02020603050405020304" pitchFamily="18" charset="0"/>
+              </a:rPr>
+              <a:t>move_clk</a:t>
+            </a:r>
+            <a:r>
+              <a:rPr kumimoji="0" lang="en-US" altLang="zh-TW" sz="1800" b="0" i="0" u="none" strike="noStrike" kern="1200" cap="none" spc="0" normalizeH="0" baseline="0" noProof="0" dirty="0">
+                <a:ln>
+                  <a:noFill/>
+                </a:ln>
+                <a:solidFill>
+                  <a:prstClr val="black"/>
+                </a:solidFill>
+                <a:effectLst/>
+                <a:uLnTx/>
+                <a:uFillTx/>
+                <a:latin typeface="Times New Roman" panose="02020603050405020304" pitchFamily="18" charset="0"/>
+                <a:ea typeface="新細明體" panose="02020500000000000000" pitchFamily="18" charset="-120"/>
+                <a:cs typeface="Times New Roman" panose="02020603050405020304" pitchFamily="18" charset="0"/>
+              </a:rPr>
+              <a:t> = </a:t>
+            </a:r>
+            <a:r>
+              <a:rPr lang="en-US" altLang="zh-TW" dirty="0">
+                <a:latin typeface="標楷體" panose="03000509000000000000" pitchFamily="65" charset="-120"/>
+                <a:ea typeface="標楷體" panose="03000509000000000000" pitchFamily="65" charset="-120"/>
+              </a:rPr>
+              <a:t>59.524</a:t>
+            </a:r>
+            <a:r>
+              <a:rPr kumimoji="0" lang="en-US" altLang="zh-TW" sz="1800" b="0" i="0" u="none" strike="noStrike" kern="1200" cap="none" spc="0" normalizeH="0" baseline="0" noProof="0" dirty="0">
+                <a:ln>
+                  <a:noFill/>
+                </a:ln>
+                <a:solidFill>
+                  <a:prstClr val="black"/>
+                </a:solidFill>
+                <a:effectLst/>
+                <a:uLnTx/>
+                <a:uFillTx/>
+                <a:latin typeface="Times New Roman" panose="02020603050405020304" pitchFamily="18" charset="0"/>
+                <a:ea typeface="新細明體" panose="02020500000000000000" pitchFamily="18" charset="-120"/>
+                <a:cs typeface="Times New Roman" panose="02020603050405020304" pitchFamily="18" charset="0"/>
+              </a:rPr>
+              <a:t> Hz</a:t>
+            </a:r>
+            <a:endParaRPr lang="en-US" altLang="zh-TW" dirty="0">
+              <a:latin typeface="Times New Roman" panose="02020603050405020304" pitchFamily="18" charset="0"/>
+              <a:ea typeface="標楷體" panose="03000509000000000000" pitchFamily="65" charset="-120"/>
+              <a:cs typeface="Times New Roman" panose="02020603050405020304" pitchFamily="18" charset="0"/>
+            </a:endParaRPr>
+          </a:p>
+          <a:p>
+            <a:pPr marL="742950" lvl="1" indent="-285750">
+              <a:buFont typeface="Arial" panose="020B0604020202020204" pitchFamily="34" charset="0"/>
+              <a:buChar char="•"/>
+            </a:pPr>
+            <a:r>
+              <a:rPr lang="zh-TW" altLang="en-US" dirty="0">
+                <a:latin typeface="標楷體" panose="03000509000000000000" pitchFamily="65" charset="-120"/>
+                <a:ea typeface="標楷體" panose="03000509000000000000" pitchFamily="65" charset="-120"/>
+              </a:rPr>
+              <a:t>學號</a:t>
+            </a:r>
+            <a:r>
+              <a:rPr lang="en-US" altLang="zh-TW" dirty="0">
+                <a:latin typeface="標楷體" panose="03000509000000000000" pitchFamily="65" charset="-120"/>
+                <a:ea typeface="標楷體" panose="03000509000000000000" pitchFamily="65" charset="-120"/>
+              </a:rPr>
+              <a:t>: 140x38 (8bits)</a:t>
+            </a:r>
+            <a:endParaRPr lang="zh-TW" altLang="en-US" dirty="0">
+              <a:latin typeface="標楷體" panose="03000509000000000000" pitchFamily="65" charset="-120"/>
+              <a:ea typeface="標楷體" panose="03000509000000000000" pitchFamily="65" charset="-120"/>
+            </a:endParaRPr>
+          </a:p>
+        </p:txBody>
+      </p:sp>
+      <p:sp>
+        <p:nvSpPr>
+          <p:cNvPr id="10" name="文字方塊 9">
+            <a:extLst>
+              <a:ext uri="{FF2B5EF4-FFF2-40B4-BE49-F238E27FC236}">
+                <a16:creationId xmlns:a16="http://schemas.microsoft.com/office/drawing/2014/main" id="{E24CD2C8-46A2-450C-9CA0-485274647932}"/>
+              </a:ext>
+            </a:extLst>
+          </p:cNvPr>
+          <p:cNvSpPr txBox="1"/>
+          <p:nvPr/>
+        </p:nvSpPr>
+        <p:spPr>
+          <a:xfrm>
+            <a:off x="7462542" y="5709993"/>
+            <a:ext cx="1996168" cy="369332"/>
+          </a:xfrm>
+          <a:prstGeom prst="rect">
+            <a:avLst/>
+          </a:prstGeom>
+          <a:noFill/>
+        </p:spPr>
+        <p:txBody>
+          <a:bodyPr wrap="square">
+            <a:spAutoFit/>
+          </a:bodyPr>
+          <a:lstStyle/>
+          <a:p>
+            <a:r>
+              <a:rPr lang="zh-TW" altLang="en-US" dirty="0">
+                <a:latin typeface="標楷體" panose="03000509000000000000" pitchFamily="65" charset="-120"/>
+                <a:ea typeface="標楷體" panose="03000509000000000000" pitchFamily="65" charset="-120"/>
+              </a:rPr>
+              <a:t>圖</a:t>
+            </a:r>
+            <a:r>
+              <a:rPr lang="en-US" altLang="zh-TW" dirty="0">
+                <a:latin typeface="標楷體" panose="03000509000000000000" pitchFamily="65" charset="-120"/>
+                <a:ea typeface="標楷體" panose="03000509000000000000" pitchFamily="65" charset="-120"/>
+              </a:rPr>
+              <a:t>4.</a:t>
+            </a:r>
+            <a:r>
+              <a:rPr lang="zh-TW" altLang="en-US" dirty="0">
+                <a:latin typeface="標楷體" panose="03000509000000000000" pitchFamily="65" charset="-120"/>
+                <a:ea typeface="標楷體" panose="03000509000000000000" pitchFamily="65" charset="-120"/>
+              </a:rPr>
+              <a:t>單幀全圖</a:t>
+            </a:r>
+          </a:p>
+        </p:txBody>
+      </p:sp>
+      <p:sp>
+        <p:nvSpPr>
+          <p:cNvPr id="6" name="文字方塊 5">
+            <a:extLst>
+              <a:ext uri="{FF2B5EF4-FFF2-40B4-BE49-F238E27FC236}">
+                <a16:creationId xmlns:a16="http://schemas.microsoft.com/office/drawing/2014/main" id="{2F3346EE-318A-4DF8-8A3C-51A3B2C14DD6}"/>
+              </a:ext>
+            </a:extLst>
+          </p:cNvPr>
+          <p:cNvSpPr txBox="1"/>
+          <p:nvPr/>
+        </p:nvSpPr>
+        <p:spPr>
+          <a:xfrm>
+            <a:off x="7374597" y="1411839"/>
+            <a:ext cx="3126801" cy="1754326"/>
+          </a:xfrm>
+          <a:prstGeom prst="rect">
+            <a:avLst/>
+          </a:prstGeom>
+          <a:noFill/>
+        </p:spPr>
+        <p:txBody>
+          <a:bodyPr wrap="square">
+            <a:spAutoFit/>
+          </a:bodyPr>
+          <a:lstStyle/>
+          <a:p>
+            <a:r>
+              <a:rPr lang="zh-TW" altLang="en-US" dirty="0">
+                <a:latin typeface="標楷體" panose="03000509000000000000" pitchFamily="65" charset="-120"/>
+                <a:ea typeface="標楷體" panose="03000509000000000000" pitchFamily="65" charset="-120"/>
+              </a:rPr>
+              <a:t>每個像素</a:t>
+            </a:r>
+            <a:r>
+              <a:rPr lang="en-US" altLang="zh-TW" dirty="0">
+                <a:latin typeface="標楷體" panose="03000509000000000000" pitchFamily="65" charset="-120"/>
+                <a:ea typeface="標楷體" panose="03000509000000000000" pitchFamily="65" charset="-120"/>
+              </a:rPr>
+              <a:t>:</a:t>
+            </a:r>
+            <a:r>
+              <a:rPr lang="zh-TW" altLang="en-US" dirty="0">
+                <a:latin typeface="標楷體" panose="03000509000000000000" pitchFamily="65" charset="-120"/>
+                <a:ea typeface="標楷體" panose="03000509000000000000" pitchFamily="65" charset="-120"/>
+              </a:rPr>
+              <a:t> </a:t>
+            </a:r>
+            <a:r>
+              <a:rPr lang="en-US" altLang="zh-TW" dirty="0">
+                <a:latin typeface="標楷體" panose="03000509000000000000" pitchFamily="65" charset="-120"/>
+                <a:ea typeface="標楷體" panose="03000509000000000000" pitchFamily="65" charset="-120"/>
+              </a:rPr>
+              <a:t>1/50M </a:t>
+            </a:r>
+            <a:r>
+              <a:rPr lang="en-US" altLang="zh-TW" dirty="0">
+                <a:latin typeface="Times New Roman" panose="02020603050405020304" pitchFamily="18" charset="0"/>
+                <a:ea typeface="標楷體" panose="03000509000000000000" pitchFamily="65" charset="-120"/>
+                <a:cs typeface="Times New Roman" panose="02020603050405020304" pitchFamily="18" charset="0"/>
+              </a:rPr>
+              <a:t>sec</a:t>
+            </a:r>
+          </a:p>
+          <a:p>
+            <a:r>
+              <a:rPr lang="zh-TW" altLang="en-US" dirty="0">
+                <a:latin typeface="標楷體" panose="03000509000000000000" pitchFamily="65" charset="-120"/>
+                <a:ea typeface="標楷體" panose="03000509000000000000" pitchFamily="65" charset="-120"/>
+              </a:rPr>
+              <a:t>每張圖</a:t>
+            </a:r>
+            <a:r>
+              <a:rPr lang="en-US" altLang="zh-TW" dirty="0">
+                <a:latin typeface="標楷體" panose="03000509000000000000" pitchFamily="65" charset="-120"/>
+                <a:ea typeface="標楷體" panose="03000509000000000000" pitchFamily="65" charset="-120"/>
+              </a:rPr>
+              <a:t>:</a:t>
+            </a:r>
+            <a:r>
+              <a:rPr lang="zh-TW" altLang="en-US" dirty="0">
+                <a:latin typeface="標楷體" panose="03000509000000000000" pitchFamily="65" charset="-120"/>
+                <a:ea typeface="標楷體" panose="03000509000000000000" pitchFamily="65" charset="-120"/>
+              </a:rPr>
+              <a:t> </a:t>
+            </a:r>
+            <a:r>
+              <a:rPr lang="en-US" altLang="zh-TW" dirty="0">
+                <a:latin typeface="標楷體" panose="03000509000000000000" pitchFamily="65" charset="-120"/>
+                <a:ea typeface="標楷體" panose="03000509000000000000" pitchFamily="65" charset="-120"/>
+              </a:rPr>
+              <a:t>800x525x1/50M </a:t>
+            </a:r>
+            <a:r>
+              <a:rPr lang="en-US" altLang="zh-TW" dirty="0">
+                <a:latin typeface="Times New Roman" panose="02020603050405020304" pitchFamily="18" charset="0"/>
+                <a:ea typeface="標楷體" panose="03000509000000000000" pitchFamily="65" charset="-120"/>
+                <a:cs typeface="Times New Roman" panose="02020603050405020304" pitchFamily="18" charset="0"/>
+              </a:rPr>
+              <a:t>sec</a:t>
+            </a:r>
+          </a:p>
+          <a:p>
+            <a:r>
+              <a:rPr lang="en-US" altLang="zh-TW" dirty="0">
+                <a:latin typeface="Times New Roman" panose="02020603050405020304" pitchFamily="18" charset="0"/>
+                <a:ea typeface="標楷體" panose="03000509000000000000" pitchFamily="65" charset="-120"/>
+                <a:cs typeface="Times New Roman" panose="02020603050405020304" pitchFamily="18" charset="0"/>
+              </a:rPr>
+              <a:t>	≈16.8ms</a:t>
+            </a:r>
+            <a:endParaRPr lang="en-US" altLang="zh-TW" dirty="0">
+              <a:latin typeface="標楷體" panose="03000509000000000000" pitchFamily="65" charset="-120"/>
+              <a:ea typeface="標楷體" panose="03000509000000000000" pitchFamily="65" charset="-120"/>
+            </a:endParaRPr>
+          </a:p>
+          <a:p>
+            <a:r>
+              <a:rPr lang="en-US" altLang="zh-TW" dirty="0" err="1">
+                <a:latin typeface="標楷體" panose="03000509000000000000" pitchFamily="65" charset="-120"/>
+                <a:ea typeface="標楷體" panose="03000509000000000000" pitchFamily="65" charset="-120"/>
+              </a:rPr>
+              <a:t>T</a:t>
+            </a:r>
+            <a:r>
+              <a:rPr lang="en-US" altLang="zh-TW" sz="1400" dirty="0" err="1">
+                <a:latin typeface="Times New Roman" panose="02020603050405020304" pitchFamily="18" charset="0"/>
+                <a:ea typeface="標楷體" panose="03000509000000000000" pitchFamily="65" charset="-120"/>
+                <a:cs typeface="Times New Roman" panose="02020603050405020304" pitchFamily="18" charset="0"/>
+              </a:rPr>
+              <a:t>move</a:t>
+            </a:r>
+            <a:r>
+              <a:rPr lang="en-US" altLang="zh-TW" sz="1400" dirty="0">
+                <a:latin typeface="標楷體" panose="03000509000000000000" pitchFamily="65" charset="-120"/>
+                <a:ea typeface="標楷體" panose="03000509000000000000" pitchFamily="65" charset="-120"/>
+              </a:rPr>
+              <a:t> </a:t>
+            </a:r>
+            <a:r>
+              <a:rPr lang="en-US" altLang="zh-TW" dirty="0">
+                <a:latin typeface="標楷體" panose="03000509000000000000" pitchFamily="65" charset="-120"/>
+                <a:ea typeface="標楷體" panose="03000509000000000000" pitchFamily="65" charset="-120"/>
+              </a:rPr>
+              <a:t>&gt; </a:t>
+            </a:r>
+            <a:r>
+              <a:rPr lang="zh-TW" altLang="en-US" dirty="0">
+                <a:latin typeface="標楷體" panose="03000509000000000000" pitchFamily="65" charset="-120"/>
+                <a:ea typeface="標楷體" panose="03000509000000000000" pitchFamily="65" charset="-120"/>
+              </a:rPr>
+              <a:t>單張圖</a:t>
+            </a:r>
+            <a:r>
+              <a:rPr lang="en-US" altLang="zh-TW" dirty="0">
+                <a:latin typeface="標楷體" panose="03000509000000000000" pitchFamily="65" charset="-120"/>
+                <a:ea typeface="標楷體" panose="03000509000000000000" pitchFamily="65" charset="-120"/>
+              </a:rPr>
+              <a:t>(16.8ms)</a:t>
+            </a:r>
+          </a:p>
+          <a:p>
+            <a:r>
+              <a:rPr lang="en-US" altLang="zh-TW" dirty="0" err="1">
+                <a:latin typeface="Times New Roman" panose="02020603050405020304" pitchFamily="18" charset="0"/>
+                <a:ea typeface="標楷體" panose="03000509000000000000" pitchFamily="65" charset="-120"/>
+                <a:cs typeface="Times New Roman" panose="02020603050405020304" pitchFamily="18" charset="0"/>
+              </a:rPr>
+              <a:t>move_clk</a:t>
+            </a:r>
+            <a:r>
+              <a:rPr lang="en-US" altLang="zh-TW" dirty="0">
+                <a:latin typeface="Times New Roman" panose="02020603050405020304" pitchFamily="18" charset="0"/>
+                <a:ea typeface="標楷體" panose="03000509000000000000" pitchFamily="65" charset="-120"/>
+                <a:cs typeface="Times New Roman" panose="02020603050405020304" pitchFamily="18" charset="0"/>
+              </a:rPr>
+              <a:t> </a:t>
+            </a:r>
+            <a:r>
+              <a:rPr lang="en-US" altLang="zh-TW" dirty="0">
+                <a:latin typeface="標楷體" panose="03000509000000000000" pitchFamily="65" charset="-120"/>
+                <a:ea typeface="標楷體" panose="03000509000000000000" pitchFamily="65" charset="-120"/>
+              </a:rPr>
+              <a:t>≦ 59.524(Hz) </a:t>
+            </a:r>
+          </a:p>
+          <a:p>
+            <a:r>
+              <a:rPr lang="en-US" altLang="zh-TW" dirty="0">
+                <a:latin typeface="標楷體" panose="03000509000000000000" pitchFamily="65" charset="-120"/>
+                <a:ea typeface="標楷體" panose="03000509000000000000" pitchFamily="65" charset="-120"/>
+              </a:rPr>
+              <a:t>=&gt;100M/2^21 = 47.683(Hz)</a:t>
+            </a:r>
+            <a:endParaRPr lang="zh-TW" altLang="en-US" dirty="0">
+              <a:latin typeface="標楷體" panose="03000509000000000000" pitchFamily="65" charset="-120"/>
+              <a:ea typeface="標楷體" panose="03000509000000000000" pitchFamily="65" charset="-120"/>
+            </a:endParaRPr>
+          </a:p>
+        </p:txBody>
+      </p:sp>
+      <p:pic>
+        <p:nvPicPr>
+          <p:cNvPr id="4" name="圖片 3">
+            <a:extLst>
+              <a:ext uri="{FF2B5EF4-FFF2-40B4-BE49-F238E27FC236}">
+                <a16:creationId xmlns:a16="http://schemas.microsoft.com/office/drawing/2014/main" id="{BA8AE6C9-8907-4B60-8EE9-D3B3ABC11CF6}"/>
+              </a:ext>
+            </a:extLst>
+          </p:cNvPr>
+          <p:cNvPicPr>
+            <a:picLocks noChangeAspect="1"/>
+          </p:cNvPicPr>
+          <p:nvPr/>
+        </p:nvPicPr>
+        <p:blipFill>
+          <a:blip r:embed="rId3"/>
+          <a:stretch>
+            <a:fillRect/>
+          </a:stretch>
+        </p:blipFill>
+        <p:spPr>
+          <a:xfrm>
+            <a:off x="355835" y="2692400"/>
+            <a:ext cx="6959496" cy="3389465"/>
+          </a:xfrm>
+          <a:prstGeom prst="rect">
+            <a:avLst/>
+          </a:prstGeom>
+        </p:spPr>
+      </p:pic>
+    </p:spTree>
+    <p:extLst>
+      <p:ext uri="{BB962C8B-B14F-4D97-AF65-F5344CB8AC3E}">
+        <p14:creationId xmlns:p14="http://schemas.microsoft.com/office/powerpoint/2010/main" val="882001098"/>
+      </p:ext>
+    </p:extLst>
+  </p:cSld>
+  <p:clrMapOvr>
+    <a:masterClrMapping/>
+  </p:clrMapOvr>
+</p:sld>
+</file>
+
+<file path=ppt/slides/slide33.xml><?xml version="1.0" encoding="utf-8"?>
+<p:sld xmlns:a="http://schemas.openxmlformats.org/drawingml/2006/main" xmlns:r="http://schemas.openxmlformats.org/officeDocument/2006/relationships" xmlns:p="http://schemas.openxmlformats.org/presentationml/2006/main">
+  <p:cSld>
+    <p:spTree>
+      <p:nvGrpSpPr>
+        <p:cNvPr id="1" name=""/>
+        <p:cNvGrpSpPr/>
+        <p:nvPr/>
+      </p:nvGrpSpPr>
+      <p:grpSpPr>
+        <a:xfrm>
+          <a:off x="0" y="0"/>
+          <a:ext cx="0" cy="0"/>
+          <a:chOff x="0" y="0"/>
+          <a:chExt cx="0" cy="0"/>
+        </a:xfrm>
+      </p:grpSpPr>
+      <p:sp>
+        <p:nvSpPr>
+          <p:cNvPr id="3" name="標題 2"/>
+          <p:cNvSpPr>
+            <a:spLocks noGrp="1"/>
+          </p:cNvSpPr>
+          <p:nvPr>
+            <p:ph type="title"/>
+          </p:nvPr>
+        </p:nvSpPr>
+        <p:spPr>
+          <a:xfrm>
+            <a:off x="838200" y="365125"/>
+            <a:ext cx="10515600" cy="720000"/>
+          </a:xfrm>
+        </p:spPr>
+        <p:txBody>
+          <a:bodyPr>
+            <a:noAutofit/>
+          </a:bodyPr>
+          <a:lstStyle/>
+          <a:p>
+            <a:r>
+              <a:rPr lang="zh-TW" altLang="en-US" sz="3200" dirty="0"/>
+              <a:t>成果展示 </a:t>
+            </a:r>
+            <a:r>
+              <a:rPr lang="en-US" altLang="zh-TW" sz="3200" dirty="0"/>
+              <a:t>–</a:t>
+            </a:r>
+            <a:r>
+              <a:rPr lang="zh-TW" altLang="en-US" sz="3200" dirty="0">
+                <a:latin typeface="標楷體" panose="03000509000000000000" pitchFamily="65" charset="-120"/>
+              </a:rPr>
+              <a:t>單元測試</a:t>
+            </a:r>
+            <a:r>
+              <a:rPr lang="en-US" altLang="zh-TW" sz="3200" dirty="0">
+                <a:latin typeface="標楷體" panose="03000509000000000000" pitchFamily="65" charset="-120"/>
+              </a:rPr>
+              <a:t>:</a:t>
+            </a:r>
+            <a:r>
+              <a:rPr lang="zh-TW" altLang="en-US" sz="3200" dirty="0"/>
+              <a:t>字母、號碼</a:t>
+            </a:r>
+            <a:r>
+              <a:rPr lang="en-US" altLang="zh-TW" sz="3200" dirty="0"/>
+              <a:t>(2023/5/7)</a:t>
+            </a:r>
+            <a:endParaRPr lang="zh-TW" altLang="en-US" sz="3200" dirty="0"/>
+          </a:p>
+        </p:txBody>
+      </p:sp>
+      <p:sp>
+        <p:nvSpPr>
+          <p:cNvPr id="14" name="文字方塊 13">
+            <a:extLst>
+              <a:ext uri="{FF2B5EF4-FFF2-40B4-BE49-F238E27FC236}">
+                <a16:creationId xmlns:a16="http://schemas.microsoft.com/office/drawing/2014/main" id="{E4E592F9-FC71-4DD1-9118-16844995CC7F}"/>
+              </a:ext>
+            </a:extLst>
+          </p:cNvPr>
+          <p:cNvSpPr txBox="1"/>
+          <p:nvPr/>
+        </p:nvSpPr>
+        <p:spPr>
+          <a:xfrm>
+            <a:off x="2022446" y="1472203"/>
+            <a:ext cx="5373306" cy="646331"/>
+          </a:xfrm>
+          <a:prstGeom prst="rect">
+            <a:avLst/>
+          </a:prstGeom>
+          <a:noFill/>
+        </p:spPr>
+        <p:txBody>
+          <a:bodyPr wrap="square">
+            <a:spAutoFit/>
+          </a:bodyPr>
+          <a:lstStyle/>
+          <a:p>
+            <a:pPr marL="285750" indent="-285750">
+              <a:buFont typeface="Arial" panose="020B0604020202020204" pitchFamily="34" charset="0"/>
+              <a:buChar char="•"/>
+            </a:pPr>
+            <a:r>
+              <a:rPr lang="zh-TW" altLang="en-US" dirty="0">
+                <a:latin typeface="標楷體" panose="03000509000000000000" pitchFamily="65" charset="-120"/>
+                <a:ea typeface="標楷體" panose="03000509000000000000" pitchFamily="65" charset="-120"/>
+              </a:rPr>
+              <a:t>圖案比例</a:t>
+            </a:r>
+            <a:r>
+              <a:rPr lang="en-US" altLang="zh-TW" dirty="0">
+                <a:latin typeface="標楷體" panose="03000509000000000000" pitchFamily="65" charset="-120"/>
+                <a:ea typeface="標楷體" panose="03000509000000000000" pitchFamily="65" charset="-120"/>
+              </a:rPr>
+              <a:t>: </a:t>
+            </a:r>
+          </a:p>
+          <a:p>
+            <a:pPr marL="742950" lvl="1" indent="-285750">
+              <a:buFont typeface="Arial" panose="020B0604020202020204" pitchFamily="34" charset="0"/>
+              <a:buChar char="•"/>
+            </a:pPr>
+            <a:r>
+              <a:rPr lang="zh-TW" altLang="en-US" dirty="0">
+                <a:latin typeface="標楷體" panose="03000509000000000000" pitchFamily="65" charset="-120"/>
+                <a:ea typeface="標楷體" panose="03000509000000000000" pitchFamily="65" charset="-120"/>
+              </a:rPr>
+              <a:t>學號</a:t>
+            </a:r>
+            <a:r>
+              <a:rPr lang="en-US" altLang="zh-TW" dirty="0">
+                <a:latin typeface="標楷體" panose="03000509000000000000" pitchFamily="65" charset="-120"/>
+                <a:ea typeface="標楷體" panose="03000509000000000000" pitchFamily="65" charset="-120"/>
+              </a:rPr>
+              <a:t>: 140x38 (8bits)</a:t>
+            </a:r>
+            <a:endParaRPr lang="zh-TW" altLang="en-US" dirty="0">
+              <a:latin typeface="標楷體" panose="03000509000000000000" pitchFamily="65" charset="-120"/>
+              <a:ea typeface="標楷體" panose="03000509000000000000" pitchFamily="65" charset="-120"/>
+            </a:endParaRPr>
+          </a:p>
+        </p:txBody>
+      </p:sp>
+      <p:sp>
+        <p:nvSpPr>
+          <p:cNvPr id="4" name="文字方塊 3">
+            <a:extLst>
+              <a:ext uri="{FF2B5EF4-FFF2-40B4-BE49-F238E27FC236}">
+                <a16:creationId xmlns:a16="http://schemas.microsoft.com/office/drawing/2014/main" id="{ED2814D5-88C3-433F-99B6-BECD9FEA1494}"/>
+              </a:ext>
+            </a:extLst>
+          </p:cNvPr>
+          <p:cNvSpPr txBox="1"/>
+          <p:nvPr/>
+        </p:nvSpPr>
+        <p:spPr>
+          <a:xfrm>
+            <a:off x="5772014" y="5669617"/>
+            <a:ext cx="647972" cy="369332"/>
+          </a:xfrm>
+          <a:prstGeom prst="rect">
+            <a:avLst/>
+          </a:prstGeom>
+          <a:noFill/>
+        </p:spPr>
+        <p:txBody>
+          <a:bodyPr wrap="square">
+            <a:spAutoFit/>
+          </a:bodyPr>
+          <a:lstStyle/>
+          <a:p>
+            <a:r>
+              <a:rPr lang="zh-TW" altLang="en-US" dirty="0">
+                <a:latin typeface="標楷體" panose="03000509000000000000" pitchFamily="65" charset="-120"/>
+                <a:ea typeface="標楷體" panose="03000509000000000000" pitchFamily="65" charset="-120"/>
+              </a:rPr>
+              <a:t>學號</a:t>
+            </a:r>
+          </a:p>
+        </p:txBody>
+      </p:sp>
+    </p:spTree>
+    <p:extLst>
+      <p:ext uri="{BB962C8B-B14F-4D97-AF65-F5344CB8AC3E}">
+        <p14:creationId xmlns:p14="http://schemas.microsoft.com/office/powerpoint/2010/main" val="2902632193"/>
+      </p:ext>
+    </p:extLst>
+  </p:cSld>
+  <p:clrMapOvr>
+    <a:masterClrMapping/>
+  </p:clrMapOvr>
+</p:sld>
+</file>
+
+<file path=ppt/slides/slide34.xml><?xml version="1.0" encoding="utf-8"?>
+<p:sld xmlns:a="http://schemas.openxmlformats.org/drawingml/2006/main" xmlns:r="http://schemas.openxmlformats.org/officeDocument/2006/relationships" xmlns:p="http://schemas.openxmlformats.org/presentationml/2006/main">
+  <p:cSld>
+    <p:spTree>
+      <p:nvGrpSpPr>
+        <p:cNvPr id="1" name=""/>
+        <p:cNvGrpSpPr/>
+        <p:nvPr/>
+      </p:nvGrpSpPr>
+      <p:grpSpPr>
+        <a:xfrm>
+          <a:off x="0" y="0"/>
+          <a:ext cx="0" cy="0"/>
+          <a:chOff x="0" y="0"/>
+          <a:chExt cx="0" cy="0"/>
+        </a:xfrm>
+      </p:grpSpPr>
+      <p:sp>
+        <p:nvSpPr>
+          <p:cNvPr id="3" name="標題 2"/>
+          <p:cNvSpPr>
+            <a:spLocks noGrp="1"/>
+          </p:cNvSpPr>
+          <p:nvPr>
+            <p:ph type="title"/>
+          </p:nvPr>
+        </p:nvSpPr>
+        <p:spPr>
+          <a:xfrm>
+            <a:off x="838200" y="365125"/>
+            <a:ext cx="10515600" cy="720000"/>
+          </a:xfrm>
+        </p:spPr>
+        <p:txBody>
+          <a:bodyPr>
+            <a:noAutofit/>
+          </a:bodyPr>
+          <a:lstStyle/>
+          <a:p>
+            <a:r>
+              <a:rPr lang="zh-TW" altLang="en-US" sz="3200" dirty="0"/>
+              <a:t>成果展示 </a:t>
+            </a:r>
+            <a:r>
+              <a:rPr lang="en-US" altLang="zh-TW" sz="3200" dirty="0"/>
+              <a:t>–</a:t>
+            </a:r>
+            <a:r>
+              <a:rPr lang="zh-TW" altLang="en-US" sz="3200" dirty="0"/>
+              <a:t> </a:t>
+            </a:r>
+            <a:r>
+              <a:rPr lang="en-US" altLang="zh-TW" sz="3200" dirty="0" err="1"/>
+              <a:t>VGA_pong_BRam</a:t>
+            </a:r>
+            <a:r>
+              <a:rPr lang="en-US" altLang="zh-TW" sz="3200" dirty="0"/>
+              <a:t>(2023/5/7)</a:t>
+            </a:r>
+            <a:endParaRPr lang="zh-TW" altLang="en-US" sz="3200" dirty="0"/>
+          </a:p>
+        </p:txBody>
+      </p:sp>
+      <p:sp>
+        <p:nvSpPr>
+          <p:cNvPr id="14" name="文字方塊 13">
+            <a:extLst>
+              <a:ext uri="{FF2B5EF4-FFF2-40B4-BE49-F238E27FC236}">
+                <a16:creationId xmlns:a16="http://schemas.microsoft.com/office/drawing/2014/main" id="{E4E592F9-FC71-4DD1-9118-16844995CC7F}"/>
+              </a:ext>
+            </a:extLst>
+          </p:cNvPr>
+          <p:cNvSpPr txBox="1"/>
+          <p:nvPr/>
+        </p:nvSpPr>
+        <p:spPr>
+          <a:xfrm>
+            <a:off x="2022446" y="1472202"/>
+            <a:ext cx="5373306" cy="646331"/>
+          </a:xfrm>
+          <a:prstGeom prst="rect">
+            <a:avLst/>
+          </a:prstGeom>
+          <a:noFill/>
+        </p:spPr>
+        <p:txBody>
+          <a:bodyPr wrap="square">
+            <a:spAutoFit/>
+          </a:bodyPr>
+          <a:lstStyle/>
+          <a:p>
+            <a:r>
+              <a:rPr lang="en-US" altLang="zh-TW" sz="1800" kern="1200" baseline="0" dirty="0" err="1">
+                <a:solidFill>
+                  <a:srgbClr val="000000"/>
+                </a:solidFill>
+                <a:effectLst/>
+                <a:latin typeface="Times New Roman" panose="02020603050405020304" pitchFamily="18" charset="0"/>
+                <a:ea typeface="標楷體" panose="03000509000000000000" pitchFamily="65" charset="-120"/>
+                <a:cs typeface="+mj-cs"/>
+              </a:rPr>
+              <a:t>VGA_pong</a:t>
+            </a:r>
+            <a:endParaRPr lang="zh-TW" altLang="en-US" dirty="0">
+              <a:latin typeface="標楷體" panose="03000509000000000000" pitchFamily="65" charset="-120"/>
+              <a:ea typeface="標楷體" panose="03000509000000000000" pitchFamily="65" charset="-120"/>
+            </a:endParaRPr>
+          </a:p>
+          <a:p>
+            <a:pPr marL="285750" indent="-285750">
+              <a:buFont typeface="Arial" panose="020B0604020202020204" pitchFamily="34" charset="0"/>
+              <a:buChar char="•"/>
+            </a:pPr>
+            <a:r>
+              <a:rPr lang="zh-TW" altLang="en-US" dirty="0">
+                <a:latin typeface="Times New Roman" panose="02020603050405020304" pitchFamily="18" charset="0"/>
+                <a:ea typeface="標楷體" panose="03000509000000000000" pitchFamily="65" charset="-120"/>
+              </a:rPr>
+              <a:t>學號</a:t>
+            </a:r>
+            <a:endParaRPr lang="en-US" altLang="zh-TW" dirty="0">
+              <a:latin typeface="標楷體" panose="03000509000000000000" pitchFamily="65" charset="-120"/>
+              <a:ea typeface="標楷體" panose="03000509000000000000" pitchFamily="65" charset="-120"/>
+            </a:endParaRPr>
+          </a:p>
+        </p:txBody>
+      </p:sp>
+      <p:sp>
+        <p:nvSpPr>
+          <p:cNvPr id="5" name="文字方塊 4">
+            <a:extLst>
+              <a:ext uri="{FF2B5EF4-FFF2-40B4-BE49-F238E27FC236}">
+                <a16:creationId xmlns:a16="http://schemas.microsoft.com/office/drawing/2014/main" id="{7D31011E-9A66-434B-9EC7-95F8A4A33AA8}"/>
+              </a:ext>
+            </a:extLst>
+          </p:cNvPr>
+          <p:cNvSpPr txBox="1"/>
+          <p:nvPr/>
+        </p:nvSpPr>
+        <p:spPr>
+          <a:xfrm>
+            <a:off x="5510399" y="5554207"/>
+            <a:ext cx="1171202" cy="369332"/>
+          </a:xfrm>
+          <a:prstGeom prst="rect">
+            <a:avLst/>
+          </a:prstGeom>
+          <a:noFill/>
+        </p:spPr>
+        <p:txBody>
+          <a:bodyPr wrap="square">
+            <a:spAutoFit/>
+          </a:bodyPr>
+          <a:lstStyle/>
+          <a:p>
+            <a:r>
+              <a:rPr lang="zh-TW" altLang="en-US" dirty="0">
+                <a:latin typeface="標楷體" panose="03000509000000000000" pitchFamily="65" charset="-120"/>
+                <a:ea typeface="標楷體" panose="03000509000000000000" pitchFamily="65" charset="-120"/>
+              </a:rPr>
+              <a:t>來回接球</a:t>
+            </a:r>
+          </a:p>
+        </p:txBody>
+      </p:sp>
+    </p:spTree>
+    <p:extLst>
+      <p:ext uri="{BB962C8B-B14F-4D97-AF65-F5344CB8AC3E}">
+        <p14:creationId xmlns:p14="http://schemas.microsoft.com/office/powerpoint/2010/main" val="3698673102"/>
+      </p:ext>
+    </p:extLst>
+  </p:cSld>
+  <p:clrMapOvr>
+    <a:masterClrMapping/>
+  </p:clrMapOvr>
+</p:sld>
+</file>
+
+<file path=ppt/slides/slide35.xml><?xml version="1.0" encoding="utf-8"?>
+<p:sld xmlns:a="http://schemas.openxmlformats.org/drawingml/2006/main" xmlns:r="http://schemas.openxmlformats.org/officeDocument/2006/relationships" xmlns:p="http://schemas.openxmlformats.org/presentationml/2006/main">
+  <p:cSld>
+    <p:spTree>
+      <p:nvGrpSpPr>
+        <p:cNvPr id="1" name=""/>
+        <p:cNvGrpSpPr/>
+        <p:nvPr/>
+      </p:nvGrpSpPr>
+      <p:grpSpPr>
+        <a:xfrm>
+          <a:off x="0" y="0"/>
+          <a:ext cx="0" cy="0"/>
+          <a:chOff x="0" y="0"/>
+          <a:chExt cx="0" cy="0"/>
+        </a:xfrm>
+      </p:grpSpPr>
+      <p:sp>
+        <p:nvSpPr>
           <p:cNvPr id="2" name="內容版面配置區 1"/>
           <p:cNvSpPr>
             <a:spLocks noGrp="1"/>
@@ -14034,7 +14505,7 @@
 </p:sld>
 </file>
 
-<file path=ppt/slides/slide33.xml><?xml version="1.0" encoding="utf-8"?>
+<file path=ppt/slides/slide36.xml><?xml version="1.0" encoding="utf-8"?>
 <p:sld xmlns:a="http://schemas.openxmlformats.org/drawingml/2006/main" xmlns:r="http://schemas.openxmlformats.org/officeDocument/2006/relationships" xmlns:p="http://schemas.openxmlformats.org/presentationml/2006/main">
   <p:cSld>
     <p:spTree>
@@ -14393,7 +14864,7 @@
 </p:sld>
 </file>
 
-<file path=ppt/slides/slide34.xml><?xml version="1.0" encoding="utf-8"?>
+<file path=ppt/slides/slide37.xml><?xml version="1.0" encoding="utf-8"?>
 <p:sld xmlns:a="http://schemas.openxmlformats.org/drawingml/2006/main" xmlns:r="http://schemas.openxmlformats.org/officeDocument/2006/relationships" xmlns:p="http://schemas.openxmlformats.org/presentationml/2006/main">
   <p:cSld>
     <p:spTree>
@@ -14678,7 +15149,7 @@
 </p:sld>
 </file>
 
-<file path=ppt/slides/slide35.xml><?xml version="1.0" encoding="utf-8"?>
+<file path=ppt/slides/slide38.xml><?xml version="1.0" encoding="utf-8"?>
 <p:sld xmlns:a="http://schemas.openxmlformats.org/drawingml/2006/main" xmlns:r="http://schemas.openxmlformats.org/officeDocument/2006/relationships" xmlns:p="http://schemas.openxmlformats.org/presentationml/2006/main">
   <p:cSld>
     <p:spTree>
@@ -14939,7 +15410,7 @@
 </p:sld>
 </file>
 
-<file path=ppt/slides/slide36.xml><?xml version="1.0" encoding="utf-8"?>
+<file path=ppt/slides/slide39.xml><?xml version="1.0" encoding="utf-8"?>
 <p:sld xmlns:a="http://schemas.openxmlformats.org/drawingml/2006/main" xmlns:r="http://schemas.openxmlformats.org/officeDocument/2006/relationships" xmlns:p="http://schemas.openxmlformats.org/presentationml/2006/main">
   <p:cSld>
     <p:spTree>
@@ -15295,7 +15766,329 @@
 </p:sld>
 </file>
 
-<file path=ppt/slides/slide37.xml><?xml version="1.0" encoding="utf-8"?>
+<file path=ppt/slides/slide4.xml><?xml version="1.0" encoding="utf-8"?>
+<p:sld xmlns:a="http://schemas.openxmlformats.org/drawingml/2006/main" xmlns:r="http://schemas.openxmlformats.org/officeDocument/2006/relationships" xmlns:p="http://schemas.openxmlformats.org/presentationml/2006/main">
+  <p:cSld>
+    <p:spTree>
+      <p:nvGrpSpPr>
+        <p:cNvPr id="1" name=""/>
+        <p:cNvGrpSpPr/>
+        <p:nvPr/>
+      </p:nvGrpSpPr>
+      <p:grpSpPr>
+        <a:xfrm>
+          <a:off x="0" y="0"/>
+          <a:ext cx="0" cy="0"/>
+          <a:chOff x="0" y="0"/>
+          <a:chExt cx="0" cy="0"/>
+        </a:xfrm>
+      </p:grpSpPr>
+      <p:sp>
+        <p:nvSpPr>
+          <p:cNvPr id="3" name="標題 2"/>
+          <p:cNvSpPr>
+            <a:spLocks noGrp="1"/>
+          </p:cNvSpPr>
+          <p:nvPr>
+            <p:ph type="title"/>
+          </p:nvPr>
+        </p:nvSpPr>
+        <p:spPr/>
+        <p:txBody>
+          <a:bodyPr/>
+          <a:lstStyle/>
+          <a:p>
+            <a:r>
+              <a:rPr lang="zh-TW" altLang="en-US" dirty="0"/>
+              <a:t>控管記錄 </a:t>
+            </a:r>
+            <a:r>
+              <a:rPr lang="en-US" altLang="zh-TW" dirty="0"/>
+              <a:t>-</a:t>
+            </a:r>
+            <a:r>
+              <a:rPr lang="zh-TW" altLang="en-US" dirty="0"/>
+              <a:t> </a:t>
+            </a:r>
+            <a:r>
+              <a:rPr lang="en-US" altLang="zh-TW" dirty="0"/>
+              <a:t>Git (</a:t>
+            </a:r>
+            <a:r>
+              <a:rPr lang="en-US" altLang="zh-TW" sz="4400" dirty="0"/>
+              <a:t>2023/5/27</a:t>
+            </a:r>
+            <a:r>
+              <a:rPr lang="en-US" altLang="zh-TW" dirty="0"/>
+              <a:t>)</a:t>
+            </a:r>
+            <a:endParaRPr lang="zh-TW" altLang="en-US" dirty="0"/>
+          </a:p>
+        </p:txBody>
+      </p:sp>
+      <p:sp>
+        <p:nvSpPr>
+          <p:cNvPr id="6" name="文字方塊 5">
+            <a:extLst>
+              <a:ext uri="{FF2B5EF4-FFF2-40B4-BE49-F238E27FC236}">
+                <a16:creationId xmlns:a16="http://schemas.microsoft.com/office/drawing/2014/main" id="{A9630E79-417B-4A02-AC06-A6D82BBB95D7}"/>
+              </a:ext>
+            </a:extLst>
+          </p:cNvPr>
+          <p:cNvSpPr txBox="1"/>
+          <p:nvPr/>
+        </p:nvSpPr>
+        <p:spPr>
+          <a:xfrm>
+            <a:off x="926977" y="1372764"/>
+            <a:ext cx="6094520" cy="1015663"/>
+          </a:xfrm>
+          <a:prstGeom prst="rect">
+            <a:avLst/>
+          </a:prstGeom>
+          <a:noFill/>
+        </p:spPr>
+        <p:txBody>
+          <a:bodyPr wrap="square">
+            <a:spAutoFit/>
+          </a:bodyPr>
+          <a:lstStyle/>
+          <a:p>
+            <a:pPr marL="285750" marR="0" lvl="1" indent="-285750" algn="l" defTabSz="914400" rtl="0" eaLnBrk="1" fontAlgn="auto" latinLnBrk="0" hangingPunct="1">
+              <a:lnSpc>
+                <a:spcPct val="100000"/>
+              </a:lnSpc>
+              <a:spcBef>
+                <a:spcPts val="0"/>
+              </a:spcBef>
+              <a:spcAft>
+                <a:spcPts val="0"/>
+              </a:spcAft>
+              <a:buClrTx/>
+              <a:buSzTx/>
+              <a:buFontTx/>
+              <a:buNone/>
+              <a:tabLst/>
+              <a:defRPr/>
+            </a:pPr>
+            <a:r>
+              <a:rPr kumimoji="0" lang="zh-TW" altLang="en-US" sz="2000" b="0" i="0" u="none" strike="noStrike" kern="1200" cap="none" spc="0" normalizeH="0" baseline="0" noProof="0" dirty="0">
+                <a:ln>
+                  <a:noFill/>
+                </a:ln>
+                <a:solidFill>
+                  <a:prstClr val="black"/>
+                </a:solidFill>
+                <a:effectLst/>
+                <a:uLnTx/>
+                <a:uFillTx/>
+                <a:latin typeface="Times New Roman" panose="02020603050405020304" pitchFamily="18" charset="0"/>
+                <a:ea typeface="標楷體" panose="03000509000000000000" pitchFamily="65" charset="-120"/>
+                <a:cs typeface="+mn-cs"/>
+              </a:rPr>
+              <a:t>本週更新：</a:t>
+            </a:r>
+            <a:endParaRPr kumimoji="0" lang="en-US" altLang="zh-TW" sz="2000" b="0" i="0" u="none" strike="noStrike" kern="1200" cap="none" spc="0" normalizeH="0" baseline="0" noProof="0" dirty="0">
+              <a:ln>
+                <a:noFill/>
+              </a:ln>
+              <a:solidFill>
+                <a:prstClr val="black"/>
+              </a:solidFill>
+              <a:effectLst/>
+              <a:uLnTx/>
+              <a:uFillTx/>
+              <a:latin typeface="Times New Roman" panose="02020603050405020304" pitchFamily="18" charset="0"/>
+              <a:ea typeface="標楷體" panose="03000509000000000000" pitchFamily="65" charset="-120"/>
+              <a:cs typeface="+mn-cs"/>
+            </a:endParaRPr>
+          </a:p>
+          <a:p>
+            <a:pPr marL="285750" marR="0" lvl="1" indent="-285750" algn="l" defTabSz="914400" rtl="0" eaLnBrk="1" fontAlgn="auto" latinLnBrk="0" hangingPunct="1">
+              <a:lnSpc>
+                <a:spcPct val="100000"/>
+              </a:lnSpc>
+              <a:spcBef>
+                <a:spcPts val="0"/>
+              </a:spcBef>
+              <a:spcAft>
+                <a:spcPts val="0"/>
+              </a:spcAft>
+              <a:buClrTx/>
+              <a:buSzTx/>
+              <a:buFontTx/>
+              <a:buNone/>
+              <a:tabLst/>
+              <a:defRPr/>
+            </a:pPr>
+            <a:r>
+              <a:rPr kumimoji="0" lang="en-US" altLang="zh-TW" sz="2000" b="0" i="0" u="none" strike="noStrike" kern="1200" cap="none" spc="0" normalizeH="0" baseline="0" noProof="0" dirty="0">
+                <a:ln>
+                  <a:noFill/>
+                </a:ln>
+                <a:solidFill>
+                  <a:prstClr val="black"/>
+                </a:solidFill>
+                <a:effectLst/>
+                <a:uLnTx/>
+                <a:uFillTx/>
+                <a:latin typeface="Times New Roman" panose="02020603050405020304" pitchFamily="18" charset="0"/>
+                <a:ea typeface="標楷體" panose="03000509000000000000" pitchFamily="65" charset="-120"/>
+                <a:cs typeface="+mn-cs"/>
+              </a:rPr>
+              <a:t>G01: </a:t>
+            </a:r>
+            <a:r>
+              <a:rPr kumimoji="0" lang="en-US" altLang="zh-TW" sz="2000" b="0" i="0" u="none" strike="noStrike" kern="1200" cap="none" spc="0" normalizeH="0" baseline="0" noProof="0" dirty="0" err="1">
+                <a:ln>
+                  <a:noFill/>
+                </a:ln>
+                <a:solidFill>
+                  <a:prstClr val="black"/>
+                </a:solidFill>
+                <a:effectLst/>
+                <a:uLnTx/>
+                <a:uFillTx/>
+                <a:latin typeface="Times New Roman" panose="02020603050405020304" pitchFamily="18" charset="0"/>
+                <a:ea typeface="標楷體" panose="03000509000000000000" pitchFamily="65" charset="-120"/>
+                <a:cs typeface="+mn-cs"/>
+              </a:rPr>
+              <a:t>SourceCode</a:t>
+            </a:r>
+            <a:endParaRPr kumimoji="0" lang="en-US" altLang="zh-TW" sz="2000" b="0" i="0" u="none" strike="noStrike" kern="1200" cap="none" spc="0" normalizeH="0" baseline="0" noProof="0" dirty="0">
+              <a:ln>
+                <a:noFill/>
+              </a:ln>
+              <a:solidFill>
+                <a:prstClr val="black"/>
+              </a:solidFill>
+              <a:effectLst/>
+              <a:uLnTx/>
+              <a:uFillTx/>
+              <a:latin typeface="Times New Roman" panose="02020603050405020304" pitchFamily="18" charset="0"/>
+              <a:ea typeface="標楷體" panose="03000509000000000000" pitchFamily="65" charset="-120"/>
+              <a:cs typeface="+mn-cs"/>
+            </a:endParaRPr>
+          </a:p>
+          <a:p>
+            <a:pPr marL="285750" marR="0" lvl="1" indent="-285750" algn="l" defTabSz="914400" rtl="0" eaLnBrk="1" fontAlgn="auto" latinLnBrk="0" hangingPunct="1">
+              <a:lnSpc>
+                <a:spcPct val="100000"/>
+              </a:lnSpc>
+              <a:spcBef>
+                <a:spcPts val="0"/>
+              </a:spcBef>
+              <a:spcAft>
+                <a:spcPts val="0"/>
+              </a:spcAft>
+              <a:buClrTx/>
+              <a:buSzTx/>
+              <a:buFontTx/>
+              <a:buNone/>
+              <a:tabLst/>
+              <a:defRPr/>
+            </a:pPr>
+            <a:r>
+              <a:rPr lang="en-US" altLang="zh-TW" sz="2000" dirty="0">
+                <a:solidFill>
+                  <a:prstClr val="black"/>
+                </a:solidFill>
+                <a:latin typeface="Times New Roman" panose="02020603050405020304" pitchFamily="18" charset="0"/>
+                <a:ea typeface="標楷體" panose="03000509000000000000" pitchFamily="65" charset="-120"/>
+              </a:rPr>
+              <a:t>	FSM, </a:t>
+            </a:r>
+            <a:r>
+              <a:rPr lang="en-US" altLang="zh-TW" sz="2000" dirty="0" err="1">
+                <a:solidFill>
+                  <a:prstClr val="black"/>
+                </a:solidFill>
+                <a:latin typeface="Times New Roman" panose="02020603050405020304" pitchFamily="18" charset="0"/>
+                <a:ea typeface="標楷體" panose="03000509000000000000" pitchFamily="65" charset="-120"/>
+              </a:rPr>
+              <a:t>score_cnt</a:t>
+            </a:r>
+            <a:r>
+              <a:rPr lang="en-US" altLang="zh-TW" sz="2000" dirty="0">
+                <a:solidFill>
+                  <a:prstClr val="black"/>
+                </a:solidFill>
+                <a:latin typeface="Times New Roman" panose="02020603050405020304" pitchFamily="18" charset="0"/>
+                <a:ea typeface="標楷體" panose="03000509000000000000" pitchFamily="65" charset="-120"/>
+              </a:rPr>
+              <a:t>(</a:t>
+            </a:r>
+            <a:r>
+              <a:rPr lang="en-US" altLang="zh-TW" sz="2000" dirty="0" err="1">
+                <a:solidFill>
+                  <a:prstClr val="black"/>
+                </a:solidFill>
+                <a:latin typeface="Times New Roman" panose="02020603050405020304" pitchFamily="18" charset="0"/>
+                <a:ea typeface="標楷體" panose="03000509000000000000" pitchFamily="65" charset="-120"/>
+              </a:rPr>
+              <a:t>Number_Displey</a:t>
+            </a:r>
+            <a:endParaRPr kumimoji="0" lang="en-US" altLang="zh-TW" sz="2000" b="0" i="0" u="none" strike="noStrike" kern="1200" cap="none" spc="0" normalizeH="0" baseline="0" noProof="0" dirty="0">
+              <a:ln>
+                <a:noFill/>
+              </a:ln>
+              <a:solidFill>
+                <a:prstClr val="black"/>
+              </a:solidFill>
+              <a:effectLst/>
+              <a:uLnTx/>
+              <a:uFillTx/>
+              <a:latin typeface="Times New Roman" panose="02020603050405020304" pitchFamily="18" charset="0"/>
+              <a:ea typeface="標楷體" panose="03000509000000000000" pitchFamily="65" charset="-120"/>
+              <a:cs typeface="+mn-cs"/>
+            </a:endParaRPr>
+          </a:p>
+        </p:txBody>
+      </p:sp>
+      <p:pic>
+        <p:nvPicPr>
+          <p:cNvPr id="5" name="圖片 4">
+            <a:extLst>
+              <a:ext uri="{FF2B5EF4-FFF2-40B4-BE49-F238E27FC236}">
+                <a16:creationId xmlns:a16="http://schemas.microsoft.com/office/drawing/2014/main" id="{1106176C-36B0-43D0-957A-B01B7DEF4140}"/>
+              </a:ext>
+            </a:extLst>
+          </p:cNvPr>
+          <p:cNvPicPr>
+            <a:picLocks noChangeAspect="1"/>
+          </p:cNvPicPr>
+          <p:nvPr/>
+        </p:nvPicPr>
+        <p:blipFill>
+          <a:blip r:embed="rId2"/>
+          <a:stretch>
+            <a:fillRect/>
+          </a:stretch>
+        </p:blipFill>
+        <p:spPr>
+          <a:xfrm>
+            <a:off x="4528734" y="2388427"/>
+            <a:ext cx="6825066" cy="3695715"/>
+          </a:xfrm>
+          <a:prstGeom prst="rect">
+            <a:avLst/>
+          </a:prstGeom>
+        </p:spPr>
+      </p:pic>
+    </p:spTree>
+    <p:extLst>
+      <p:ext uri="{BB962C8B-B14F-4D97-AF65-F5344CB8AC3E}">
+        <p14:creationId xmlns:p14="http://schemas.microsoft.com/office/powerpoint/2010/main" val="2552787574"/>
+      </p:ext>
+    </p:extLst>
+  </p:cSld>
+  <p:clrMapOvr>
+    <a:masterClrMapping/>
+  </p:clrMapOvr>
+</p:sld>
+</file>
+
+<file path=ppt/slides/slide40.xml><?xml version="1.0" encoding="utf-8"?>
 <p:sld xmlns:a="http://schemas.openxmlformats.org/drawingml/2006/main" xmlns:r="http://schemas.openxmlformats.org/officeDocument/2006/relationships" xmlns:p="http://schemas.openxmlformats.org/presentationml/2006/main">
   <p:cSld>
     <p:spTree>
@@ -15916,7 +16709,7 @@
 </p:sld>
 </file>
 
-<file path=ppt/slides/slide4.xml><?xml version="1.0" encoding="utf-8"?>
+<file path=ppt/slides/slide5.xml><?xml version="1.0" encoding="utf-8"?>
 <p:sld xmlns:a="http://schemas.openxmlformats.org/drawingml/2006/main" xmlns:r="http://schemas.openxmlformats.org/officeDocument/2006/relationships" xmlns:p="http://schemas.openxmlformats.org/presentationml/2006/main">
   <p:cSld>
     <p:spTree>
@@ -16746,7 +17539,7 @@
 </p:sld>
 </file>
 
-<file path=ppt/slides/slide5.xml><?xml version="1.0" encoding="utf-8"?>
+<file path=ppt/slides/slide6.xml><?xml version="1.0" encoding="utf-8"?>
 <p:sld xmlns:a="http://schemas.openxmlformats.org/drawingml/2006/main" xmlns:r="http://schemas.openxmlformats.org/officeDocument/2006/relationships" xmlns:p="http://schemas.openxmlformats.org/presentationml/2006/main">
   <p:cSld>
     <p:spTree>
@@ -17262,7 +18055,7 @@
 </p:sld>
 </file>
 
-<file path=ppt/slides/slide6.xml><?xml version="1.0" encoding="utf-8"?>
+<file path=ppt/slides/slide7.xml><?xml version="1.0" encoding="utf-8"?>
 <p:sld xmlns:a="http://schemas.openxmlformats.org/drawingml/2006/main" xmlns:r="http://schemas.openxmlformats.org/officeDocument/2006/relationships" xmlns:p="http://schemas.openxmlformats.org/presentationml/2006/main">
   <p:cSld>
     <p:spTree>
@@ -17950,7 +18743,7 @@
 </p:sld>
 </file>
 
-<file path=ppt/slides/slide7.xml><?xml version="1.0" encoding="utf-8"?>
+<file path=ppt/slides/slide8.xml><?xml version="1.0" encoding="utf-8"?>
 <p:sld xmlns:a="http://schemas.openxmlformats.org/drawingml/2006/main" xmlns:r="http://schemas.openxmlformats.org/officeDocument/2006/relationships" xmlns:p="http://schemas.openxmlformats.org/presentationml/2006/main">
   <p:cSld>
     <p:spTree>
@@ -18273,7 +19066,7 @@
 </p:sld>
 </file>
 
-<file path=ppt/slides/slide8.xml><?xml version="1.0" encoding="utf-8"?>
+<file path=ppt/slides/slide9.xml><?xml version="1.0" encoding="utf-8"?>
 <p:sld xmlns:a="http://schemas.openxmlformats.org/drawingml/2006/main" xmlns:r="http://schemas.openxmlformats.org/officeDocument/2006/relationships" xmlns:p="http://schemas.openxmlformats.org/presentationml/2006/main">
   <p:cSld>
     <p:spTree>
@@ -18846,117 +19639,6 @@
     <p:extLst>
       <p:ext uri="{BB962C8B-B14F-4D97-AF65-F5344CB8AC3E}">
         <p14:creationId xmlns:p14="http://schemas.microsoft.com/office/powerpoint/2010/main" val="4161202371"/>
-      </p:ext>
-    </p:extLst>
-  </p:cSld>
-  <p:clrMapOvr>
-    <a:masterClrMapping/>
-  </p:clrMapOvr>
-</p:sld>
-</file>
-
-<file path=ppt/slides/slide9.xml><?xml version="1.0" encoding="utf-8"?>
-<p:sld xmlns:a="http://schemas.openxmlformats.org/drawingml/2006/main" xmlns:r="http://schemas.openxmlformats.org/officeDocument/2006/relationships" xmlns:p="http://schemas.openxmlformats.org/presentationml/2006/main">
-  <p:cSld>
-    <p:spTree>
-      <p:nvGrpSpPr>
-        <p:cNvPr id="1" name=""/>
-        <p:cNvGrpSpPr/>
-        <p:nvPr/>
-      </p:nvGrpSpPr>
-      <p:grpSpPr>
-        <a:xfrm>
-          <a:off x="0" y="0"/>
-          <a:ext cx="0" cy="0"/>
-          <a:chOff x="0" y="0"/>
-          <a:chExt cx="0" cy="0"/>
-        </a:xfrm>
-      </p:grpSpPr>
-      <p:sp>
-        <p:nvSpPr>
-          <p:cNvPr id="4" name="標題 3"/>
-          <p:cNvSpPr>
-            <a:spLocks noGrp="1"/>
-          </p:cNvSpPr>
-          <p:nvPr>
-            <p:ph type="title"/>
-          </p:nvPr>
-        </p:nvSpPr>
-        <p:spPr/>
-        <p:txBody>
-          <a:bodyPr/>
-          <a:lstStyle/>
-          <a:p>
-            <a:r>
-              <a:rPr lang="zh-TW" altLang="en-US" dirty="0"/>
-              <a:t>系統分析 </a:t>
-            </a:r>
-            <a:r>
-              <a:rPr lang="en-US" altLang="zh-TW" dirty="0"/>
-              <a:t>–</a:t>
-            </a:r>
-            <a:r>
-              <a:rPr lang="zh-TW" altLang="en-US" dirty="0"/>
-              <a:t> </a:t>
-            </a:r>
-            <a:r>
-              <a:rPr lang="en-US" altLang="zh-TW" dirty="0"/>
-              <a:t>Break down</a:t>
-            </a:r>
-            <a:r>
-              <a:rPr lang="zh-TW" altLang="en-US" dirty="0"/>
-              <a:t> </a:t>
-            </a:r>
-            <a:r>
-              <a:rPr lang="en-US" altLang="zh-TW" dirty="0"/>
-              <a:t>(2023/5/13</a:t>
-            </a:r>
-            <a:r>
-              <a:rPr lang="zh-TW" altLang="en-US" dirty="0"/>
-              <a:t>更新</a:t>
-            </a:r>
-            <a:r>
-              <a:rPr lang="en-US" altLang="zh-TW" dirty="0"/>
-              <a:t>)</a:t>
-            </a:r>
-            <a:endParaRPr lang="zh-TW" altLang="en-US" dirty="0"/>
-          </a:p>
-        </p:txBody>
-      </p:sp>
-      <p:pic>
-        <p:nvPicPr>
-          <p:cNvPr id="3" name="圖片 2">
-            <a:extLst>
-              <a:ext uri="{FF2B5EF4-FFF2-40B4-BE49-F238E27FC236}">
-                <a16:creationId xmlns:a16="http://schemas.microsoft.com/office/drawing/2014/main" id="{5362726A-8B91-47F6-80D9-15DE3DC47D25}"/>
-              </a:ext>
-            </a:extLst>
-          </p:cNvPr>
-          <p:cNvPicPr>
-            <a:picLocks noChangeAspect="1"/>
-          </p:cNvPicPr>
-          <p:nvPr/>
-        </p:nvPicPr>
-        <p:blipFill>
-          <a:blip r:embed="rId2"/>
-          <a:stretch>
-            <a:fillRect/>
-          </a:stretch>
-        </p:blipFill>
-        <p:spPr>
-          <a:xfrm>
-            <a:off x="1600921" y="1272253"/>
-            <a:ext cx="8990157" cy="4863906"/>
-          </a:xfrm>
-          <a:prstGeom prst="rect">
-            <a:avLst/>
-          </a:prstGeom>
-        </p:spPr>
-      </p:pic>
-    </p:spTree>
-    <p:extLst>
-      <p:ext uri="{BB962C8B-B14F-4D97-AF65-F5344CB8AC3E}">
-        <p14:creationId xmlns:p14="http://schemas.microsoft.com/office/powerpoint/2010/main" val="4097681233"/>
       </p:ext>
     </p:extLst>
   </p:cSld>
